--- a/WELCOME.pptx
+++ b/WELCOME.pptx
@@ -4,7 +4,7 @@
   <p:sldMasterIdLst>
     <p:sldMasterId id="2147483690" r:id="rId1"/>
     <p:sldMasterId id="2147483738" r:id="rId2"/>
-    <p:sldMasterId id="2147483750" r:id="rId3"/>
+    <p:sldMasterId id="2147483767" r:id="rId3"/>
   </p:sldMasterIdLst>
   <p:sldIdLst>
     <p:sldId id="263" r:id="rId4"/>
@@ -17,7 +17,9 @@
     <p:sldId id="259" r:id="rId11"/>
     <p:sldId id="261" r:id="rId12"/>
     <p:sldId id="264" r:id="rId13"/>
-    <p:sldId id="265" r:id="rId14"/>
+    <p:sldId id="267" r:id="rId14"/>
+    <p:sldId id="268" r:id="rId15"/>
+    <p:sldId id="269" r:id="rId16"/>
   </p:sldIdLst>
   <p:sldSz cx="12192000" cy="6858000"/>
   <p:notesSz cx="6858000" cy="9144000"/>
@@ -116,6 +118,11 @@
       </a:defRPr>
     </a:lvl9pPr>
   </p:defaultTextStyle>
+  <p:extLst>
+    <p:ext uri="{EFAFB233-063F-42B5-8137-9DF3F51BA10A}">
+      <p15:sldGuideLst xmlns:p15="http://schemas.microsoft.com/office/powerpoint/2012/main"/>
+    </p:ext>
+  </p:extLst>
 </p:presentation>
 </file>
 
@@ -305,7 +312,7 @@
           <a:p>
             <a:fld id="{48A87A34-81AB-432B-8DAE-1953F412C126}" type="datetimeFigureOut">
               <a:rPr lang="en-US" smtClean="0"/>
-              <a:t>4/3/2019</a:t>
+              <a:t>4/21/2019</a:t>
             </a:fld>
             <a:endParaRPr lang="en-US" dirty="0"/>
           </a:p>
@@ -581,7 +588,7 @@
             <a:fld id="{48A87A34-81AB-432B-8DAE-1953F412C126}" type="datetimeFigureOut">
               <a:rPr lang="en-US" smtClean="0"/>
               <a:pPr/>
-              <a:t>4/3/2019</a:t>
+              <a:t>4/21/2019</a:t>
             </a:fld>
             <a:endParaRPr lang="en-US" dirty="0"/>
           </a:p>
@@ -777,7 +784,7 @@
             <a:fld id="{48A87A34-81AB-432B-8DAE-1953F412C126}" type="datetimeFigureOut">
               <a:rPr lang="en-US" smtClean="0"/>
               <a:pPr/>
-              <a:t>4/3/2019</a:t>
+              <a:t>4/21/2019</a:t>
             </a:fld>
             <a:endParaRPr lang="en-US" dirty="0"/>
           </a:p>
@@ -1052,7 +1059,7 @@
             <a:fld id="{48A87A34-81AB-432B-8DAE-1953F412C126}" type="datetimeFigureOut">
               <a:rPr lang="en-US" smtClean="0"/>
               <a:pPr/>
-              <a:t>4/3/2019</a:t>
+              <a:t>4/21/2019</a:t>
             </a:fld>
             <a:endParaRPr lang="en-US" dirty="0"/>
           </a:p>
@@ -1395,7 +1402,7 @@
             <a:fld id="{48A87A34-81AB-432B-8DAE-1953F412C126}" type="datetimeFigureOut">
               <a:rPr lang="en-US" smtClean="0"/>
               <a:pPr/>
-              <a:t>4/3/2019</a:t>
+              <a:t>4/21/2019</a:t>
             </a:fld>
             <a:endParaRPr lang="en-US" dirty="0"/>
           </a:p>
@@ -2020,7 +2027,7 @@
             <a:fld id="{48A87A34-81AB-432B-8DAE-1953F412C126}" type="datetimeFigureOut">
               <a:rPr lang="en-US" smtClean="0"/>
               <a:pPr/>
-              <a:t>4/3/2019</a:t>
+              <a:t>4/21/2019</a:t>
             </a:fld>
             <a:endParaRPr lang="en-US" dirty="0"/>
           </a:p>
@@ -2882,7 +2889,7 @@
             <a:fld id="{48A87A34-81AB-432B-8DAE-1953F412C126}" type="datetimeFigureOut">
               <a:rPr lang="en-US" smtClean="0"/>
               <a:pPr/>
-              <a:t>4/3/2019</a:t>
+              <a:t>4/21/2019</a:t>
             </a:fld>
             <a:endParaRPr lang="en-US" dirty="0"/>
           </a:p>
@@ -3053,7 +3060,7 @@
           <a:p>
             <a:fld id="{48A87A34-81AB-432B-8DAE-1953F412C126}" type="datetimeFigureOut">
               <a:rPr lang="en-US" smtClean="0"/>
-              <a:t>4/3/2019</a:t>
+              <a:t>4/21/2019</a:t>
             </a:fld>
             <a:endParaRPr lang="en-US" dirty="0"/>
           </a:p>
@@ -3233,7 +3240,7 @@
           <a:p>
             <a:fld id="{48A87A34-81AB-432B-8DAE-1953F412C126}" type="datetimeFigureOut">
               <a:rPr lang="en-US" smtClean="0"/>
-              <a:t>4/3/2019</a:t>
+              <a:t>4/21/2019</a:t>
             </a:fld>
             <a:endParaRPr lang="en-US" dirty="0"/>
           </a:p>
@@ -3433,7 +3440,7 @@
           <a:p>
             <a:fld id="{48A87A34-81AB-432B-8DAE-1953F412C126}" type="datetimeFigureOut">
               <a:rPr lang="en-US" smtClean="0"/>
-              <a:t>4/3/2019</a:t>
+              <a:t>4/21/2019</a:t>
             </a:fld>
             <a:endParaRPr lang="en-US" dirty="0"/>
           </a:p>
@@ -3644,7 +3651,7 @@
           <a:p>
             <a:fld id="{48A87A34-81AB-432B-8DAE-1953F412C126}" type="datetimeFigureOut">
               <a:rPr lang="en-US" smtClean="0"/>
-              <a:t>4/3/2019</a:t>
+              <a:t>4/21/2019</a:t>
             </a:fld>
             <a:endParaRPr lang="en-US" dirty="0"/>
           </a:p>
@@ -3845,7 +3852,7 @@
           <a:p>
             <a:fld id="{48A87A34-81AB-432B-8DAE-1953F412C126}" type="datetimeFigureOut">
               <a:rPr lang="en-US" smtClean="0"/>
-              <a:t>4/3/2019</a:t>
+              <a:t>4/21/2019</a:t>
             </a:fld>
             <a:endParaRPr lang="en-US" dirty="0"/>
           </a:p>
@@ -4093,7 +4100,7 @@
           <a:p>
             <a:fld id="{48A87A34-81AB-432B-8DAE-1953F412C126}" type="datetimeFigureOut">
               <a:rPr lang="en-US" smtClean="0"/>
-              <a:t>4/3/2019</a:t>
+              <a:t>4/21/2019</a:t>
             </a:fld>
             <a:endParaRPr lang="en-US" dirty="0"/>
           </a:p>
@@ -4361,7 +4368,7 @@
           <a:p>
             <a:fld id="{48A87A34-81AB-432B-8DAE-1953F412C126}" type="datetimeFigureOut">
               <a:rPr lang="en-US" smtClean="0"/>
-              <a:t>4/3/2019</a:t>
+              <a:t>4/21/2019</a:t>
             </a:fld>
             <a:endParaRPr lang="en-US" dirty="0"/>
           </a:p>
@@ -4777,7 +4784,7 @@
           <a:p>
             <a:fld id="{48A87A34-81AB-432B-8DAE-1953F412C126}" type="datetimeFigureOut">
               <a:rPr lang="en-US" smtClean="0"/>
-              <a:t>4/3/2019</a:t>
+              <a:t>4/21/2019</a:t>
             </a:fld>
             <a:endParaRPr lang="en-US" dirty="0"/>
           </a:p>
@@ -4926,7 +4933,7 @@
           <a:p>
             <a:fld id="{48A87A34-81AB-432B-8DAE-1953F412C126}" type="datetimeFigureOut">
               <a:rPr lang="en-US" smtClean="0"/>
-              <a:t>4/3/2019</a:t>
+              <a:t>4/21/2019</a:t>
             </a:fld>
             <a:endParaRPr lang="en-US" dirty="0"/>
           </a:p>
@@ -5052,7 +5059,7 @@
           <a:p>
             <a:fld id="{48A87A34-81AB-432B-8DAE-1953F412C126}" type="datetimeFigureOut">
               <a:rPr lang="en-US" smtClean="0"/>
-              <a:t>4/3/2019</a:t>
+              <a:t>4/21/2019</a:t>
             </a:fld>
             <a:endParaRPr lang="en-US" dirty="0"/>
           </a:p>
@@ -5303,7 +5310,7 @@
           <a:p>
             <a:fld id="{48A87A34-81AB-432B-8DAE-1953F412C126}" type="datetimeFigureOut">
               <a:rPr lang="en-US" smtClean="0"/>
-              <a:t>4/3/2019</a:t>
+              <a:t>4/21/2019</a:t>
             </a:fld>
             <a:endParaRPr lang="en-US" dirty="0"/>
           </a:p>
@@ -5749,7 +5756,7 @@
             <a:fld id="{48A87A34-81AB-432B-8DAE-1953F412C126}" type="datetimeFigureOut">
               <a:rPr lang="en-US" smtClean="0"/>
               <a:pPr/>
-              <a:t>4/3/2019</a:t>
+              <a:t>4/21/2019</a:t>
             </a:fld>
             <a:endParaRPr lang="en-US" dirty="0"/>
           </a:p>
@@ -5955,7 +5962,7 @@
           <a:p>
             <a:fld id="{48A87A34-81AB-432B-8DAE-1953F412C126}" type="datetimeFigureOut">
               <a:rPr lang="en-US" smtClean="0"/>
-              <a:t>4/3/2019</a:t>
+              <a:t>4/21/2019</a:t>
             </a:fld>
             <a:endParaRPr lang="en-US" dirty="0"/>
           </a:p>
@@ -6170,7 +6177,7 @@
           <a:p>
             <a:fld id="{48A87A34-81AB-432B-8DAE-1953F412C126}" type="datetimeFigureOut">
               <a:rPr lang="en-US" smtClean="0"/>
-              <a:t>4/3/2019</a:t>
+              <a:t>4/21/2019</a:t>
             </a:fld>
             <a:endParaRPr lang="en-US" dirty="0"/>
           </a:p>
@@ -6488,7 +6495,7 @@
           <a:p>
             <a:fld id="{48A87A34-81AB-432B-8DAE-1953F412C126}" type="datetimeFigureOut">
               <a:rPr lang="en-US" smtClean="0"/>
-              <a:t>4/3/2019</a:t>
+              <a:t>4/21/2019</a:t>
             </a:fld>
             <a:endParaRPr lang="en-US" dirty="0"/>
           </a:p>
@@ -6577,7 +6584,7 @@
     </p:spTree>
     <p:extLst>
       <p:ext uri="{BB962C8B-B14F-4D97-AF65-F5344CB8AC3E}">
-        <p14:creationId xmlns:p14="http://schemas.microsoft.com/office/powerpoint/2010/main" val="3191531011"/>
+        <p14:creationId xmlns:p14="http://schemas.microsoft.com/office/powerpoint/2010/main" val="2534324746"/>
       </p:ext>
     </p:extLst>
   </p:cSld>
@@ -6773,7 +6780,7 @@
           <a:p>
             <a:fld id="{48A87A34-81AB-432B-8DAE-1953F412C126}" type="datetimeFigureOut">
               <a:rPr lang="en-US" smtClean="0"/>
-              <a:t>4/3/2019</a:t>
+              <a:t>4/21/2019</a:t>
             </a:fld>
             <a:endParaRPr lang="en-US" dirty="0"/>
           </a:p>
@@ -6947,7 +6954,7 @@
           <a:p>
             <a:fld id="{48A87A34-81AB-432B-8DAE-1953F412C126}" type="datetimeFigureOut">
               <a:rPr lang="en-US" smtClean="0"/>
-              <a:t>4/3/2019</a:t>
+              <a:t>4/21/2019</a:t>
             </a:fld>
             <a:endParaRPr lang="en-US" dirty="0"/>
           </a:p>
@@ -6998,7 +7005,7 @@
     </p:spTree>
     <p:extLst>
       <p:ext uri="{BB962C8B-B14F-4D97-AF65-F5344CB8AC3E}">
-        <p14:creationId xmlns:p14="http://schemas.microsoft.com/office/powerpoint/2010/main" val="2643107619"/>
+        <p14:creationId xmlns:p14="http://schemas.microsoft.com/office/powerpoint/2010/main" val="2557035147"/>
       </p:ext>
     </p:extLst>
   </p:cSld>
@@ -7290,7 +7297,7 @@
           <a:p>
             <a:fld id="{48A87A34-81AB-432B-8DAE-1953F412C126}" type="datetimeFigureOut">
               <a:rPr lang="en-US" smtClean="0"/>
-              <a:t>4/3/2019</a:t>
+              <a:t>4/21/2019</a:t>
             </a:fld>
             <a:endParaRPr lang="en-US" dirty="0"/>
           </a:p>
@@ -7379,7 +7386,7 @@
     </p:spTree>
     <p:extLst>
       <p:ext uri="{BB962C8B-B14F-4D97-AF65-F5344CB8AC3E}">
-        <p14:creationId xmlns:p14="http://schemas.microsoft.com/office/powerpoint/2010/main" val="70311442"/>
+        <p14:creationId xmlns:p14="http://schemas.microsoft.com/office/powerpoint/2010/main" val="605414087"/>
       </p:ext>
     </p:extLst>
   </p:cSld>
@@ -7565,7 +7572,7 @@
           <a:p>
             <a:fld id="{48A87A34-81AB-432B-8DAE-1953F412C126}" type="datetimeFigureOut">
               <a:rPr lang="en-US" smtClean="0"/>
-              <a:t>4/3/2019</a:t>
+              <a:t>4/21/2019</a:t>
             </a:fld>
             <a:endParaRPr lang="en-US" dirty="0"/>
           </a:p>
@@ -7616,7 +7623,7 @@
     </p:spTree>
     <p:extLst>
       <p:ext uri="{BB962C8B-B14F-4D97-AF65-F5344CB8AC3E}">
-        <p14:creationId xmlns:p14="http://schemas.microsoft.com/office/powerpoint/2010/main" val="1939718579"/>
+        <p14:creationId xmlns:p14="http://schemas.microsoft.com/office/powerpoint/2010/main" val="800011673"/>
       </p:ext>
     </p:extLst>
   </p:cSld>
@@ -7944,7 +7951,7 @@
           <a:p>
             <a:fld id="{48A87A34-81AB-432B-8DAE-1953F412C126}" type="datetimeFigureOut">
               <a:rPr lang="en-US" smtClean="0"/>
-              <a:t>4/3/2019</a:t>
+              <a:t>4/21/2019</a:t>
             </a:fld>
             <a:endParaRPr lang="en-US" dirty="0"/>
           </a:p>
@@ -7995,7 +8002,7 @@
     </p:spTree>
     <p:extLst>
       <p:ext uri="{BB962C8B-B14F-4D97-AF65-F5344CB8AC3E}">
-        <p14:creationId xmlns:p14="http://schemas.microsoft.com/office/powerpoint/2010/main" val="218430117"/>
+        <p14:creationId xmlns:p14="http://schemas.microsoft.com/office/powerpoint/2010/main" val="1125054380"/>
       </p:ext>
     </p:extLst>
   </p:cSld>
@@ -8062,7 +8069,7 @@
           <a:p>
             <a:fld id="{48A87A34-81AB-432B-8DAE-1953F412C126}" type="datetimeFigureOut">
               <a:rPr lang="en-US" smtClean="0"/>
-              <a:t>4/3/2019</a:t>
+              <a:t>4/21/2019</a:t>
             </a:fld>
             <a:endParaRPr lang="en-US" dirty="0"/>
           </a:p>
@@ -8113,7 +8120,7 @@
     </p:spTree>
     <p:extLst>
       <p:ext uri="{BB962C8B-B14F-4D97-AF65-F5344CB8AC3E}">
-        <p14:creationId xmlns:p14="http://schemas.microsoft.com/office/powerpoint/2010/main" val="1030912168"/>
+        <p14:creationId xmlns:p14="http://schemas.microsoft.com/office/powerpoint/2010/main" val="3087353733"/>
       </p:ext>
     </p:extLst>
   </p:cSld>
@@ -8233,7 +8240,7 @@
           <a:p>
             <a:fld id="{48A87A34-81AB-432B-8DAE-1953F412C126}" type="datetimeFigureOut">
               <a:rPr lang="en-US" smtClean="0"/>
-              <a:t>4/3/2019</a:t>
+              <a:t>4/21/2019</a:t>
             </a:fld>
             <a:endParaRPr lang="en-US" dirty="0"/>
           </a:p>
@@ -8292,7 +8299,7 @@
     </p:spTree>
     <p:extLst>
       <p:ext uri="{BB962C8B-B14F-4D97-AF65-F5344CB8AC3E}">
-        <p14:creationId xmlns:p14="http://schemas.microsoft.com/office/powerpoint/2010/main" val="2394034164"/>
+        <p14:creationId xmlns:p14="http://schemas.microsoft.com/office/powerpoint/2010/main" val="103914690"/>
       </p:ext>
     </p:extLst>
   </p:cSld>
@@ -8587,7 +8594,7 @@
           <a:p>
             <a:fld id="{48A87A34-81AB-432B-8DAE-1953F412C126}" type="datetimeFigureOut">
               <a:rPr lang="en-US" smtClean="0"/>
-              <a:t>4/3/2019</a:t>
+              <a:t>4/21/2019</a:t>
             </a:fld>
             <a:endParaRPr lang="en-US" dirty="0"/>
           </a:p>
@@ -8659,7 +8666,7 @@
     </p:spTree>
     <p:extLst>
       <p:ext uri="{BB962C8B-B14F-4D97-AF65-F5344CB8AC3E}">
-        <p14:creationId xmlns:p14="http://schemas.microsoft.com/office/powerpoint/2010/main" val="3601495865"/>
+        <p14:creationId xmlns:p14="http://schemas.microsoft.com/office/powerpoint/2010/main" val="1026439097"/>
       </p:ext>
     </p:extLst>
   </p:cSld>
@@ -8970,7 +8977,7 @@
             <a:fld id="{48A87A34-81AB-432B-8DAE-1953F412C126}" type="datetimeFigureOut">
               <a:rPr lang="en-US" smtClean="0"/>
               <a:pPr/>
-              <a:t>4/3/2019</a:t>
+              <a:t>4/21/2019</a:t>
             </a:fld>
             <a:endParaRPr lang="en-US" dirty="0"/>
           </a:p>
@@ -9021,7 +9028,7 @@
     </p:spTree>
     <p:extLst>
       <p:ext uri="{BB962C8B-B14F-4D97-AF65-F5344CB8AC3E}">
-        <p14:creationId xmlns:p14="http://schemas.microsoft.com/office/powerpoint/2010/main" val="3060891231"/>
+        <p14:creationId xmlns:p14="http://schemas.microsoft.com/office/powerpoint/2010/main" val="2840755109"/>
       </p:ext>
     </p:extLst>
   </p:cSld>
@@ -9140,7 +9147,7 @@
           <a:p>
             <a:fld id="{48A87A34-81AB-432B-8DAE-1953F412C126}" type="datetimeFigureOut">
               <a:rPr lang="en-US" smtClean="0"/>
-              <a:t>4/3/2019</a:t>
+              <a:t>4/21/2019</a:t>
             </a:fld>
             <a:endParaRPr lang="en-US" dirty="0"/>
           </a:p>
@@ -9191,7 +9198,7 @@
     </p:spTree>
     <p:extLst>
       <p:ext uri="{BB962C8B-B14F-4D97-AF65-F5344CB8AC3E}">
-        <p14:creationId xmlns:p14="http://schemas.microsoft.com/office/powerpoint/2010/main" val="3185550519"/>
+        <p14:creationId xmlns:p14="http://schemas.microsoft.com/office/powerpoint/2010/main" val="151243082"/>
       </p:ext>
     </p:extLst>
   </p:cSld>
@@ -9396,7 +9403,7 @@
           <a:p>
             <a:fld id="{48A87A34-81AB-432B-8DAE-1953F412C126}" type="datetimeFigureOut">
               <a:rPr lang="en-US" smtClean="0"/>
-              <a:t>4/3/2019</a:t>
+              <a:t>4/21/2019</a:t>
             </a:fld>
             <a:endParaRPr lang="en-US" dirty="0"/>
           </a:p>
@@ -9447,7 +9454,7 @@
     </p:spTree>
     <p:extLst>
       <p:ext uri="{BB962C8B-B14F-4D97-AF65-F5344CB8AC3E}">
-        <p14:creationId xmlns:p14="http://schemas.microsoft.com/office/powerpoint/2010/main" val="3744852947"/>
+        <p14:creationId xmlns:p14="http://schemas.microsoft.com/office/powerpoint/2010/main" val="3508613175"/>
       </p:ext>
     </p:extLst>
   </p:cSld>
@@ -9688,7 +9695,7 @@
           <a:p>
             <a:fld id="{48A87A34-81AB-432B-8DAE-1953F412C126}" type="datetimeFigureOut">
               <a:rPr lang="en-US" smtClean="0"/>
-              <a:t>4/3/2019</a:t>
+              <a:t>4/21/2019</a:t>
             </a:fld>
             <a:endParaRPr lang="en-US" dirty="0"/>
           </a:p>
@@ -10132,7 +10139,7 @@
           <a:p>
             <a:fld id="{48A87A34-81AB-432B-8DAE-1953F412C126}" type="datetimeFigureOut">
               <a:rPr lang="en-US" smtClean="0"/>
-              <a:t>4/3/2019</a:t>
+              <a:t>4/21/2019</a:t>
             </a:fld>
             <a:endParaRPr lang="en-US" dirty="0"/>
           </a:p>
@@ -10250,7 +10257,7 @@
           <a:p>
             <a:fld id="{48A87A34-81AB-432B-8DAE-1953F412C126}" type="datetimeFigureOut">
               <a:rPr lang="en-US" smtClean="0"/>
-              <a:t>4/3/2019</a:t>
+              <a:t>4/21/2019</a:t>
             </a:fld>
             <a:endParaRPr lang="en-US" dirty="0"/>
           </a:p>
@@ -10345,7 +10352,7 @@
           <a:p>
             <a:fld id="{48A87A34-81AB-432B-8DAE-1953F412C126}" type="datetimeFigureOut">
               <a:rPr lang="en-US" smtClean="0"/>
-              <a:t>4/3/2019</a:t>
+              <a:t>4/21/2019</a:t>
             </a:fld>
             <a:endParaRPr lang="en-US" dirty="0"/>
           </a:p>
@@ -10624,7 +10631,7 @@
           <a:p>
             <a:fld id="{48A87A34-81AB-432B-8DAE-1953F412C126}" type="datetimeFigureOut">
               <a:rPr lang="en-US" smtClean="0"/>
-              <a:t>4/3/2019</a:t>
+              <a:t>4/21/2019</a:t>
             </a:fld>
             <a:endParaRPr lang="en-US" dirty="0"/>
           </a:p>
@@ -10900,7 +10907,7 @@
             <a:fld id="{48A87A34-81AB-432B-8DAE-1953F412C126}" type="datetimeFigureOut">
               <a:rPr lang="en-US" smtClean="0"/>
               <a:pPr/>
-              <a:t>4/3/2019</a:t>
+              <a:t>4/21/2019</a:t>
             </a:fld>
             <a:endParaRPr lang="en-US" dirty="0"/>
           </a:p>
@@ -11330,7 +11337,7 @@
             <a:fld id="{48A87A34-81AB-432B-8DAE-1953F412C126}" type="datetimeFigureOut">
               <a:rPr lang="en-US" smtClean="0"/>
               <a:pPr/>
-              <a:t>4/3/2019</a:t>
+              <a:t>4/21/2019</a:t>
             </a:fld>
             <a:endParaRPr lang="en-US" dirty="0"/>
           </a:p>
@@ -12072,7 +12079,7 @@
             <a:fld id="{48A87A34-81AB-432B-8DAE-1953F412C126}" type="datetimeFigureOut">
               <a:rPr lang="en-US" smtClean="0"/>
               <a:pPr/>
-              <a:t>4/3/2019</a:t>
+              <a:t>4/21/2019</a:t>
             </a:fld>
             <a:endParaRPr lang="en-US" dirty="0"/>
           </a:p>
@@ -12769,7 +12776,7 @@
             <a:fld id="{48A87A34-81AB-432B-8DAE-1953F412C126}" type="datetimeFigureOut">
               <a:rPr lang="en-US" smtClean="0"/>
               <a:pPr/>
-              <a:t>4/3/2019</a:t>
+              <a:t>4/21/2019</a:t>
             </a:fld>
             <a:endParaRPr lang="en-US" dirty="0"/>
           </a:p>
@@ -12891,23 +12898,23 @@
     </p:spTree>
     <p:extLst>
       <p:ext uri="{BB962C8B-B14F-4D97-AF65-F5344CB8AC3E}">
-        <p14:creationId xmlns:p14="http://schemas.microsoft.com/office/powerpoint/2010/main" val="1344714654"/>
+        <p14:creationId xmlns:p14="http://schemas.microsoft.com/office/powerpoint/2010/main" val="2646985833"/>
       </p:ext>
     </p:extLst>
   </p:cSld>
   <p:clrMap bg1="lt1" tx1="dk1" bg2="lt2" tx2="dk2" accent1="accent1" accent2="accent2" accent3="accent3" accent4="accent4" accent5="accent5" accent6="accent6" hlink="hlink" folHlink="folHlink"/>
   <p:sldLayoutIdLst>
-    <p:sldLayoutId id="2147483751" r:id="rId1"/>
-    <p:sldLayoutId id="2147483752" r:id="rId2"/>
-    <p:sldLayoutId id="2147483753" r:id="rId3"/>
-    <p:sldLayoutId id="2147483754" r:id="rId4"/>
-    <p:sldLayoutId id="2147483755" r:id="rId5"/>
-    <p:sldLayoutId id="2147483756" r:id="rId6"/>
-    <p:sldLayoutId id="2147483757" r:id="rId7"/>
-    <p:sldLayoutId id="2147483758" r:id="rId8"/>
-    <p:sldLayoutId id="2147483759" r:id="rId9"/>
-    <p:sldLayoutId id="2147483760" r:id="rId10"/>
-    <p:sldLayoutId id="2147483761" r:id="rId11"/>
+    <p:sldLayoutId id="2147483768" r:id="rId1"/>
+    <p:sldLayoutId id="2147483769" r:id="rId2"/>
+    <p:sldLayoutId id="2147483770" r:id="rId3"/>
+    <p:sldLayoutId id="2147483771" r:id="rId4"/>
+    <p:sldLayoutId id="2147483772" r:id="rId5"/>
+    <p:sldLayoutId id="2147483773" r:id="rId6"/>
+    <p:sldLayoutId id="2147483774" r:id="rId7"/>
+    <p:sldLayoutId id="2147483775" r:id="rId8"/>
+    <p:sldLayoutId id="2147483776" r:id="rId9"/>
+    <p:sldLayoutId id="2147483777" r:id="rId10"/>
+    <p:sldLayoutId id="2147483778" r:id="rId11"/>
   </p:sldLayoutIdLst>
   <p:txStyles>
     <p:titleStyle>
@@ -13370,11 +13377,11 @@
   <p:clrMapOvr>
     <a:masterClrMapping/>
   </p:clrMapOvr>
-  <mc:AlternateContent xmlns:mc="http://schemas.openxmlformats.org/markup-compatibility/2006">
-    <mc:Choice xmlns:p14="http://schemas.microsoft.com/office/powerpoint/2010/main" Requires="p14">
+  <mc:AlternateContent xmlns:mc="http://schemas.openxmlformats.org/markup-compatibility/2006" xmlns:p14="http://schemas.microsoft.com/office/powerpoint/2010/main">
+    <mc:Choice Requires="p14">
       <p:transition p14:dur="10"/>
     </mc:Choice>
-    <mc:Fallback>
+    <mc:Fallback xmlns="">
       <p:transition/>
     </mc:Fallback>
   </mc:AlternateContent>
@@ -13488,13 +13495,13 @@
             <a:spLocks noGrp="1"/>
           </p:cNvSpPr>
           <p:nvPr>
-            <p:ph type="title"/>
+            <p:ph type="title" idx="4294967295"/>
           </p:nvPr>
         </p:nvSpPr>
         <p:spPr>
           <a:xfrm>
-            <a:off x="0" y="417233"/>
-            <a:ext cx="7715794" cy="828094"/>
+            <a:off x="0" y="417513"/>
+            <a:ext cx="7715250" cy="827087"/>
           </a:xfrm>
         </p:spPr>
         <p:txBody>
@@ -13514,10 +13521,10 @@
       </p:sp>
       <p:sp>
         <p:nvSpPr>
-          <p:cNvPr id="3" name="Content Placeholder 2">
+          <p:cNvPr id="5" name="Content Placeholder 4">
             <a:extLst>
               <a:ext uri="{FF2B5EF4-FFF2-40B4-BE49-F238E27FC236}">
-                <a16:creationId xmlns:a16="http://schemas.microsoft.com/office/drawing/2014/main" id="{E6B46723-4157-4203-8415-737DF80B9EF2}"/>
+                <a16:creationId xmlns:a16="http://schemas.microsoft.com/office/drawing/2014/main" id="{547071FB-A33F-4BE6-8E71-97AB523AD6F6}"/>
               </a:ext>
             </a:extLst>
           </p:cNvPr>
@@ -13525,20 +13532,285 @@
             <a:spLocks noGrp="1"/>
           </p:cNvSpPr>
           <p:nvPr>
-            <p:ph idx="1"/>
+            <p:ph idx="4294967295"/>
           </p:nvPr>
         </p:nvSpPr>
         <p:spPr>
           <a:xfrm>
-            <a:off x="209006" y="1810900"/>
-            <a:ext cx="10058400" cy="4023360"/>
+            <a:off x="0" y="1184882"/>
+            <a:ext cx="11546378" cy="4850158"/>
           </a:xfrm>
         </p:spPr>
         <p:txBody>
-          <a:bodyPr/>
+          <a:bodyPr>
+            <a:noAutofit/>
+          </a:bodyPr>
           <a:lstStyle/>
           <a:p>
-            <a:endParaRPr lang="en-US" dirty="0"/>
+            <a:pPr marL="0" marR="0" algn="just">
+              <a:spcBef>
+                <a:spcPts val="0"/>
+              </a:spcBef>
+              <a:spcAft>
+                <a:spcPts val="0"/>
+              </a:spcAft>
+            </a:pPr>
+            <a:r>
+              <a:rPr lang="en-US" kern="1400" spc="-50" dirty="0">
+                <a:latin typeface="Cambria" panose="02040503050406030204" pitchFamily="18" charset="0"/>
+                <a:ea typeface="Times New Roman" panose="02020603050405020304" pitchFamily="18" charset="0"/>
+                <a:cs typeface="Times New Roman" panose="02020603050405020304" pitchFamily="18" charset="0"/>
+              </a:rPr>
+              <a:t>This project comprises of three primary modules :-</a:t>
+            </a:r>
+          </a:p>
+          <a:p>
+            <a:pPr marL="342900" marR="0" lvl="0" indent="-342900">
+              <a:lnSpc>
+                <a:spcPct val="107000"/>
+              </a:lnSpc>
+              <a:spcBef>
+                <a:spcPts val="0"/>
+              </a:spcBef>
+              <a:spcAft>
+                <a:spcPts val="800"/>
+              </a:spcAft>
+              <a:buFont typeface="Symbol" panose="05050102010706020507" pitchFamily="18" charset="2"/>
+              <a:buChar char=""/>
+            </a:pPr>
+            <a:r>
+              <a:rPr lang="en-US" dirty="0">
+                <a:latin typeface="Calibri" panose="020F0502020204030204" pitchFamily="34" charset="0"/>
+                <a:ea typeface="Times New Roman" panose="02020603050405020304" pitchFamily="18" charset="0"/>
+                <a:cs typeface="Times New Roman" panose="02020603050405020304" pitchFamily="18" charset="0"/>
+              </a:rPr>
+              <a:t>DEVELOPER MODULE</a:t>
+            </a:r>
+          </a:p>
+          <a:p>
+            <a:pPr marL="342900" marR="0" lvl="0" indent="-342900">
+              <a:lnSpc>
+                <a:spcPct val="107000"/>
+              </a:lnSpc>
+              <a:spcBef>
+                <a:spcPts val="0"/>
+              </a:spcBef>
+              <a:spcAft>
+                <a:spcPts val="800"/>
+              </a:spcAft>
+              <a:buFont typeface="Symbol" panose="05050102010706020507" pitchFamily="18" charset="2"/>
+              <a:buChar char=""/>
+            </a:pPr>
+            <a:r>
+              <a:rPr lang="en-US" dirty="0">
+                <a:latin typeface="Calibri" panose="020F0502020204030204" pitchFamily="34" charset="0"/>
+                <a:ea typeface="Times New Roman" panose="02020603050405020304" pitchFamily="18" charset="0"/>
+                <a:cs typeface="Times New Roman" panose="02020603050405020304" pitchFamily="18" charset="0"/>
+              </a:rPr>
+              <a:t>TEACHERS MODULE</a:t>
+            </a:r>
+          </a:p>
+          <a:p>
+            <a:pPr marL="342900" marR="0" lvl="0" indent="-342900">
+              <a:lnSpc>
+                <a:spcPct val="107000"/>
+              </a:lnSpc>
+              <a:spcBef>
+                <a:spcPts val="0"/>
+              </a:spcBef>
+              <a:spcAft>
+                <a:spcPts val="800"/>
+              </a:spcAft>
+              <a:buFont typeface="Symbol" panose="05050102010706020507" pitchFamily="18" charset="2"/>
+              <a:buChar char=""/>
+            </a:pPr>
+            <a:r>
+              <a:rPr lang="en-US" dirty="0">
+                <a:latin typeface="Calibri" panose="020F0502020204030204" pitchFamily="34" charset="0"/>
+                <a:ea typeface="Times New Roman" panose="02020603050405020304" pitchFamily="18" charset="0"/>
+                <a:cs typeface="Times New Roman" panose="02020603050405020304" pitchFamily="18" charset="0"/>
+              </a:rPr>
+              <a:t>STUDENT MODULE</a:t>
+            </a:r>
+          </a:p>
+          <a:p>
+            <a:pPr marL="457200" marR="0">
+              <a:lnSpc>
+                <a:spcPct val="107000"/>
+              </a:lnSpc>
+              <a:spcBef>
+                <a:spcPts val="0"/>
+              </a:spcBef>
+              <a:spcAft>
+                <a:spcPts val="800"/>
+              </a:spcAft>
+            </a:pPr>
+            <a:r>
+              <a:rPr lang="en-US" dirty="0">
+                <a:latin typeface="Calibri" panose="020F0502020204030204" pitchFamily="34" charset="0"/>
+                <a:ea typeface="Times New Roman" panose="02020603050405020304" pitchFamily="18" charset="0"/>
+                <a:cs typeface="Times New Roman" panose="02020603050405020304" pitchFamily="18" charset="0"/>
+              </a:rPr>
+              <a:t> </a:t>
+            </a:r>
+          </a:p>
+          <a:p>
+            <a:pPr marL="342900" marR="0" lvl="0" indent="-342900">
+              <a:lnSpc>
+                <a:spcPct val="107000"/>
+              </a:lnSpc>
+              <a:spcBef>
+                <a:spcPts val="0"/>
+              </a:spcBef>
+              <a:spcAft>
+                <a:spcPts val="800"/>
+              </a:spcAft>
+              <a:buFont typeface="Wingdings" panose="05000000000000000000" pitchFamily="2" charset="2"/>
+              <a:buChar char=""/>
+            </a:pPr>
+            <a:r>
+              <a:rPr lang="en-US" dirty="0">
+                <a:latin typeface="Cambria" panose="02040503050406030204" pitchFamily="18" charset="0"/>
+                <a:ea typeface="Times New Roman" panose="02020603050405020304" pitchFamily="18" charset="0"/>
+                <a:cs typeface="Times New Roman" panose="02020603050405020304" pitchFamily="18" charset="0"/>
+              </a:rPr>
+              <a:t>DEVELOPER’S MODULE</a:t>
+            </a:r>
+            <a:endParaRPr lang="en-US" dirty="0">
+              <a:latin typeface="Calibri" panose="020F0502020204030204" pitchFamily="34" charset="0"/>
+              <a:ea typeface="Times New Roman" panose="02020603050405020304" pitchFamily="18" charset="0"/>
+              <a:cs typeface="Times New Roman" panose="02020603050405020304" pitchFamily="18" charset="0"/>
+            </a:endParaRPr>
+          </a:p>
+          <a:p>
+            <a:pPr marL="457200" marR="0" algn="just">
+              <a:lnSpc>
+                <a:spcPct val="107000"/>
+              </a:lnSpc>
+              <a:spcBef>
+                <a:spcPts val="0"/>
+              </a:spcBef>
+              <a:spcAft>
+                <a:spcPts val="800"/>
+              </a:spcAft>
+            </a:pPr>
+            <a:r>
+              <a:rPr lang="en-US" sz="1800" dirty="0">
+                <a:latin typeface="Cambria" panose="02040503050406030204" pitchFamily="18" charset="0"/>
+                <a:ea typeface="Times New Roman" panose="02020603050405020304" pitchFamily="18" charset="0"/>
+                <a:cs typeface="Times New Roman" panose="02020603050405020304" pitchFamily="18" charset="0"/>
+              </a:rPr>
+              <a:t>In this module their is a portal for developer only for accessing the</a:t>
+            </a:r>
+            <a:endParaRPr lang="en-US" sz="1800" dirty="0">
+              <a:latin typeface="Calibri" panose="020F0502020204030204" pitchFamily="34" charset="0"/>
+              <a:ea typeface="Times New Roman" panose="02020603050405020304" pitchFamily="18" charset="0"/>
+              <a:cs typeface="Times New Roman" panose="02020603050405020304" pitchFamily="18" charset="0"/>
+            </a:endParaRPr>
+          </a:p>
+          <a:p>
+            <a:pPr marL="457200" marR="0" algn="just">
+              <a:lnSpc>
+                <a:spcPct val="107000"/>
+              </a:lnSpc>
+              <a:spcBef>
+                <a:spcPts val="0"/>
+              </a:spcBef>
+              <a:spcAft>
+                <a:spcPts val="800"/>
+              </a:spcAft>
+            </a:pPr>
+            <a:r>
+              <a:rPr lang="en-US" sz="1800" dirty="0">
+                <a:latin typeface="Cambria" panose="02040503050406030204" pitchFamily="18" charset="0"/>
+                <a:ea typeface="Times New Roman" panose="02020603050405020304" pitchFamily="18" charset="0"/>
+                <a:cs typeface="Times New Roman" panose="02020603050405020304" pitchFamily="18" charset="0"/>
+              </a:rPr>
+              <a:t>part of data hidden database .</a:t>
+            </a:r>
+            <a:endParaRPr lang="en-US" sz="1800" dirty="0">
+              <a:latin typeface="Calibri" panose="020F0502020204030204" pitchFamily="34" charset="0"/>
+              <a:ea typeface="Times New Roman" panose="02020603050405020304" pitchFamily="18" charset="0"/>
+              <a:cs typeface="Times New Roman" panose="02020603050405020304" pitchFamily="18" charset="0"/>
+            </a:endParaRPr>
+          </a:p>
+          <a:p>
+            <a:pPr marL="457200" marR="0" algn="just">
+              <a:lnSpc>
+                <a:spcPct val="107000"/>
+              </a:lnSpc>
+              <a:spcBef>
+                <a:spcPts val="0"/>
+              </a:spcBef>
+              <a:spcAft>
+                <a:spcPts val="800"/>
+              </a:spcAft>
+            </a:pPr>
+            <a:r>
+              <a:rPr lang="en-US" sz="1800" dirty="0">
+                <a:latin typeface="Cambria" panose="02040503050406030204" pitchFamily="18" charset="0"/>
+                <a:ea typeface="Times New Roman" panose="02020603050405020304" pitchFamily="18" charset="0"/>
+                <a:cs typeface="Times New Roman" panose="02020603050405020304" pitchFamily="18" charset="0"/>
+              </a:rPr>
+              <a:t>He/she is able to access all the ids and passwords of teachers previously logged in after the installation of the software in the system. He/she can also be able to access all the students information which was being created after the installation of the software</a:t>
+            </a:r>
+            <a:endParaRPr lang="en-US" sz="1800" dirty="0">
+              <a:latin typeface="Calibri" panose="020F0502020204030204" pitchFamily="34" charset="0"/>
+              <a:ea typeface="Times New Roman" panose="02020603050405020304" pitchFamily="18" charset="0"/>
+              <a:cs typeface="Times New Roman" panose="02020603050405020304" pitchFamily="18" charset="0"/>
+            </a:endParaRPr>
+          </a:p>
+          <a:p>
+            <a:pPr marL="457200" marR="0" algn="just">
+              <a:lnSpc>
+                <a:spcPct val="107000"/>
+              </a:lnSpc>
+              <a:spcBef>
+                <a:spcPts val="0"/>
+              </a:spcBef>
+              <a:spcAft>
+                <a:spcPts val="800"/>
+              </a:spcAft>
+            </a:pPr>
+            <a:r>
+              <a:rPr lang="en-US" sz="1800" dirty="0">
+                <a:latin typeface="Cambria" panose="02040503050406030204" pitchFamily="18" charset="0"/>
+                <a:ea typeface="Times New Roman" panose="02020603050405020304" pitchFamily="18" charset="0"/>
+                <a:cs typeface="Times New Roman" panose="02020603050405020304" pitchFamily="18" charset="0"/>
+              </a:rPr>
+              <a:t>He/she able to access all those by providing the Id and Password into the developer’s portal.</a:t>
+            </a:r>
+            <a:endParaRPr lang="en-US" sz="1800" dirty="0">
+              <a:latin typeface="Calibri" panose="020F0502020204030204" pitchFamily="34" charset="0"/>
+              <a:ea typeface="Times New Roman" panose="02020603050405020304" pitchFamily="18" charset="0"/>
+              <a:cs typeface="Times New Roman" panose="02020603050405020304" pitchFamily="18" charset="0"/>
+            </a:endParaRPr>
+          </a:p>
+          <a:p>
+            <a:pPr marL="457200" marR="0" algn="just">
+              <a:lnSpc>
+                <a:spcPct val="107000"/>
+              </a:lnSpc>
+              <a:spcBef>
+                <a:spcPts val="0"/>
+              </a:spcBef>
+              <a:spcAft>
+                <a:spcPts val="800"/>
+              </a:spcAft>
+            </a:pPr>
+            <a:r>
+              <a:rPr lang="en-US" dirty="0">
+                <a:latin typeface="Cambria" panose="02040503050406030204" pitchFamily="18" charset="0"/>
+                <a:ea typeface="Times New Roman" panose="02020603050405020304" pitchFamily="18" charset="0"/>
+                <a:cs typeface="Times New Roman" panose="02020603050405020304" pitchFamily="18" charset="0"/>
+              </a:rPr>
+              <a:t> </a:t>
+            </a:r>
+            <a:endParaRPr lang="en-US" dirty="0">
+              <a:latin typeface="Calibri" panose="020F0502020204030204" pitchFamily="34" charset="0"/>
+              <a:ea typeface="Times New Roman" panose="02020603050405020304" pitchFamily="18" charset="0"/>
+              <a:cs typeface="Times New Roman" panose="02020603050405020304" pitchFamily="18" charset="0"/>
+            </a:endParaRPr>
           </a:p>
         </p:txBody>
       </p:sp>
@@ -13552,6 +13824,992 @@
   <p:clrMapOvr>
     <a:masterClrMapping/>
   </p:clrMapOvr>
+  <mc:AlternateContent xmlns:mc="http://schemas.openxmlformats.org/markup-compatibility/2006" xmlns:p14="http://schemas.microsoft.com/office/powerpoint/2010/main">
+    <mc:Choice Requires="p14">
+      <p:transition spd="slow" p14:dur="1600">
+        <p:blinds dir="vert"/>
+      </p:transition>
+    </mc:Choice>
+    <mc:Fallback xmlns="">
+      <p:transition spd="slow">
+        <p:blinds dir="vert"/>
+      </p:transition>
+    </mc:Fallback>
+  </mc:AlternateContent>
+  <p:timing>
+    <p:tnLst>
+      <p:par>
+        <p:cTn id="1" dur="indefinite" restart="never" nodeType="tmRoot">
+          <p:childTnLst>
+            <p:seq concurrent="1" nextAc="seek">
+              <p:cTn id="2" dur="indefinite" nodeType="mainSeq">
+                <p:childTnLst>
+                  <p:par>
+                    <p:cTn id="3" fill="hold">
+                      <p:stCondLst>
+                        <p:cond delay="indefinite"/>
+                      </p:stCondLst>
+                      <p:childTnLst>
+                        <p:par>
+                          <p:cTn id="4" fill="hold">
+                            <p:stCondLst>
+                              <p:cond delay="0"/>
+                            </p:stCondLst>
+                            <p:childTnLst>
+                              <p:par>
+                                <p:cTn id="5" presetID="14" presetClass="entr" presetSubtype="10" fill="hold" grpId="0" nodeType="clickEffect">
+                                  <p:stCondLst>
+                                    <p:cond delay="0"/>
+                                  </p:stCondLst>
+                                  <p:childTnLst>
+                                    <p:set>
+                                      <p:cBhvr>
+                                        <p:cTn id="6" dur="1" fill="hold">
+                                          <p:stCondLst>
+                                            <p:cond delay="0"/>
+                                          </p:stCondLst>
+                                        </p:cTn>
+                                        <p:tgtEl>
+                                          <p:spTgt spid="5">
+                                            <p:txEl>
+                                              <p:pRg st="0" end="0"/>
+                                            </p:txEl>
+                                          </p:spTgt>
+                                        </p:tgtEl>
+                                        <p:attrNameLst>
+                                          <p:attrName>style.visibility</p:attrName>
+                                        </p:attrNameLst>
+                                      </p:cBhvr>
+                                      <p:to>
+                                        <p:strVal val="visible"/>
+                                      </p:to>
+                                    </p:set>
+                                    <p:animEffect transition="in" filter="randombar(horizontal)">
+                                      <p:cBhvr>
+                                        <p:cTn id="7" dur="500"/>
+                                        <p:tgtEl>
+                                          <p:spTgt spid="5">
+                                            <p:txEl>
+                                              <p:pRg st="0" end="0"/>
+                                            </p:txEl>
+                                          </p:spTgt>
+                                        </p:tgtEl>
+                                      </p:cBhvr>
+                                    </p:animEffect>
+                                  </p:childTnLst>
+                                </p:cTn>
+                              </p:par>
+                            </p:childTnLst>
+                          </p:cTn>
+                        </p:par>
+                      </p:childTnLst>
+                    </p:cTn>
+                  </p:par>
+                  <p:par>
+                    <p:cTn id="8" fill="hold">
+                      <p:stCondLst>
+                        <p:cond delay="indefinite"/>
+                      </p:stCondLst>
+                      <p:childTnLst>
+                        <p:par>
+                          <p:cTn id="9" fill="hold">
+                            <p:stCondLst>
+                              <p:cond delay="0"/>
+                            </p:stCondLst>
+                            <p:childTnLst>
+                              <p:par>
+                                <p:cTn id="10" presetID="14" presetClass="entr" presetSubtype="10" fill="hold" grpId="0" nodeType="clickEffect">
+                                  <p:stCondLst>
+                                    <p:cond delay="0"/>
+                                  </p:stCondLst>
+                                  <p:childTnLst>
+                                    <p:set>
+                                      <p:cBhvr>
+                                        <p:cTn id="11" dur="1" fill="hold">
+                                          <p:stCondLst>
+                                            <p:cond delay="0"/>
+                                          </p:stCondLst>
+                                        </p:cTn>
+                                        <p:tgtEl>
+                                          <p:spTgt spid="5">
+                                            <p:txEl>
+                                              <p:pRg st="1" end="1"/>
+                                            </p:txEl>
+                                          </p:spTgt>
+                                        </p:tgtEl>
+                                        <p:attrNameLst>
+                                          <p:attrName>style.visibility</p:attrName>
+                                        </p:attrNameLst>
+                                      </p:cBhvr>
+                                      <p:to>
+                                        <p:strVal val="visible"/>
+                                      </p:to>
+                                    </p:set>
+                                    <p:animEffect transition="in" filter="randombar(horizontal)">
+                                      <p:cBhvr>
+                                        <p:cTn id="12" dur="500"/>
+                                        <p:tgtEl>
+                                          <p:spTgt spid="5">
+                                            <p:txEl>
+                                              <p:pRg st="1" end="1"/>
+                                            </p:txEl>
+                                          </p:spTgt>
+                                        </p:tgtEl>
+                                      </p:cBhvr>
+                                    </p:animEffect>
+                                  </p:childTnLst>
+                                </p:cTn>
+                              </p:par>
+                            </p:childTnLst>
+                          </p:cTn>
+                        </p:par>
+                      </p:childTnLst>
+                    </p:cTn>
+                  </p:par>
+                  <p:par>
+                    <p:cTn id="13" fill="hold">
+                      <p:stCondLst>
+                        <p:cond delay="indefinite"/>
+                      </p:stCondLst>
+                      <p:childTnLst>
+                        <p:par>
+                          <p:cTn id="14" fill="hold">
+                            <p:stCondLst>
+                              <p:cond delay="0"/>
+                            </p:stCondLst>
+                            <p:childTnLst>
+                              <p:par>
+                                <p:cTn id="15" presetID="14" presetClass="entr" presetSubtype="10" fill="hold" grpId="0" nodeType="clickEffect">
+                                  <p:stCondLst>
+                                    <p:cond delay="0"/>
+                                  </p:stCondLst>
+                                  <p:childTnLst>
+                                    <p:set>
+                                      <p:cBhvr>
+                                        <p:cTn id="16" dur="1" fill="hold">
+                                          <p:stCondLst>
+                                            <p:cond delay="0"/>
+                                          </p:stCondLst>
+                                        </p:cTn>
+                                        <p:tgtEl>
+                                          <p:spTgt spid="5">
+                                            <p:txEl>
+                                              <p:pRg st="2" end="2"/>
+                                            </p:txEl>
+                                          </p:spTgt>
+                                        </p:tgtEl>
+                                        <p:attrNameLst>
+                                          <p:attrName>style.visibility</p:attrName>
+                                        </p:attrNameLst>
+                                      </p:cBhvr>
+                                      <p:to>
+                                        <p:strVal val="visible"/>
+                                      </p:to>
+                                    </p:set>
+                                    <p:animEffect transition="in" filter="randombar(horizontal)">
+                                      <p:cBhvr>
+                                        <p:cTn id="17" dur="500"/>
+                                        <p:tgtEl>
+                                          <p:spTgt spid="5">
+                                            <p:txEl>
+                                              <p:pRg st="2" end="2"/>
+                                            </p:txEl>
+                                          </p:spTgt>
+                                        </p:tgtEl>
+                                      </p:cBhvr>
+                                    </p:animEffect>
+                                  </p:childTnLst>
+                                </p:cTn>
+                              </p:par>
+                            </p:childTnLst>
+                          </p:cTn>
+                        </p:par>
+                      </p:childTnLst>
+                    </p:cTn>
+                  </p:par>
+                  <p:par>
+                    <p:cTn id="18" fill="hold">
+                      <p:stCondLst>
+                        <p:cond delay="indefinite"/>
+                      </p:stCondLst>
+                      <p:childTnLst>
+                        <p:par>
+                          <p:cTn id="19" fill="hold">
+                            <p:stCondLst>
+                              <p:cond delay="0"/>
+                            </p:stCondLst>
+                            <p:childTnLst>
+                              <p:par>
+                                <p:cTn id="20" presetID="14" presetClass="entr" presetSubtype="10" fill="hold" grpId="0" nodeType="clickEffect">
+                                  <p:stCondLst>
+                                    <p:cond delay="0"/>
+                                  </p:stCondLst>
+                                  <p:childTnLst>
+                                    <p:set>
+                                      <p:cBhvr>
+                                        <p:cTn id="21" dur="1" fill="hold">
+                                          <p:stCondLst>
+                                            <p:cond delay="0"/>
+                                          </p:stCondLst>
+                                        </p:cTn>
+                                        <p:tgtEl>
+                                          <p:spTgt spid="5">
+                                            <p:txEl>
+                                              <p:pRg st="3" end="3"/>
+                                            </p:txEl>
+                                          </p:spTgt>
+                                        </p:tgtEl>
+                                        <p:attrNameLst>
+                                          <p:attrName>style.visibility</p:attrName>
+                                        </p:attrNameLst>
+                                      </p:cBhvr>
+                                      <p:to>
+                                        <p:strVal val="visible"/>
+                                      </p:to>
+                                    </p:set>
+                                    <p:animEffect transition="in" filter="randombar(horizontal)">
+                                      <p:cBhvr>
+                                        <p:cTn id="22" dur="500"/>
+                                        <p:tgtEl>
+                                          <p:spTgt spid="5">
+                                            <p:txEl>
+                                              <p:pRg st="3" end="3"/>
+                                            </p:txEl>
+                                          </p:spTgt>
+                                        </p:tgtEl>
+                                      </p:cBhvr>
+                                    </p:animEffect>
+                                  </p:childTnLst>
+                                </p:cTn>
+                              </p:par>
+                            </p:childTnLst>
+                          </p:cTn>
+                        </p:par>
+                      </p:childTnLst>
+                    </p:cTn>
+                  </p:par>
+                  <p:par>
+                    <p:cTn id="23" fill="hold">
+                      <p:stCondLst>
+                        <p:cond delay="indefinite"/>
+                      </p:stCondLst>
+                      <p:childTnLst>
+                        <p:par>
+                          <p:cTn id="24" fill="hold">
+                            <p:stCondLst>
+                              <p:cond delay="0"/>
+                            </p:stCondLst>
+                            <p:childTnLst>
+                              <p:par>
+                                <p:cTn id="25" presetID="14" presetClass="entr" presetSubtype="10" fill="hold" grpId="0" nodeType="clickEffect">
+                                  <p:stCondLst>
+                                    <p:cond delay="0"/>
+                                  </p:stCondLst>
+                                  <p:childTnLst>
+                                    <p:set>
+                                      <p:cBhvr>
+                                        <p:cTn id="26" dur="1" fill="hold">
+                                          <p:stCondLst>
+                                            <p:cond delay="0"/>
+                                          </p:stCondLst>
+                                        </p:cTn>
+                                        <p:tgtEl>
+                                          <p:spTgt spid="5">
+                                            <p:txEl>
+                                              <p:pRg st="4" end="4"/>
+                                            </p:txEl>
+                                          </p:spTgt>
+                                        </p:tgtEl>
+                                        <p:attrNameLst>
+                                          <p:attrName>style.visibility</p:attrName>
+                                        </p:attrNameLst>
+                                      </p:cBhvr>
+                                      <p:to>
+                                        <p:strVal val="visible"/>
+                                      </p:to>
+                                    </p:set>
+                                    <p:animEffect transition="in" filter="randombar(horizontal)">
+                                      <p:cBhvr>
+                                        <p:cTn id="27" dur="500"/>
+                                        <p:tgtEl>
+                                          <p:spTgt spid="5">
+                                            <p:txEl>
+                                              <p:pRg st="4" end="4"/>
+                                            </p:txEl>
+                                          </p:spTgt>
+                                        </p:tgtEl>
+                                      </p:cBhvr>
+                                    </p:animEffect>
+                                  </p:childTnLst>
+                                </p:cTn>
+                              </p:par>
+                            </p:childTnLst>
+                          </p:cTn>
+                        </p:par>
+                      </p:childTnLst>
+                    </p:cTn>
+                  </p:par>
+                  <p:par>
+                    <p:cTn id="28" fill="hold">
+                      <p:stCondLst>
+                        <p:cond delay="indefinite"/>
+                      </p:stCondLst>
+                      <p:childTnLst>
+                        <p:par>
+                          <p:cTn id="29" fill="hold">
+                            <p:stCondLst>
+                              <p:cond delay="0"/>
+                            </p:stCondLst>
+                            <p:childTnLst>
+                              <p:par>
+                                <p:cTn id="30" presetID="14" presetClass="entr" presetSubtype="10" fill="hold" grpId="0" nodeType="clickEffect">
+                                  <p:stCondLst>
+                                    <p:cond delay="0"/>
+                                  </p:stCondLst>
+                                  <p:childTnLst>
+                                    <p:set>
+                                      <p:cBhvr>
+                                        <p:cTn id="31" dur="1" fill="hold">
+                                          <p:stCondLst>
+                                            <p:cond delay="0"/>
+                                          </p:stCondLst>
+                                        </p:cTn>
+                                        <p:tgtEl>
+                                          <p:spTgt spid="5">
+                                            <p:txEl>
+                                              <p:pRg st="5" end="5"/>
+                                            </p:txEl>
+                                          </p:spTgt>
+                                        </p:tgtEl>
+                                        <p:attrNameLst>
+                                          <p:attrName>style.visibility</p:attrName>
+                                        </p:attrNameLst>
+                                      </p:cBhvr>
+                                      <p:to>
+                                        <p:strVal val="visible"/>
+                                      </p:to>
+                                    </p:set>
+                                    <p:animEffect transition="in" filter="randombar(horizontal)">
+                                      <p:cBhvr>
+                                        <p:cTn id="32" dur="500"/>
+                                        <p:tgtEl>
+                                          <p:spTgt spid="5">
+                                            <p:txEl>
+                                              <p:pRg st="5" end="5"/>
+                                            </p:txEl>
+                                          </p:spTgt>
+                                        </p:tgtEl>
+                                      </p:cBhvr>
+                                    </p:animEffect>
+                                  </p:childTnLst>
+                                </p:cTn>
+                              </p:par>
+                            </p:childTnLst>
+                          </p:cTn>
+                        </p:par>
+                      </p:childTnLst>
+                    </p:cTn>
+                  </p:par>
+                  <p:par>
+                    <p:cTn id="33" fill="hold">
+                      <p:stCondLst>
+                        <p:cond delay="indefinite"/>
+                      </p:stCondLst>
+                      <p:childTnLst>
+                        <p:par>
+                          <p:cTn id="34" fill="hold">
+                            <p:stCondLst>
+                              <p:cond delay="0"/>
+                            </p:stCondLst>
+                            <p:childTnLst>
+                              <p:par>
+                                <p:cTn id="35" presetID="42" presetClass="entr" presetSubtype="0" fill="hold" grpId="0" nodeType="clickEffect">
+                                  <p:stCondLst>
+                                    <p:cond delay="0"/>
+                                  </p:stCondLst>
+                                  <p:childTnLst>
+                                    <p:set>
+                                      <p:cBhvr>
+                                        <p:cTn id="36" dur="1" fill="hold">
+                                          <p:stCondLst>
+                                            <p:cond delay="0"/>
+                                          </p:stCondLst>
+                                        </p:cTn>
+                                        <p:tgtEl>
+                                          <p:spTgt spid="5">
+                                            <p:txEl>
+                                              <p:pRg st="6" end="6"/>
+                                            </p:txEl>
+                                          </p:spTgt>
+                                        </p:tgtEl>
+                                        <p:attrNameLst>
+                                          <p:attrName>style.visibility</p:attrName>
+                                        </p:attrNameLst>
+                                      </p:cBhvr>
+                                      <p:to>
+                                        <p:strVal val="visible"/>
+                                      </p:to>
+                                    </p:set>
+                                    <p:animEffect transition="in" filter="fade">
+                                      <p:cBhvr>
+                                        <p:cTn id="37" dur="1000"/>
+                                        <p:tgtEl>
+                                          <p:spTgt spid="5">
+                                            <p:txEl>
+                                              <p:pRg st="6" end="6"/>
+                                            </p:txEl>
+                                          </p:spTgt>
+                                        </p:tgtEl>
+                                      </p:cBhvr>
+                                    </p:animEffect>
+                                    <p:anim calcmode="lin" valueType="num">
+                                      <p:cBhvr>
+                                        <p:cTn id="38" dur="1000" fill="hold"/>
+                                        <p:tgtEl>
+                                          <p:spTgt spid="5">
+                                            <p:txEl>
+                                              <p:pRg st="6" end="6"/>
+                                            </p:txEl>
+                                          </p:spTgt>
+                                        </p:tgtEl>
+                                        <p:attrNameLst>
+                                          <p:attrName>ppt_x</p:attrName>
+                                        </p:attrNameLst>
+                                      </p:cBhvr>
+                                      <p:tavLst>
+                                        <p:tav tm="0">
+                                          <p:val>
+                                            <p:strVal val="#ppt_x"/>
+                                          </p:val>
+                                        </p:tav>
+                                        <p:tav tm="100000">
+                                          <p:val>
+                                            <p:strVal val="#ppt_x"/>
+                                          </p:val>
+                                        </p:tav>
+                                      </p:tavLst>
+                                    </p:anim>
+                                    <p:anim calcmode="lin" valueType="num">
+                                      <p:cBhvr>
+                                        <p:cTn id="39" dur="1000" fill="hold"/>
+                                        <p:tgtEl>
+                                          <p:spTgt spid="5">
+                                            <p:txEl>
+                                              <p:pRg st="6" end="6"/>
+                                            </p:txEl>
+                                          </p:spTgt>
+                                        </p:tgtEl>
+                                        <p:attrNameLst>
+                                          <p:attrName>ppt_y</p:attrName>
+                                        </p:attrNameLst>
+                                      </p:cBhvr>
+                                      <p:tavLst>
+                                        <p:tav tm="0">
+                                          <p:val>
+                                            <p:strVal val="#ppt_y+.1"/>
+                                          </p:val>
+                                        </p:tav>
+                                        <p:tav tm="100000">
+                                          <p:val>
+                                            <p:strVal val="#ppt_y"/>
+                                          </p:val>
+                                        </p:tav>
+                                      </p:tavLst>
+                                    </p:anim>
+                                  </p:childTnLst>
+                                </p:cTn>
+                              </p:par>
+                            </p:childTnLst>
+                          </p:cTn>
+                        </p:par>
+                      </p:childTnLst>
+                    </p:cTn>
+                  </p:par>
+                  <p:par>
+                    <p:cTn id="40" fill="hold">
+                      <p:stCondLst>
+                        <p:cond delay="indefinite"/>
+                      </p:stCondLst>
+                      <p:childTnLst>
+                        <p:par>
+                          <p:cTn id="41" fill="hold">
+                            <p:stCondLst>
+                              <p:cond delay="0"/>
+                            </p:stCondLst>
+                            <p:childTnLst>
+                              <p:par>
+                                <p:cTn id="42" presetID="42" presetClass="entr" presetSubtype="0" fill="hold" grpId="0" nodeType="clickEffect">
+                                  <p:stCondLst>
+                                    <p:cond delay="0"/>
+                                  </p:stCondLst>
+                                  <p:childTnLst>
+                                    <p:set>
+                                      <p:cBhvr>
+                                        <p:cTn id="43" dur="1" fill="hold">
+                                          <p:stCondLst>
+                                            <p:cond delay="0"/>
+                                          </p:stCondLst>
+                                        </p:cTn>
+                                        <p:tgtEl>
+                                          <p:spTgt spid="5">
+                                            <p:txEl>
+                                              <p:pRg st="7" end="7"/>
+                                            </p:txEl>
+                                          </p:spTgt>
+                                        </p:tgtEl>
+                                        <p:attrNameLst>
+                                          <p:attrName>style.visibility</p:attrName>
+                                        </p:attrNameLst>
+                                      </p:cBhvr>
+                                      <p:to>
+                                        <p:strVal val="visible"/>
+                                      </p:to>
+                                    </p:set>
+                                    <p:animEffect transition="in" filter="fade">
+                                      <p:cBhvr>
+                                        <p:cTn id="44" dur="1000"/>
+                                        <p:tgtEl>
+                                          <p:spTgt spid="5">
+                                            <p:txEl>
+                                              <p:pRg st="7" end="7"/>
+                                            </p:txEl>
+                                          </p:spTgt>
+                                        </p:tgtEl>
+                                      </p:cBhvr>
+                                    </p:animEffect>
+                                    <p:anim calcmode="lin" valueType="num">
+                                      <p:cBhvr>
+                                        <p:cTn id="45" dur="1000" fill="hold"/>
+                                        <p:tgtEl>
+                                          <p:spTgt spid="5">
+                                            <p:txEl>
+                                              <p:pRg st="7" end="7"/>
+                                            </p:txEl>
+                                          </p:spTgt>
+                                        </p:tgtEl>
+                                        <p:attrNameLst>
+                                          <p:attrName>ppt_x</p:attrName>
+                                        </p:attrNameLst>
+                                      </p:cBhvr>
+                                      <p:tavLst>
+                                        <p:tav tm="0">
+                                          <p:val>
+                                            <p:strVal val="#ppt_x"/>
+                                          </p:val>
+                                        </p:tav>
+                                        <p:tav tm="100000">
+                                          <p:val>
+                                            <p:strVal val="#ppt_x"/>
+                                          </p:val>
+                                        </p:tav>
+                                      </p:tavLst>
+                                    </p:anim>
+                                    <p:anim calcmode="lin" valueType="num">
+                                      <p:cBhvr>
+                                        <p:cTn id="46" dur="1000" fill="hold"/>
+                                        <p:tgtEl>
+                                          <p:spTgt spid="5">
+                                            <p:txEl>
+                                              <p:pRg st="7" end="7"/>
+                                            </p:txEl>
+                                          </p:spTgt>
+                                        </p:tgtEl>
+                                        <p:attrNameLst>
+                                          <p:attrName>ppt_y</p:attrName>
+                                        </p:attrNameLst>
+                                      </p:cBhvr>
+                                      <p:tavLst>
+                                        <p:tav tm="0">
+                                          <p:val>
+                                            <p:strVal val="#ppt_y+.1"/>
+                                          </p:val>
+                                        </p:tav>
+                                        <p:tav tm="100000">
+                                          <p:val>
+                                            <p:strVal val="#ppt_y"/>
+                                          </p:val>
+                                        </p:tav>
+                                      </p:tavLst>
+                                    </p:anim>
+                                  </p:childTnLst>
+                                </p:cTn>
+                              </p:par>
+                            </p:childTnLst>
+                          </p:cTn>
+                        </p:par>
+                      </p:childTnLst>
+                    </p:cTn>
+                  </p:par>
+                  <p:par>
+                    <p:cTn id="47" fill="hold">
+                      <p:stCondLst>
+                        <p:cond delay="indefinite"/>
+                      </p:stCondLst>
+                      <p:childTnLst>
+                        <p:par>
+                          <p:cTn id="48" fill="hold">
+                            <p:stCondLst>
+                              <p:cond delay="0"/>
+                            </p:stCondLst>
+                            <p:childTnLst>
+                              <p:par>
+                                <p:cTn id="49" presetID="42" presetClass="entr" presetSubtype="0" fill="hold" grpId="0" nodeType="clickEffect">
+                                  <p:stCondLst>
+                                    <p:cond delay="0"/>
+                                  </p:stCondLst>
+                                  <p:childTnLst>
+                                    <p:set>
+                                      <p:cBhvr>
+                                        <p:cTn id="50" dur="1" fill="hold">
+                                          <p:stCondLst>
+                                            <p:cond delay="0"/>
+                                          </p:stCondLst>
+                                        </p:cTn>
+                                        <p:tgtEl>
+                                          <p:spTgt spid="5">
+                                            <p:txEl>
+                                              <p:pRg st="8" end="8"/>
+                                            </p:txEl>
+                                          </p:spTgt>
+                                        </p:tgtEl>
+                                        <p:attrNameLst>
+                                          <p:attrName>style.visibility</p:attrName>
+                                        </p:attrNameLst>
+                                      </p:cBhvr>
+                                      <p:to>
+                                        <p:strVal val="visible"/>
+                                      </p:to>
+                                    </p:set>
+                                    <p:animEffect transition="in" filter="fade">
+                                      <p:cBhvr>
+                                        <p:cTn id="51" dur="1000"/>
+                                        <p:tgtEl>
+                                          <p:spTgt spid="5">
+                                            <p:txEl>
+                                              <p:pRg st="8" end="8"/>
+                                            </p:txEl>
+                                          </p:spTgt>
+                                        </p:tgtEl>
+                                      </p:cBhvr>
+                                    </p:animEffect>
+                                    <p:anim calcmode="lin" valueType="num">
+                                      <p:cBhvr>
+                                        <p:cTn id="52" dur="1000" fill="hold"/>
+                                        <p:tgtEl>
+                                          <p:spTgt spid="5">
+                                            <p:txEl>
+                                              <p:pRg st="8" end="8"/>
+                                            </p:txEl>
+                                          </p:spTgt>
+                                        </p:tgtEl>
+                                        <p:attrNameLst>
+                                          <p:attrName>ppt_x</p:attrName>
+                                        </p:attrNameLst>
+                                      </p:cBhvr>
+                                      <p:tavLst>
+                                        <p:tav tm="0">
+                                          <p:val>
+                                            <p:strVal val="#ppt_x"/>
+                                          </p:val>
+                                        </p:tav>
+                                        <p:tav tm="100000">
+                                          <p:val>
+                                            <p:strVal val="#ppt_x"/>
+                                          </p:val>
+                                        </p:tav>
+                                      </p:tavLst>
+                                    </p:anim>
+                                    <p:anim calcmode="lin" valueType="num">
+                                      <p:cBhvr>
+                                        <p:cTn id="53" dur="1000" fill="hold"/>
+                                        <p:tgtEl>
+                                          <p:spTgt spid="5">
+                                            <p:txEl>
+                                              <p:pRg st="8" end="8"/>
+                                            </p:txEl>
+                                          </p:spTgt>
+                                        </p:tgtEl>
+                                        <p:attrNameLst>
+                                          <p:attrName>ppt_y</p:attrName>
+                                        </p:attrNameLst>
+                                      </p:cBhvr>
+                                      <p:tavLst>
+                                        <p:tav tm="0">
+                                          <p:val>
+                                            <p:strVal val="#ppt_y+.1"/>
+                                          </p:val>
+                                        </p:tav>
+                                        <p:tav tm="100000">
+                                          <p:val>
+                                            <p:strVal val="#ppt_y"/>
+                                          </p:val>
+                                        </p:tav>
+                                      </p:tavLst>
+                                    </p:anim>
+                                  </p:childTnLst>
+                                </p:cTn>
+                              </p:par>
+                            </p:childTnLst>
+                          </p:cTn>
+                        </p:par>
+                      </p:childTnLst>
+                    </p:cTn>
+                  </p:par>
+                  <p:par>
+                    <p:cTn id="54" fill="hold">
+                      <p:stCondLst>
+                        <p:cond delay="indefinite"/>
+                      </p:stCondLst>
+                      <p:childTnLst>
+                        <p:par>
+                          <p:cTn id="55" fill="hold">
+                            <p:stCondLst>
+                              <p:cond delay="0"/>
+                            </p:stCondLst>
+                            <p:childTnLst>
+                              <p:par>
+                                <p:cTn id="56" presetID="42" presetClass="entr" presetSubtype="0" fill="hold" grpId="0" nodeType="clickEffect">
+                                  <p:stCondLst>
+                                    <p:cond delay="0"/>
+                                  </p:stCondLst>
+                                  <p:childTnLst>
+                                    <p:set>
+                                      <p:cBhvr>
+                                        <p:cTn id="57" dur="1" fill="hold">
+                                          <p:stCondLst>
+                                            <p:cond delay="0"/>
+                                          </p:stCondLst>
+                                        </p:cTn>
+                                        <p:tgtEl>
+                                          <p:spTgt spid="5">
+                                            <p:txEl>
+                                              <p:pRg st="9" end="9"/>
+                                            </p:txEl>
+                                          </p:spTgt>
+                                        </p:tgtEl>
+                                        <p:attrNameLst>
+                                          <p:attrName>style.visibility</p:attrName>
+                                        </p:attrNameLst>
+                                      </p:cBhvr>
+                                      <p:to>
+                                        <p:strVal val="visible"/>
+                                      </p:to>
+                                    </p:set>
+                                    <p:animEffect transition="in" filter="fade">
+                                      <p:cBhvr>
+                                        <p:cTn id="58" dur="1000"/>
+                                        <p:tgtEl>
+                                          <p:spTgt spid="5">
+                                            <p:txEl>
+                                              <p:pRg st="9" end="9"/>
+                                            </p:txEl>
+                                          </p:spTgt>
+                                        </p:tgtEl>
+                                      </p:cBhvr>
+                                    </p:animEffect>
+                                    <p:anim calcmode="lin" valueType="num">
+                                      <p:cBhvr>
+                                        <p:cTn id="59" dur="1000" fill="hold"/>
+                                        <p:tgtEl>
+                                          <p:spTgt spid="5">
+                                            <p:txEl>
+                                              <p:pRg st="9" end="9"/>
+                                            </p:txEl>
+                                          </p:spTgt>
+                                        </p:tgtEl>
+                                        <p:attrNameLst>
+                                          <p:attrName>ppt_x</p:attrName>
+                                        </p:attrNameLst>
+                                      </p:cBhvr>
+                                      <p:tavLst>
+                                        <p:tav tm="0">
+                                          <p:val>
+                                            <p:strVal val="#ppt_x"/>
+                                          </p:val>
+                                        </p:tav>
+                                        <p:tav tm="100000">
+                                          <p:val>
+                                            <p:strVal val="#ppt_x"/>
+                                          </p:val>
+                                        </p:tav>
+                                      </p:tavLst>
+                                    </p:anim>
+                                    <p:anim calcmode="lin" valueType="num">
+                                      <p:cBhvr>
+                                        <p:cTn id="60" dur="1000" fill="hold"/>
+                                        <p:tgtEl>
+                                          <p:spTgt spid="5">
+                                            <p:txEl>
+                                              <p:pRg st="9" end="9"/>
+                                            </p:txEl>
+                                          </p:spTgt>
+                                        </p:tgtEl>
+                                        <p:attrNameLst>
+                                          <p:attrName>ppt_y</p:attrName>
+                                        </p:attrNameLst>
+                                      </p:cBhvr>
+                                      <p:tavLst>
+                                        <p:tav tm="0">
+                                          <p:val>
+                                            <p:strVal val="#ppt_y+.1"/>
+                                          </p:val>
+                                        </p:tav>
+                                        <p:tav tm="100000">
+                                          <p:val>
+                                            <p:strVal val="#ppt_y"/>
+                                          </p:val>
+                                        </p:tav>
+                                      </p:tavLst>
+                                    </p:anim>
+                                  </p:childTnLst>
+                                </p:cTn>
+                              </p:par>
+                            </p:childTnLst>
+                          </p:cTn>
+                        </p:par>
+                      </p:childTnLst>
+                    </p:cTn>
+                  </p:par>
+                  <p:par>
+                    <p:cTn id="61" fill="hold">
+                      <p:stCondLst>
+                        <p:cond delay="indefinite"/>
+                      </p:stCondLst>
+                      <p:childTnLst>
+                        <p:par>
+                          <p:cTn id="62" fill="hold">
+                            <p:stCondLst>
+                              <p:cond delay="0"/>
+                            </p:stCondLst>
+                            <p:childTnLst>
+                              <p:par>
+                                <p:cTn id="63" presetID="42" presetClass="entr" presetSubtype="0" fill="hold" grpId="0" nodeType="clickEffect">
+                                  <p:stCondLst>
+                                    <p:cond delay="0"/>
+                                  </p:stCondLst>
+                                  <p:childTnLst>
+                                    <p:set>
+                                      <p:cBhvr>
+                                        <p:cTn id="64" dur="1" fill="hold">
+                                          <p:stCondLst>
+                                            <p:cond delay="0"/>
+                                          </p:stCondLst>
+                                        </p:cTn>
+                                        <p:tgtEl>
+                                          <p:spTgt spid="5">
+                                            <p:txEl>
+                                              <p:pRg st="10" end="10"/>
+                                            </p:txEl>
+                                          </p:spTgt>
+                                        </p:tgtEl>
+                                        <p:attrNameLst>
+                                          <p:attrName>style.visibility</p:attrName>
+                                        </p:attrNameLst>
+                                      </p:cBhvr>
+                                      <p:to>
+                                        <p:strVal val="visible"/>
+                                      </p:to>
+                                    </p:set>
+                                    <p:animEffect transition="in" filter="fade">
+                                      <p:cBhvr>
+                                        <p:cTn id="65" dur="1000"/>
+                                        <p:tgtEl>
+                                          <p:spTgt spid="5">
+                                            <p:txEl>
+                                              <p:pRg st="10" end="10"/>
+                                            </p:txEl>
+                                          </p:spTgt>
+                                        </p:tgtEl>
+                                      </p:cBhvr>
+                                    </p:animEffect>
+                                    <p:anim calcmode="lin" valueType="num">
+                                      <p:cBhvr>
+                                        <p:cTn id="66" dur="1000" fill="hold"/>
+                                        <p:tgtEl>
+                                          <p:spTgt spid="5">
+                                            <p:txEl>
+                                              <p:pRg st="10" end="10"/>
+                                            </p:txEl>
+                                          </p:spTgt>
+                                        </p:tgtEl>
+                                        <p:attrNameLst>
+                                          <p:attrName>ppt_x</p:attrName>
+                                        </p:attrNameLst>
+                                      </p:cBhvr>
+                                      <p:tavLst>
+                                        <p:tav tm="0">
+                                          <p:val>
+                                            <p:strVal val="#ppt_x"/>
+                                          </p:val>
+                                        </p:tav>
+                                        <p:tav tm="100000">
+                                          <p:val>
+                                            <p:strVal val="#ppt_x"/>
+                                          </p:val>
+                                        </p:tav>
+                                      </p:tavLst>
+                                    </p:anim>
+                                    <p:anim calcmode="lin" valueType="num">
+                                      <p:cBhvr>
+                                        <p:cTn id="67" dur="1000" fill="hold"/>
+                                        <p:tgtEl>
+                                          <p:spTgt spid="5">
+                                            <p:txEl>
+                                              <p:pRg st="10" end="10"/>
+                                            </p:txEl>
+                                          </p:spTgt>
+                                        </p:tgtEl>
+                                        <p:attrNameLst>
+                                          <p:attrName>ppt_y</p:attrName>
+                                        </p:attrNameLst>
+                                      </p:cBhvr>
+                                      <p:tavLst>
+                                        <p:tav tm="0">
+                                          <p:val>
+                                            <p:strVal val="#ppt_y+.1"/>
+                                          </p:val>
+                                        </p:tav>
+                                        <p:tav tm="100000">
+                                          <p:val>
+                                            <p:strVal val="#ppt_y"/>
+                                          </p:val>
+                                        </p:tav>
+                                      </p:tavLst>
+                                    </p:anim>
+                                  </p:childTnLst>
+                                </p:cTn>
+                              </p:par>
+                            </p:childTnLst>
+                          </p:cTn>
+                        </p:par>
+                      </p:childTnLst>
+                    </p:cTn>
+                  </p:par>
+                </p:childTnLst>
+              </p:cTn>
+              <p:prevCondLst>
+                <p:cond evt="onPrev" delay="0">
+                  <p:tgtEl>
+                    <p:sldTgt/>
+                  </p:tgtEl>
+                </p:cond>
+              </p:prevCondLst>
+              <p:nextCondLst>
+                <p:cond evt="onNext" delay="0">
+                  <p:tgtEl>
+                    <p:sldTgt/>
+                  </p:tgtEl>
+                </p:cond>
+              </p:nextCondLst>
+            </p:seq>
+          </p:childTnLst>
+        </p:cTn>
+      </p:par>
+    </p:tnLst>
+    <p:bldLst>
+      <p:bldP spid="5" grpId="0" uiExpand="1" build="p"/>
+    </p:bldLst>
+  </p:timing>
 </p:sld>
 </file>
 
@@ -13572,16 +14830,2082 @@
           <a:chExt cx="0" cy="0"/>
         </a:xfrm>
       </p:grpSpPr>
+      <p:sp>
+        <p:nvSpPr>
+          <p:cNvPr id="3" name="Content Placeholder 2">
+            <a:extLst>
+              <a:ext uri="{FF2B5EF4-FFF2-40B4-BE49-F238E27FC236}">
+                <a16:creationId xmlns:a16="http://schemas.microsoft.com/office/drawing/2014/main" id="{8247007A-A469-40EB-89A1-E04B30271636}"/>
+              </a:ext>
+            </a:extLst>
+          </p:cNvPr>
+          <p:cNvSpPr>
+            <a:spLocks noGrp="1"/>
+          </p:cNvSpPr>
+          <p:nvPr>
+            <p:ph idx="4294967295"/>
+          </p:nvPr>
+        </p:nvSpPr>
+        <p:spPr>
+          <a:xfrm>
+            <a:off x="0" y="141316"/>
+            <a:ext cx="12070080" cy="6126480"/>
+          </a:xfrm>
+        </p:spPr>
+        <p:txBody>
+          <a:bodyPr>
+            <a:normAutofit fontScale="85000" lnSpcReduction="10000"/>
+          </a:bodyPr>
+          <a:lstStyle/>
+          <a:p>
+            <a:pPr marL="365760" marR="0" indent="0" algn="just">
+              <a:lnSpc>
+                <a:spcPct val="107000"/>
+              </a:lnSpc>
+              <a:spcBef>
+                <a:spcPts val="0"/>
+              </a:spcBef>
+              <a:spcAft>
+                <a:spcPts val="800"/>
+              </a:spcAft>
+              <a:buNone/>
+            </a:pPr>
+            <a:endParaRPr lang="en-US" dirty="0">
+              <a:latin typeface="Calibri" panose="020F0502020204030204" pitchFamily="34" charset="0"/>
+              <a:ea typeface="Times New Roman" panose="02020603050405020304" pitchFamily="18" charset="0"/>
+              <a:cs typeface="Times New Roman" panose="02020603050405020304" pitchFamily="18" charset="0"/>
+            </a:endParaRPr>
+          </a:p>
+          <a:p>
+            <a:pPr marL="342900" marR="0" lvl="0" indent="-342900">
+              <a:lnSpc>
+                <a:spcPct val="107000"/>
+              </a:lnSpc>
+              <a:spcBef>
+                <a:spcPts val="0"/>
+              </a:spcBef>
+              <a:spcAft>
+                <a:spcPts val="800"/>
+              </a:spcAft>
+              <a:buFont typeface="Wingdings" panose="05000000000000000000" pitchFamily="2" charset="2"/>
+              <a:buChar char=""/>
+            </a:pPr>
+            <a:r>
+              <a:rPr lang="en-US" sz="2600" dirty="0">
+                <a:latin typeface="Cambria" panose="02040503050406030204" pitchFamily="18" charset="0"/>
+                <a:ea typeface="Times New Roman" panose="02020603050405020304" pitchFamily="18" charset="0"/>
+                <a:cs typeface="Times New Roman" panose="02020603050405020304" pitchFamily="18" charset="0"/>
+              </a:rPr>
+              <a:t>TEACHER’S MODULE</a:t>
+            </a:r>
+            <a:endParaRPr lang="en-US" sz="2600" dirty="0">
+              <a:latin typeface="Calibri" panose="020F0502020204030204" pitchFamily="34" charset="0"/>
+              <a:ea typeface="Times New Roman" panose="02020603050405020304" pitchFamily="18" charset="0"/>
+              <a:cs typeface="Times New Roman" panose="02020603050405020304" pitchFamily="18" charset="0"/>
+            </a:endParaRPr>
+          </a:p>
+          <a:p>
+            <a:pPr marL="0" marR="0" algn="just">
+              <a:lnSpc>
+                <a:spcPct val="107000"/>
+              </a:lnSpc>
+              <a:spcBef>
+                <a:spcPts val="0"/>
+              </a:spcBef>
+              <a:spcAft>
+                <a:spcPts val="800"/>
+              </a:spcAft>
+            </a:pPr>
+            <a:r>
+              <a:rPr lang="en-US" dirty="0">
+                <a:latin typeface="Cambria" panose="02040503050406030204" pitchFamily="18" charset="0"/>
+                <a:ea typeface="Times New Roman" panose="02020603050405020304" pitchFamily="18" charset="0"/>
+                <a:cs typeface="Times New Roman" panose="02020603050405020304" pitchFamily="18" charset="0"/>
+              </a:rPr>
+              <a:t>      </a:t>
+            </a:r>
+            <a:r>
+              <a:rPr lang="en-US" sz="2100" dirty="0">
+                <a:latin typeface="Cambria" panose="02040503050406030204" pitchFamily="18" charset="0"/>
+                <a:ea typeface="Times New Roman" panose="02020603050405020304" pitchFamily="18" charset="0"/>
+                <a:cs typeface="Times New Roman" panose="02020603050405020304" pitchFamily="18" charset="0"/>
+              </a:rPr>
+              <a:t>In teacher’s module their firstly software asks to login or signup their ids and password.</a:t>
+            </a:r>
+            <a:endParaRPr lang="en-US" sz="2100" dirty="0">
+              <a:latin typeface="Calibri" panose="020F0502020204030204" pitchFamily="34" charset="0"/>
+              <a:ea typeface="Times New Roman" panose="02020603050405020304" pitchFamily="18" charset="0"/>
+              <a:cs typeface="Times New Roman" panose="02020603050405020304" pitchFamily="18" charset="0"/>
+            </a:endParaRPr>
+          </a:p>
+          <a:p>
+            <a:pPr marL="0" marR="0" algn="just">
+              <a:lnSpc>
+                <a:spcPct val="107000"/>
+              </a:lnSpc>
+              <a:spcBef>
+                <a:spcPts val="0"/>
+              </a:spcBef>
+              <a:spcAft>
+                <a:spcPts val="800"/>
+              </a:spcAft>
+            </a:pPr>
+            <a:r>
+              <a:rPr lang="en-US" sz="2100" dirty="0">
+                <a:latin typeface="Cambria" panose="02040503050406030204" pitchFamily="18" charset="0"/>
+                <a:ea typeface="Times New Roman" panose="02020603050405020304" pitchFamily="18" charset="0"/>
+                <a:cs typeface="Times New Roman" panose="02020603050405020304" pitchFamily="18" charset="0"/>
+              </a:rPr>
+              <a:t>     One is able to go through the sub modules after the successful login otherwise he/she has to sign up their account</a:t>
+            </a:r>
+          </a:p>
+          <a:p>
+            <a:pPr marL="0" marR="0" algn="just">
+              <a:lnSpc>
+                <a:spcPct val="107000"/>
+              </a:lnSpc>
+              <a:spcBef>
+                <a:spcPts val="0"/>
+              </a:spcBef>
+              <a:spcAft>
+                <a:spcPts val="800"/>
+              </a:spcAft>
+            </a:pPr>
+            <a:r>
+              <a:rPr lang="en-US" sz="2100" dirty="0">
+                <a:latin typeface="Cambria" panose="02040503050406030204" pitchFamily="18" charset="0"/>
+                <a:ea typeface="Times New Roman" panose="02020603050405020304" pitchFamily="18" charset="0"/>
+                <a:cs typeface="Times New Roman" panose="02020603050405020304" pitchFamily="18" charset="0"/>
+              </a:rPr>
+              <a:t>      for    creating databases.</a:t>
+            </a:r>
+            <a:endParaRPr lang="en-US" sz="2100" dirty="0">
+              <a:latin typeface="Calibri" panose="020F0502020204030204" pitchFamily="34" charset="0"/>
+              <a:ea typeface="Times New Roman" panose="02020603050405020304" pitchFamily="18" charset="0"/>
+              <a:cs typeface="Times New Roman" panose="02020603050405020304" pitchFamily="18" charset="0"/>
+            </a:endParaRPr>
+          </a:p>
+          <a:p>
+            <a:pPr marL="0" marR="0" algn="just">
+              <a:lnSpc>
+                <a:spcPct val="107000"/>
+              </a:lnSpc>
+              <a:spcBef>
+                <a:spcPts val="0"/>
+              </a:spcBef>
+              <a:spcAft>
+                <a:spcPts val="800"/>
+              </a:spcAft>
+            </a:pPr>
+            <a:r>
+              <a:rPr lang="en-US" sz="2100" dirty="0">
+                <a:latin typeface="Cambria" panose="02040503050406030204" pitchFamily="18" charset="0"/>
+                <a:ea typeface="Times New Roman" panose="02020603050405020304" pitchFamily="18" charset="0"/>
+                <a:cs typeface="Times New Roman" panose="02020603050405020304" pitchFamily="18" charset="0"/>
+              </a:rPr>
+              <a:t>     If he/she has done successful login then he/she will be able to create/edit/delete the databases by accessing </a:t>
+            </a:r>
+          </a:p>
+          <a:p>
+            <a:pPr marL="0" marR="0" algn="just">
+              <a:lnSpc>
+                <a:spcPct val="107000"/>
+              </a:lnSpc>
+              <a:spcBef>
+                <a:spcPts val="0"/>
+              </a:spcBef>
+              <a:spcAft>
+                <a:spcPts val="800"/>
+              </a:spcAft>
+            </a:pPr>
+            <a:r>
+              <a:rPr lang="en-US" sz="2100" dirty="0">
+                <a:latin typeface="Cambria" panose="02040503050406030204" pitchFamily="18" charset="0"/>
+                <a:ea typeface="Times New Roman" panose="02020603050405020304" pitchFamily="18" charset="0"/>
+                <a:cs typeface="Times New Roman" panose="02020603050405020304" pitchFamily="18" charset="0"/>
+              </a:rPr>
+              <a:t>      sub  modules.</a:t>
+            </a:r>
+            <a:endParaRPr lang="en-US" sz="2100" dirty="0">
+              <a:latin typeface="Calibri" panose="020F0502020204030204" pitchFamily="34" charset="0"/>
+              <a:ea typeface="Times New Roman" panose="02020603050405020304" pitchFamily="18" charset="0"/>
+              <a:cs typeface="Times New Roman" panose="02020603050405020304" pitchFamily="18" charset="0"/>
+            </a:endParaRPr>
+          </a:p>
+          <a:p>
+            <a:pPr marL="342900" marR="0" lvl="0" indent="-342900" algn="just">
+              <a:lnSpc>
+                <a:spcPct val="107000"/>
+              </a:lnSpc>
+              <a:spcBef>
+                <a:spcPts val="0"/>
+              </a:spcBef>
+              <a:spcAft>
+                <a:spcPts val="800"/>
+              </a:spcAft>
+              <a:buFont typeface="Wingdings" panose="05000000000000000000" pitchFamily="2" charset="2"/>
+              <a:buChar char=""/>
+            </a:pPr>
+            <a:r>
+              <a:rPr lang="en-US" u="sng" dirty="0">
+                <a:latin typeface="Cambria" panose="02040503050406030204" pitchFamily="18" charset="0"/>
+                <a:ea typeface="Times New Roman" panose="02020603050405020304" pitchFamily="18" charset="0"/>
+                <a:cs typeface="Times New Roman" panose="02020603050405020304" pitchFamily="18" charset="0"/>
+              </a:rPr>
+              <a:t>CREATE</a:t>
+            </a:r>
+            <a:r>
+              <a:rPr lang="en-US" dirty="0">
+                <a:latin typeface="Cambria" panose="02040503050406030204" pitchFamily="18" charset="0"/>
+                <a:ea typeface="Times New Roman" panose="02020603050405020304" pitchFamily="18" charset="0"/>
+                <a:cs typeface="Times New Roman" panose="02020603050405020304" pitchFamily="18" charset="0"/>
+              </a:rPr>
+              <a:t> :- In this sub module ,the teacher is able to create any students details by providing the NAME/ ROLL/</a:t>
+            </a:r>
+          </a:p>
+          <a:p>
+            <a:pPr marL="0" marR="0" lvl="0" indent="0" algn="just">
+              <a:lnSpc>
+                <a:spcPct val="107000"/>
+              </a:lnSpc>
+              <a:spcBef>
+                <a:spcPts val="0"/>
+              </a:spcBef>
+              <a:spcAft>
+                <a:spcPts val="800"/>
+              </a:spcAft>
+              <a:buNone/>
+            </a:pPr>
+            <a:r>
+              <a:rPr lang="en-US" dirty="0">
+                <a:latin typeface="Cambria" panose="02040503050406030204" pitchFamily="18" charset="0"/>
+                <a:ea typeface="Times New Roman" panose="02020603050405020304" pitchFamily="18" charset="0"/>
+                <a:cs typeface="Times New Roman" panose="02020603050405020304" pitchFamily="18" charset="0"/>
+              </a:rPr>
+              <a:t>                           BRANCH/ ADDRESS (Landmark) of the student.</a:t>
+            </a:r>
+            <a:endParaRPr lang="en-US" dirty="0">
+              <a:latin typeface="Calibri" panose="020F0502020204030204" pitchFamily="34" charset="0"/>
+              <a:ea typeface="Times New Roman" panose="02020603050405020304" pitchFamily="18" charset="0"/>
+              <a:cs typeface="Times New Roman" panose="02020603050405020304" pitchFamily="18" charset="0"/>
+            </a:endParaRPr>
+          </a:p>
+          <a:p>
+            <a:pPr marL="342900" marR="0" lvl="0" indent="-342900" algn="just">
+              <a:lnSpc>
+                <a:spcPct val="107000"/>
+              </a:lnSpc>
+              <a:spcBef>
+                <a:spcPts val="0"/>
+              </a:spcBef>
+              <a:spcAft>
+                <a:spcPts val="800"/>
+              </a:spcAft>
+              <a:buFont typeface="Wingdings" panose="05000000000000000000" pitchFamily="2" charset="2"/>
+              <a:buChar char=""/>
+            </a:pPr>
+            <a:r>
+              <a:rPr lang="en-US" u="sng" dirty="0">
+                <a:latin typeface="Cambria" panose="02040503050406030204" pitchFamily="18" charset="0"/>
+                <a:ea typeface="Times New Roman" panose="02020603050405020304" pitchFamily="18" charset="0"/>
+                <a:cs typeface="Times New Roman" panose="02020603050405020304" pitchFamily="18" charset="0"/>
+              </a:rPr>
+              <a:t>EDIT</a:t>
+            </a:r>
+            <a:r>
+              <a:rPr lang="en-US" dirty="0">
+                <a:latin typeface="Cambria" panose="02040503050406030204" pitchFamily="18" charset="0"/>
+                <a:ea typeface="Times New Roman" panose="02020603050405020304" pitchFamily="18" charset="0"/>
+                <a:cs typeface="Times New Roman" panose="02020603050405020304" pitchFamily="18" charset="0"/>
+              </a:rPr>
+              <a:t>:- In this sub module, the teacher is able to manipulate any student data by inserting their roll no. in to the module.</a:t>
+            </a:r>
+            <a:endParaRPr lang="en-US" dirty="0">
+              <a:latin typeface="Calibri" panose="020F0502020204030204" pitchFamily="34" charset="0"/>
+              <a:ea typeface="Times New Roman" panose="02020603050405020304" pitchFamily="18" charset="0"/>
+              <a:cs typeface="Times New Roman" panose="02020603050405020304" pitchFamily="18" charset="0"/>
+            </a:endParaRPr>
+          </a:p>
+          <a:p>
+            <a:pPr marL="342900" marR="0" lvl="0" indent="-342900" algn="just">
+              <a:lnSpc>
+                <a:spcPct val="107000"/>
+              </a:lnSpc>
+              <a:spcBef>
+                <a:spcPts val="0"/>
+              </a:spcBef>
+              <a:spcAft>
+                <a:spcPts val="800"/>
+              </a:spcAft>
+              <a:buFont typeface="Wingdings" panose="05000000000000000000" pitchFamily="2" charset="2"/>
+              <a:buChar char=""/>
+            </a:pPr>
+            <a:r>
+              <a:rPr lang="en-US" u="sng" dirty="0">
+                <a:latin typeface="Cambria" panose="02040503050406030204" pitchFamily="18" charset="0"/>
+                <a:ea typeface="Times New Roman" panose="02020603050405020304" pitchFamily="18" charset="0"/>
+                <a:cs typeface="Times New Roman" panose="02020603050405020304" pitchFamily="18" charset="0"/>
+              </a:rPr>
+              <a:t>DELETE</a:t>
+            </a:r>
+            <a:r>
+              <a:rPr lang="en-US" dirty="0">
+                <a:latin typeface="Cambria" panose="02040503050406030204" pitchFamily="18" charset="0"/>
+                <a:ea typeface="Times New Roman" panose="02020603050405020304" pitchFamily="18" charset="0"/>
+                <a:cs typeface="Times New Roman" panose="02020603050405020304" pitchFamily="18" charset="0"/>
+              </a:rPr>
+              <a:t>:-In this sub module, the teacher is able to delete any of the student data from the database by providing his/her roll no.</a:t>
+            </a:r>
+          </a:p>
+          <a:p>
+            <a:pPr marL="0" marR="0" lvl="0" indent="0" algn="just">
+              <a:lnSpc>
+                <a:spcPct val="107000"/>
+              </a:lnSpc>
+              <a:spcBef>
+                <a:spcPts val="0"/>
+              </a:spcBef>
+              <a:spcAft>
+                <a:spcPts val="800"/>
+              </a:spcAft>
+              <a:buNone/>
+            </a:pPr>
+            <a:r>
+              <a:rPr lang="en-US" dirty="0">
+                <a:latin typeface="Cambria" panose="02040503050406030204" pitchFamily="18" charset="0"/>
+                <a:ea typeface="Times New Roman" panose="02020603050405020304" pitchFamily="18" charset="0"/>
+                <a:cs typeface="Times New Roman" panose="02020603050405020304" pitchFamily="18" charset="0"/>
+              </a:rPr>
+              <a:t>                           into the module.</a:t>
+            </a:r>
+            <a:endParaRPr lang="en-US" dirty="0">
+              <a:latin typeface="Calibri" panose="020F0502020204030204" pitchFamily="34" charset="0"/>
+              <a:ea typeface="Times New Roman" panose="02020603050405020304" pitchFamily="18" charset="0"/>
+              <a:cs typeface="Times New Roman" panose="02020603050405020304" pitchFamily="18" charset="0"/>
+            </a:endParaRPr>
+          </a:p>
+          <a:p>
+            <a:pPr marL="0" marR="0" algn="just">
+              <a:lnSpc>
+                <a:spcPct val="107000"/>
+              </a:lnSpc>
+              <a:spcBef>
+                <a:spcPts val="0"/>
+              </a:spcBef>
+              <a:spcAft>
+                <a:spcPts val="800"/>
+              </a:spcAft>
+            </a:pPr>
+            <a:r>
+              <a:rPr lang="en-US" dirty="0">
+                <a:latin typeface="Cambria" panose="02040503050406030204" pitchFamily="18" charset="0"/>
+                <a:ea typeface="Times New Roman" panose="02020603050405020304" pitchFamily="18" charset="0"/>
+                <a:cs typeface="Times New Roman" panose="02020603050405020304" pitchFamily="18" charset="0"/>
+              </a:rPr>
+              <a:t>                       If he/she has chosen to sign up, then he/she had to create their login id   and password .</a:t>
+            </a:r>
+            <a:endParaRPr lang="en-US" dirty="0">
+              <a:latin typeface="Calibri" panose="020F0502020204030204" pitchFamily="34" charset="0"/>
+              <a:ea typeface="Times New Roman" panose="02020603050405020304" pitchFamily="18" charset="0"/>
+              <a:cs typeface="Times New Roman" panose="02020603050405020304" pitchFamily="18" charset="0"/>
+            </a:endParaRPr>
+          </a:p>
+          <a:p>
+            <a:pPr marL="0" marR="0" algn="just">
+              <a:lnSpc>
+                <a:spcPct val="107000"/>
+              </a:lnSpc>
+              <a:spcBef>
+                <a:spcPts val="0"/>
+              </a:spcBef>
+              <a:spcAft>
+                <a:spcPts val="800"/>
+              </a:spcAft>
+            </a:pPr>
+            <a:r>
+              <a:rPr lang="en-US" dirty="0">
+                <a:latin typeface="Cambria" panose="02040503050406030204" pitchFamily="18" charset="0"/>
+                <a:ea typeface="Times New Roman" panose="02020603050405020304" pitchFamily="18" charset="0"/>
+                <a:cs typeface="Times New Roman" panose="02020603050405020304" pitchFamily="18" charset="0"/>
+              </a:rPr>
+              <a:t>                       Later he/she will be able to access the sub modules of the teacher’s module.</a:t>
+            </a:r>
+            <a:endParaRPr lang="en-US" dirty="0">
+              <a:latin typeface="Calibri" panose="020F0502020204030204" pitchFamily="34" charset="0"/>
+              <a:ea typeface="Times New Roman" panose="02020603050405020304" pitchFamily="18" charset="0"/>
+              <a:cs typeface="Times New Roman" panose="02020603050405020304" pitchFamily="18" charset="0"/>
+            </a:endParaRPr>
+          </a:p>
+          <a:p>
+            <a:pPr marL="342900" marR="0" lvl="0" indent="-342900">
+              <a:lnSpc>
+                <a:spcPct val="107000"/>
+              </a:lnSpc>
+              <a:spcBef>
+                <a:spcPts val="0"/>
+              </a:spcBef>
+              <a:spcAft>
+                <a:spcPts val="800"/>
+              </a:spcAft>
+              <a:buFont typeface="Wingdings" panose="05000000000000000000" pitchFamily="2" charset="2"/>
+              <a:buChar char=""/>
+            </a:pPr>
+            <a:r>
+              <a:rPr lang="en-US" sz="2600" dirty="0">
+                <a:latin typeface="Cambria" panose="02040503050406030204" pitchFamily="18" charset="0"/>
+                <a:ea typeface="Times New Roman" panose="02020603050405020304" pitchFamily="18" charset="0"/>
+                <a:cs typeface="Times New Roman" panose="02020603050405020304" pitchFamily="18" charset="0"/>
+              </a:rPr>
+              <a:t>STUDENT’S MODULE</a:t>
+            </a:r>
+            <a:endParaRPr lang="en-US" sz="2600" dirty="0">
+              <a:latin typeface="Calibri" panose="020F0502020204030204" pitchFamily="34" charset="0"/>
+              <a:ea typeface="Times New Roman" panose="02020603050405020304" pitchFamily="18" charset="0"/>
+              <a:cs typeface="Times New Roman" panose="02020603050405020304" pitchFamily="18" charset="0"/>
+            </a:endParaRPr>
+          </a:p>
+          <a:p>
+            <a:r>
+              <a:rPr lang="en-US" dirty="0">
+                <a:latin typeface="Cambria" panose="02040503050406030204" pitchFamily="18" charset="0"/>
+                <a:ea typeface="Times New Roman" panose="02020603050405020304" pitchFamily="18" charset="0"/>
+                <a:cs typeface="Times New Roman" panose="02020603050405020304" pitchFamily="18" charset="0"/>
+              </a:rPr>
+              <a:t>         This module is mainly for the student to access their information they can only see their module by providing  their roll no.</a:t>
+            </a:r>
+            <a:endParaRPr lang="en-US" dirty="0"/>
+          </a:p>
+          <a:p>
+            <a:endParaRPr lang="en-US" dirty="0"/>
+          </a:p>
+        </p:txBody>
+      </p:sp>
     </p:spTree>
     <p:extLst>
       <p:ext uri="{BB962C8B-B14F-4D97-AF65-F5344CB8AC3E}">
-        <p14:creationId xmlns:p14="http://schemas.microsoft.com/office/powerpoint/2010/main" val="1576501075"/>
+        <p14:creationId xmlns:p14="http://schemas.microsoft.com/office/powerpoint/2010/main" val="4088935622"/>
       </p:ext>
     </p:extLst>
   </p:cSld>
   <p:clrMapOvr>
     <a:masterClrMapping/>
   </p:clrMapOvr>
+</p:sld>
+</file>
+
+<file path=ppt/slides/slide12.xml><?xml version="1.0" encoding="utf-8"?>
+<p:sld xmlns:a="http://schemas.openxmlformats.org/drawingml/2006/main" xmlns:r="http://schemas.openxmlformats.org/officeDocument/2006/relationships" xmlns:p="http://schemas.openxmlformats.org/presentationml/2006/main">
+  <p:cSld>
+    <p:spTree>
+      <p:nvGrpSpPr>
+        <p:cNvPr id="1" name=""/>
+        <p:cNvGrpSpPr/>
+        <p:nvPr/>
+      </p:nvGrpSpPr>
+      <p:grpSpPr>
+        <a:xfrm>
+          <a:off x="0" y="0"/>
+          <a:ext cx="0" cy="0"/>
+          <a:chOff x="0" y="0"/>
+          <a:chExt cx="0" cy="0"/>
+        </a:xfrm>
+      </p:grpSpPr>
+      <p:sp>
+        <p:nvSpPr>
+          <p:cNvPr id="2" name="Rectangle: Rounded Corners 1">
+            <a:extLst>
+              <a:ext uri="{FF2B5EF4-FFF2-40B4-BE49-F238E27FC236}">
+                <a16:creationId xmlns:a16="http://schemas.microsoft.com/office/drawing/2014/main" id="{35F52477-0E33-4EF5-B30F-47182C0D5AEB}"/>
+              </a:ext>
+            </a:extLst>
+          </p:cNvPr>
+          <p:cNvSpPr/>
+          <p:nvPr/>
+        </p:nvSpPr>
+        <p:spPr>
+          <a:xfrm>
+            <a:off x="640080" y="748145"/>
+            <a:ext cx="1767840" cy="440575"/>
+          </a:xfrm>
+          <a:prstGeom prst="roundRect">
+            <a:avLst/>
+          </a:prstGeom>
+          <a:noFill/>
+          <a:ln w="9525" cap="flat" cmpd="sng" algn="ctr">
+            <a:solidFill>
+              <a:schemeClr val="accent1"/>
+            </a:solidFill>
+            <a:prstDash val="solid"/>
+            <a:round/>
+            <a:headEnd type="none" w="med" len="med"/>
+            <a:tailEnd type="none" w="med" len="med"/>
+          </a:ln>
+        </p:spPr>
+        <p:style>
+          <a:lnRef idx="0">
+            <a:scrgbClr r="0" g="0" b="0"/>
+          </a:lnRef>
+          <a:fillRef idx="0">
+            <a:scrgbClr r="0" g="0" b="0"/>
+          </a:fillRef>
+          <a:effectRef idx="0">
+            <a:scrgbClr r="0" g="0" b="0"/>
+          </a:effectRef>
+          <a:fontRef idx="minor">
+            <a:schemeClr val="accent1"/>
+          </a:fontRef>
+        </p:style>
+        <p:txBody>
+          <a:bodyPr rtlCol="0" anchor="ctr"/>
+          <a:lstStyle/>
+          <a:p>
+            <a:pPr algn="ctr"/>
+            <a:r>
+              <a:rPr lang="en-US" dirty="0">
+                <a:solidFill>
+                  <a:schemeClr val="accent2"/>
+                </a:solidFill>
+              </a:rPr>
+              <a:t>Developer</a:t>
+            </a:r>
+          </a:p>
+        </p:txBody>
+      </p:sp>
+      <p:sp>
+        <p:nvSpPr>
+          <p:cNvPr id="3" name="Rectangle: Rounded Corners 2">
+            <a:extLst>
+              <a:ext uri="{FF2B5EF4-FFF2-40B4-BE49-F238E27FC236}">
+                <a16:creationId xmlns:a16="http://schemas.microsoft.com/office/drawing/2014/main" id="{315BE320-DACC-4733-9B36-E7116B1D53BA}"/>
+              </a:ext>
+            </a:extLst>
+          </p:cNvPr>
+          <p:cNvSpPr/>
+          <p:nvPr/>
+        </p:nvSpPr>
+        <p:spPr>
+          <a:xfrm>
+            <a:off x="640080" y="2209798"/>
+            <a:ext cx="1767840" cy="440575"/>
+          </a:xfrm>
+          <a:prstGeom prst="roundRect">
+            <a:avLst/>
+          </a:prstGeom>
+          <a:noFill/>
+          <a:ln w="9525" cap="flat" cmpd="sng" algn="ctr">
+            <a:solidFill>
+              <a:schemeClr val="accent1"/>
+            </a:solidFill>
+            <a:prstDash val="solid"/>
+            <a:round/>
+            <a:headEnd type="none" w="med" len="med"/>
+            <a:tailEnd type="none" w="med" len="med"/>
+          </a:ln>
+        </p:spPr>
+        <p:style>
+          <a:lnRef idx="0">
+            <a:scrgbClr r="0" g="0" b="0"/>
+          </a:lnRef>
+          <a:fillRef idx="0">
+            <a:scrgbClr r="0" g="0" b="0"/>
+          </a:fillRef>
+          <a:effectRef idx="0">
+            <a:scrgbClr r="0" g="0" b="0"/>
+          </a:effectRef>
+          <a:fontRef idx="minor">
+            <a:schemeClr val="accent1"/>
+          </a:fontRef>
+        </p:style>
+        <p:txBody>
+          <a:bodyPr rtlCol="0" anchor="ctr"/>
+          <a:lstStyle/>
+          <a:p>
+            <a:pPr algn="ctr"/>
+            <a:r>
+              <a:rPr lang="en-US" dirty="0">
+                <a:solidFill>
+                  <a:schemeClr val="accent2"/>
+                </a:solidFill>
+              </a:rPr>
+              <a:t>Teacher</a:t>
+            </a:r>
+          </a:p>
+        </p:txBody>
+      </p:sp>
+      <p:sp>
+        <p:nvSpPr>
+          <p:cNvPr id="4" name="Rectangle: Rounded Corners 3">
+            <a:extLst>
+              <a:ext uri="{FF2B5EF4-FFF2-40B4-BE49-F238E27FC236}">
+                <a16:creationId xmlns:a16="http://schemas.microsoft.com/office/drawing/2014/main" id="{E87C7532-7C22-4543-A3EF-291EAD589BA6}"/>
+              </a:ext>
+            </a:extLst>
+          </p:cNvPr>
+          <p:cNvSpPr/>
+          <p:nvPr/>
+        </p:nvSpPr>
+        <p:spPr>
+          <a:xfrm>
+            <a:off x="3355571" y="776547"/>
+            <a:ext cx="1920240" cy="440575"/>
+          </a:xfrm>
+          <a:prstGeom prst="roundRect">
+            <a:avLst/>
+          </a:prstGeom>
+          <a:noFill/>
+          <a:ln w="9525" cap="flat" cmpd="sng" algn="ctr">
+            <a:solidFill>
+              <a:schemeClr val="accent1"/>
+            </a:solidFill>
+            <a:prstDash val="solid"/>
+            <a:round/>
+            <a:headEnd type="none" w="med" len="med"/>
+            <a:tailEnd type="none" w="med" len="med"/>
+          </a:ln>
+        </p:spPr>
+        <p:style>
+          <a:lnRef idx="0">
+            <a:scrgbClr r="0" g="0" b="0"/>
+          </a:lnRef>
+          <a:fillRef idx="0">
+            <a:scrgbClr r="0" g="0" b="0"/>
+          </a:fillRef>
+          <a:effectRef idx="0">
+            <a:scrgbClr r="0" g="0" b="0"/>
+          </a:effectRef>
+          <a:fontRef idx="minor">
+            <a:schemeClr val="accent1"/>
+          </a:fontRef>
+        </p:style>
+        <p:txBody>
+          <a:bodyPr rtlCol="0" anchor="ctr"/>
+          <a:lstStyle/>
+          <a:p>
+            <a:pPr algn="ctr"/>
+            <a:r>
+              <a:rPr lang="en-US" dirty="0">
+                <a:solidFill>
+                  <a:srgbClr val="92D050"/>
+                </a:solidFill>
+              </a:rPr>
+              <a:t>Ids </a:t>
+            </a:r>
+            <a:r>
+              <a:rPr lang="en-US" dirty="0" err="1">
+                <a:solidFill>
+                  <a:srgbClr val="92D050"/>
+                </a:solidFill>
+              </a:rPr>
+              <a:t>accesss</a:t>
+            </a:r>
+            <a:endParaRPr lang="en-US" dirty="0">
+              <a:solidFill>
+                <a:srgbClr val="92D050"/>
+              </a:solidFill>
+            </a:endParaRPr>
+          </a:p>
+        </p:txBody>
+      </p:sp>
+      <p:sp>
+        <p:nvSpPr>
+          <p:cNvPr id="5" name="Rectangle: Rounded Corners 4">
+            <a:extLst>
+              <a:ext uri="{FF2B5EF4-FFF2-40B4-BE49-F238E27FC236}">
+                <a16:creationId xmlns:a16="http://schemas.microsoft.com/office/drawing/2014/main" id="{D8602B83-D47B-461B-BFCB-7C2C49E23F02}"/>
+              </a:ext>
+            </a:extLst>
+          </p:cNvPr>
+          <p:cNvSpPr/>
+          <p:nvPr/>
+        </p:nvSpPr>
+        <p:spPr>
+          <a:xfrm>
+            <a:off x="3352800" y="4247107"/>
+            <a:ext cx="1837113" cy="392084"/>
+          </a:xfrm>
+          <a:prstGeom prst="roundRect">
+            <a:avLst/>
+          </a:prstGeom>
+          <a:noFill/>
+          <a:ln w="9525" cap="flat" cmpd="sng" algn="ctr">
+            <a:solidFill>
+              <a:schemeClr val="accent1"/>
+            </a:solidFill>
+            <a:prstDash val="solid"/>
+            <a:round/>
+            <a:headEnd type="none" w="med" len="med"/>
+            <a:tailEnd type="none" w="med" len="med"/>
+          </a:ln>
+        </p:spPr>
+        <p:style>
+          <a:lnRef idx="0">
+            <a:scrgbClr r="0" g="0" b="0"/>
+          </a:lnRef>
+          <a:fillRef idx="0">
+            <a:scrgbClr r="0" g="0" b="0"/>
+          </a:fillRef>
+          <a:effectRef idx="0">
+            <a:scrgbClr r="0" g="0" b="0"/>
+          </a:effectRef>
+          <a:fontRef idx="minor">
+            <a:schemeClr val="accent1"/>
+          </a:fontRef>
+        </p:style>
+        <p:txBody>
+          <a:bodyPr rtlCol="0" anchor="ctr"/>
+          <a:lstStyle/>
+          <a:p>
+            <a:pPr algn="ctr"/>
+            <a:r>
+              <a:rPr lang="en-US" dirty="0">
+                <a:solidFill>
+                  <a:srgbClr val="92D050"/>
+                </a:solidFill>
+              </a:rPr>
+              <a:t>Own data access</a:t>
+            </a:r>
+          </a:p>
+        </p:txBody>
+      </p:sp>
+      <p:sp>
+        <p:nvSpPr>
+          <p:cNvPr id="6" name="Rectangle: Rounded Corners 5">
+            <a:extLst>
+              <a:ext uri="{FF2B5EF4-FFF2-40B4-BE49-F238E27FC236}">
+                <a16:creationId xmlns:a16="http://schemas.microsoft.com/office/drawing/2014/main" id="{971E71BE-6691-4D63-A46D-35B2A680383C}"/>
+              </a:ext>
+            </a:extLst>
+          </p:cNvPr>
+          <p:cNvSpPr/>
+          <p:nvPr/>
+        </p:nvSpPr>
+        <p:spPr>
+          <a:xfrm>
+            <a:off x="3355571" y="2650373"/>
+            <a:ext cx="1920240" cy="386542"/>
+          </a:xfrm>
+          <a:prstGeom prst="roundRect">
+            <a:avLst/>
+          </a:prstGeom>
+          <a:noFill/>
+          <a:ln w="9525" cap="flat" cmpd="sng" algn="ctr">
+            <a:solidFill>
+              <a:schemeClr val="accent1"/>
+            </a:solidFill>
+            <a:prstDash val="solid"/>
+            <a:round/>
+            <a:headEnd type="none" w="med" len="med"/>
+            <a:tailEnd type="none" w="med" len="med"/>
+          </a:ln>
+        </p:spPr>
+        <p:style>
+          <a:lnRef idx="0">
+            <a:scrgbClr r="0" g="0" b="0"/>
+          </a:lnRef>
+          <a:fillRef idx="0">
+            <a:scrgbClr r="0" g="0" b="0"/>
+          </a:fillRef>
+          <a:effectRef idx="0">
+            <a:scrgbClr r="0" g="0" b="0"/>
+          </a:effectRef>
+          <a:fontRef idx="minor">
+            <a:schemeClr val="accent1"/>
+          </a:fontRef>
+        </p:style>
+        <p:txBody>
+          <a:bodyPr rtlCol="0" anchor="ctr"/>
+          <a:lstStyle/>
+          <a:p>
+            <a:pPr algn="ctr"/>
+            <a:r>
+              <a:rPr lang="en-US" dirty="0">
+                <a:solidFill>
+                  <a:srgbClr val="92D050"/>
+                </a:solidFill>
+              </a:rPr>
+              <a:t>Edit</a:t>
+            </a:r>
+          </a:p>
+        </p:txBody>
+      </p:sp>
+      <p:sp>
+        <p:nvSpPr>
+          <p:cNvPr id="7" name="Rectangle: Rounded Corners 6">
+            <a:extLst>
+              <a:ext uri="{FF2B5EF4-FFF2-40B4-BE49-F238E27FC236}">
+                <a16:creationId xmlns:a16="http://schemas.microsoft.com/office/drawing/2014/main" id="{187BD9A7-D042-49E9-8EAC-377C4858FEEF}"/>
+              </a:ext>
+            </a:extLst>
+          </p:cNvPr>
+          <p:cNvSpPr/>
+          <p:nvPr/>
+        </p:nvSpPr>
+        <p:spPr>
+          <a:xfrm>
+            <a:off x="3355571" y="2236814"/>
+            <a:ext cx="1920240" cy="386542"/>
+          </a:xfrm>
+          <a:prstGeom prst="roundRect">
+            <a:avLst/>
+          </a:prstGeom>
+          <a:noFill/>
+          <a:ln w="9525" cap="flat" cmpd="sng" algn="ctr">
+            <a:solidFill>
+              <a:schemeClr val="accent1"/>
+            </a:solidFill>
+            <a:prstDash val="solid"/>
+            <a:round/>
+            <a:headEnd type="none" w="med" len="med"/>
+            <a:tailEnd type="none" w="med" len="med"/>
+          </a:ln>
+        </p:spPr>
+        <p:style>
+          <a:lnRef idx="0">
+            <a:scrgbClr r="0" g="0" b="0"/>
+          </a:lnRef>
+          <a:fillRef idx="0">
+            <a:scrgbClr r="0" g="0" b="0"/>
+          </a:fillRef>
+          <a:effectRef idx="0">
+            <a:scrgbClr r="0" g="0" b="0"/>
+          </a:effectRef>
+          <a:fontRef idx="minor">
+            <a:schemeClr val="accent1"/>
+          </a:fontRef>
+        </p:style>
+        <p:txBody>
+          <a:bodyPr rtlCol="0" anchor="ctr"/>
+          <a:lstStyle/>
+          <a:p>
+            <a:pPr algn="ctr"/>
+            <a:r>
+              <a:rPr lang="en-US" dirty="0">
+                <a:solidFill>
+                  <a:srgbClr val="92D050"/>
+                </a:solidFill>
+              </a:rPr>
+              <a:t>Create</a:t>
+            </a:r>
+          </a:p>
+        </p:txBody>
+      </p:sp>
+      <p:sp>
+        <p:nvSpPr>
+          <p:cNvPr id="8" name="Rectangle: Rounded Corners 7">
+            <a:extLst>
+              <a:ext uri="{FF2B5EF4-FFF2-40B4-BE49-F238E27FC236}">
+                <a16:creationId xmlns:a16="http://schemas.microsoft.com/office/drawing/2014/main" id="{2C361D39-0443-49E0-A243-CBE715DD8B68}"/>
+              </a:ext>
+            </a:extLst>
+          </p:cNvPr>
+          <p:cNvSpPr/>
+          <p:nvPr/>
+        </p:nvSpPr>
+        <p:spPr>
+          <a:xfrm>
+            <a:off x="3355571" y="1217122"/>
+            <a:ext cx="1920240" cy="386542"/>
+          </a:xfrm>
+          <a:prstGeom prst="roundRect">
+            <a:avLst/>
+          </a:prstGeom>
+          <a:noFill/>
+          <a:ln w="9525" cap="flat" cmpd="sng" algn="ctr">
+            <a:solidFill>
+              <a:schemeClr val="accent1"/>
+            </a:solidFill>
+            <a:prstDash val="solid"/>
+            <a:round/>
+            <a:headEnd type="none" w="med" len="med"/>
+            <a:tailEnd type="none" w="med" len="med"/>
+          </a:ln>
+        </p:spPr>
+        <p:style>
+          <a:lnRef idx="0">
+            <a:scrgbClr r="0" g="0" b="0"/>
+          </a:lnRef>
+          <a:fillRef idx="0">
+            <a:scrgbClr r="0" g="0" b="0"/>
+          </a:fillRef>
+          <a:effectRef idx="0">
+            <a:scrgbClr r="0" g="0" b="0"/>
+          </a:effectRef>
+          <a:fontRef idx="minor">
+            <a:schemeClr val="accent1"/>
+          </a:fontRef>
+        </p:style>
+        <p:txBody>
+          <a:bodyPr rtlCol="0" anchor="ctr"/>
+          <a:lstStyle/>
+          <a:p>
+            <a:pPr algn="ctr"/>
+            <a:r>
+              <a:rPr lang="en-US" dirty="0">
+                <a:solidFill>
+                  <a:srgbClr val="92D050"/>
+                </a:solidFill>
+              </a:rPr>
+              <a:t>All data access</a:t>
+            </a:r>
+          </a:p>
+        </p:txBody>
+      </p:sp>
+      <p:sp>
+        <p:nvSpPr>
+          <p:cNvPr id="9" name="Rectangle: Rounded Corners 8">
+            <a:extLst>
+              <a:ext uri="{FF2B5EF4-FFF2-40B4-BE49-F238E27FC236}">
+                <a16:creationId xmlns:a16="http://schemas.microsoft.com/office/drawing/2014/main" id="{5C490677-7FF7-4BF4-B44C-C3ABA7B4ED7C}"/>
+              </a:ext>
+            </a:extLst>
+          </p:cNvPr>
+          <p:cNvSpPr/>
+          <p:nvPr/>
+        </p:nvSpPr>
+        <p:spPr>
+          <a:xfrm>
+            <a:off x="3352800" y="3036915"/>
+            <a:ext cx="1920240" cy="386542"/>
+          </a:xfrm>
+          <a:prstGeom prst="roundRect">
+            <a:avLst/>
+          </a:prstGeom>
+          <a:noFill/>
+          <a:ln w="9525" cap="flat" cmpd="sng" algn="ctr">
+            <a:solidFill>
+              <a:schemeClr val="accent1"/>
+            </a:solidFill>
+            <a:prstDash val="solid"/>
+            <a:round/>
+            <a:headEnd type="none" w="med" len="med"/>
+            <a:tailEnd type="none" w="med" len="med"/>
+          </a:ln>
+        </p:spPr>
+        <p:style>
+          <a:lnRef idx="0">
+            <a:scrgbClr r="0" g="0" b="0"/>
+          </a:lnRef>
+          <a:fillRef idx="0">
+            <a:scrgbClr r="0" g="0" b="0"/>
+          </a:fillRef>
+          <a:effectRef idx="0">
+            <a:scrgbClr r="0" g="0" b="0"/>
+          </a:effectRef>
+          <a:fontRef idx="minor">
+            <a:schemeClr val="accent1"/>
+          </a:fontRef>
+        </p:style>
+        <p:txBody>
+          <a:bodyPr rtlCol="0" anchor="ctr"/>
+          <a:lstStyle/>
+          <a:p>
+            <a:pPr algn="ctr"/>
+            <a:r>
+              <a:rPr lang="en-US" dirty="0">
+                <a:solidFill>
+                  <a:srgbClr val="92D050"/>
+                </a:solidFill>
+              </a:rPr>
+              <a:t>Delete</a:t>
+            </a:r>
+          </a:p>
+        </p:txBody>
+      </p:sp>
+      <p:cxnSp>
+        <p:nvCxnSpPr>
+          <p:cNvPr id="11" name="Straight Arrow Connector 10">
+            <a:extLst>
+              <a:ext uri="{FF2B5EF4-FFF2-40B4-BE49-F238E27FC236}">
+                <a16:creationId xmlns:a16="http://schemas.microsoft.com/office/drawing/2014/main" id="{B528A49D-A20E-4948-A0DB-03376B811A4B}"/>
+              </a:ext>
+            </a:extLst>
+          </p:cNvPr>
+          <p:cNvCxnSpPr/>
+          <p:nvPr/>
+        </p:nvCxnSpPr>
+        <p:spPr>
+          <a:xfrm>
+            <a:off x="2527069" y="1030778"/>
+            <a:ext cx="689956" cy="0"/>
+          </a:xfrm>
+          <a:prstGeom prst="straightConnector1">
+            <a:avLst/>
+          </a:prstGeom>
+          <a:ln>
+            <a:tailEnd type="triangle"/>
+          </a:ln>
+        </p:spPr>
+        <p:style>
+          <a:lnRef idx="1">
+            <a:schemeClr val="accent1"/>
+          </a:lnRef>
+          <a:fillRef idx="0">
+            <a:schemeClr val="accent1"/>
+          </a:fillRef>
+          <a:effectRef idx="0">
+            <a:schemeClr val="accent1"/>
+          </a:effectRef>
+          <a:fontRef idx="minor">
+            <a:schemeClr val="tx1"/>
+          </a:fontRef>
+        </p:style>
+      </p:cxnSp>
+      <p:cxnSp>
+        <p:nvCxnSpPr>
+          <p:cNvPr id="12" name="Straight Arrow Connector 11">
+            <a:extLst>
+              <a:ext uri="{FF2B5EF4-FFF2-40B4-BE49-F238E27FC236}">
+                <a16:creationId xmlns:a16="http://schemas.microsoft.com/office/drawing/2014/main" id="{4D02C36B-C002-4CE4-B305-0C98FA2FAD32}"/>
+              </a:ext>
+            </a:extLst>
+          </p:cNvPr>
+          <p:cNvCxnSpPr>
+            <a:cxnSpLocks/>
+          </p:cNvCxnSpPr>
+          <p:nvPr/>
+        </p:nvCxnSpPr>
+        <p:spPr>
+          <a:xfrm>
+            <a:off x="2527069" y="1188720"/>
+            <a:ext cx="689956" cy="182880"/>
+          </a:xfrm>
+          <a:prstGeom prst="straightConnector1">
+            <a:avLst/>
+          </a:prstGeom>
+          <a:ln>
+            <a:tailEnd type="triangle"/>
+          </a:ln>
+        </p:spPr>
+        <p:style>
+          <a:lnRef idx="1">
+            <a:schemeClr val="accent1"/>
+          </a:lnRef>
+          <a:fillRef idx="0">
+            <a:schemeClr val="accent1"/>
+          </a:fillRef>
+          <a:effectRef idx="0">
+            <a:schemeClr val="accent1"/>
+          </a:effectRef>
+          <a:fontRef idx="minor">
+            <a:schemeClr val="tx1"/>
+          </a:fontRef>
+        </p:style>
+      </p:cxnSp>
+      <p:cxnSp>
+        <p:nvCxnSpPr>
+          <p:cNvPr id="14" name="Straight Arrow Connector 13">
+            <a:extLst>
+              <a:ext uri="{FF2B5EF4-FFF2-40B4-BE49-F238E27FC236}">
+                <a16:creationId xmlns:a16="http://schemas.microsoft.com/office/drawing/2014/main" id="{5155DA6B-CAFC-48AD-8595-4B3AF561426C}"/>
+              </a:ext>
+            </a:extLst>
+          </p:cNvPr>
+          <p:cNvCxnSpPr/>
+          <p:nvPr/>
+        </p:nvCxnSpPr>
+        <p:spPr>
+          <a:xfrm>
+            <a:off x="2527069" y="2380211"/>
+            <a:ext cx="689956" cy="0"/>
+          </a:xfrm>
+          <a:prstGeom prst="straightConnector1">
+            <a:avLst/>
+          </a:prstGeom>
+          <a:ln>
+            <a:tailEnd type="triangle"/>
+          </a:ln>
+        </p:spPr>
+        <p:style>
+          <a:lnRef idx="1">
+            <a:schemeClr val="accent1"/>
+          </a:lnRef>
+          <a:fillRef idx="0">
+            <a:schemeClr val="accent1"/>
+          </a:fillRef>
+          <a:effectRef idx="0">
+            <a:schemeClr val="accent1"/>
+          </a:effectRef>
+          <a:fontRef idx="minor">
+            <a:schemeClr val="tx1"/>
+          </a:fontRef>
+        </p:style>
+      </p:cxnSp>
+      <p:cxnSp>
+        <p:nvCxnSpPr>
+          <p:cNvPr id="15" name="Straight Arrow Connector 14">
+            <a:extLst>
+              <a:ext uri="{FF2B5EF4-FFF2-40B4-BE49-F238E27FC236}">
+                <a16:creationId xmlns:a16="http://schemas.microsoft.com/office/drawing/2014/main" id="{4B390F96-4C1A-4854-A4AE-6BF8BD473BB2}"/>
+              </a:ext>
+            </a:extLst>
+          </p:cNvPr>
+          <p:cNvCxnSpPr>
+            <a:cxnSpLocks/>
+          </p:cNvCxnSpPr>
+          <p:nvPr/>
+        </p:nvCxnSpPr>
+        <p:spPr>
+          <a:xfrm>
+            <a:off x="2527069" y="2491047"/>
+            <a:ext cx="689956" cy="243840"/>
+          </a:xfrm>
+          <a:prstGeom prst="straightConnector1">
+            <a:avLst/>
+          </a:prstGeom>
+          <a:ln>
+            <a:tailEnd type="triangle"/>
+          </a:ln>
+        </p:spPr>
+        <p:style>
+          <a:lnRef idx="1">
+            <a:schemeClr val="accent1"/>
+          </a:lnRef>
+          <a:fillRef idx="0">
+            <a:schemeClr val="accent1"/>
+          </a:fillRef>
+          <a:effectRef idx="0">
+            <a:schemeClr val="accent1"/>
+          </a:effectRef>
+          <a:fontRef idx="minor">
+            <a:schemeClr val="tx1"/>
+          </a:fontRef>
+        </p:style>
+      </p:cxnSp>
+      <p:cxnSp>
+        <p:nvCxnSpPr>
+          <p:cNvPr id="17" name="Straight Arrow Connector 16">
+            <a:extLst>
+              <a:ext uri="{FF2B5EF4-FFF2-40B4-BE49-F238E27FC236}">
+                <a16:creationId xmlns:a16="http://schemas.microsoft.com/office/drawing/2014/main" id="{0EB3C0BF-985D-4625-B91D-B0816E108D36}"/>
+              </a:ext>
+            </a:extLst>
+          </p:cNvPr>
+          <p:cNvCxnSpPr>
+            <a:cxnSpLocks/>
+          </p:cNvCxnSpPr>
+          <p:nvPr/>
+        </p:nvCxnSpPr>
+        <p:spPr>
+          <a:xfrm>
+            <a:off x="2527069" y="2623356"/>
+            <a:ext cx="689956" cy="535480"/>
+          </a:xfrm>
+          <a:prstGeom prst="straightConnector1">
+            <a:avLst/>
+          </a:prstGeom>
+          <a:ln>
+            <a:tailEnd type="triangle"/>
+          </a:ln>
+        </p:spPr>
+        <p:style>
+          <a:lnRef idx="1">
+            <a:schemeClr val="accent1"/>
+          </a:lnRef>
+          <a:fillRef idx="0">
+            <a:schemeClr val="accent1"/>
+          </a:fillRef>
+          <a:effectRef idx="0">
+            <a:schemeClr val="accent1"/>
+          </a:effectRef>
+          <a:fontRef idx="minor">
+            <a:schemeClr val="tx1"/>
+          </a:fontRef>
+        </p:style>
+      </p:cxnSp>
+      <p:sp>
+        <p:nvSpPr>
+          <p:cNvPr id="19" name="Rectangle: Rounded Corners 18">
+            <a:extLst>
+              <a:ext uri="{FF2B5EF4-FFF2-40B4-BE49-F238E27FC236}">
+                <a16:creationId xmlns:a16="http://schemas.microsoft.com/office/drawing/2014/main" id="{382F87A0-A1AD-498F-8F47-BBF641A19CC2}"/>
+              </a:ext>
+            </a:extLst>
+          </p:cNvPr>
+          <p:cNvSpPr/>
+          <p:nvPr/>
+        </p:nvSpPr>
+        <p:spPr>
+          <a:xfrm>
+            <a:off x="757843" y="4504109"/>
+            <a:ext cx="1837113" cy="392084"/>
+          </a:xfrm>
+          <a:prstGeom prst="roundRect">
+            <a:avLst/>
+          </a:prstGeom>
+          <a:noFill/>
+          <a:ln w="9525" cap="flat" cmpd="sng" algn="ctr">
+            <a:solidFill>
+              <a:schemeClr val="accent1"/>
+            </a:solidFill>
+            <a:prstDash val="solid"/>
+            <a:round/>
+            <a:headEnd type="none" w="med" len="med"/>
+            <a:tailEnd type="none" w="med" len="med"/>
+          </a:ln>
+        </p:spPr>
+        <p:style>
+          <a:lnRef idx="0">
+            <a:scrgbClr r="0" g="0" b="0"/>
+          </a:lnRef>
+          <a:fillRef idx="0">
+            <a:scrgbClr r="0" g="0" b="0"/>
+          </a:fillRef>
+          <a:effectRef idx="0">
+            <a:scrgbClr r="0" g="0" b="0"/>
+          </a:effectRef>
+          <a:fontRef idx="minor">
+            <a:schemeClr val="accent1"/>
+          </a:fontRef>
+        </p:style>
+        <p:txBody>
+          <a:bodyPr rtlCol="0" anchor="ctr"/>
+          <a:lstStyle/>
+          <a:p>
+            <a:pPr algn="ctr"/>
+            <a:r>
+              <a:rPr lang="en-US" dirty="0">
+                <a:solidFill>
+                  <a:schemeClr val="accent2"/>
+                </a:solidFill>
+              </a:rPr>
+              <a:t>Student</a:t>
+            </a:r>
+          </a:p>
+        </p:txBody>
+      </p:sp>
+      <p:cxnSp>
+        <p:nvCxnSpPr>
+          <p:cNvPr id="20" name="Straight Arrow Connector 19">
+            <a:extLst>
+              <a:ext uri="{FF2B5EF4-FFF2-40B4-BE49-F238E27FC236}">
+                <a16:creationId xmlns:a16="http://schemas.microsoft.com/office/drawing/2014/main" id="{0634BE29-B5C6-45C3-88B4-00F8B68327CA}"/>
+              </a:ext>
+            </a:extLst>
+          </p:cNvPr>
+          <p:cNvCxnSpPr>
+            <a:cxnSpLocks/>
+          </p:cNvCxnSpPr>
+          <p:nvPr/>
+        </p:nvCxnSpPr>
+        <p:spPr>
+          <a:xfrm flipV="1">
+            <a:off x="2662844" y="4443149"/>
+            <a:ext cx="554181" cy="268084"/>
+          </a:xfrm>
+          <a:prstGeom prst="straightConnector1">
+            <a:avLst/>
+          </a:prstGeom>
+          <a:ln>
+            <a:tailEnd type="triangle"/>
+          </a:ln>
+        </p:spPr>
+        <p:style>
+          <a:lnRef idx="1">
+            <a:schemeClr val="accent1"/>
+          </a:lnRef>
+          <a:fillRef idx="0">
+            <a:schemeClr val="accent1"/>
+          </a:fillRef>
+          <a:effectRef idx="0">
+            <a:schemeClr val="accent1"/>
+          </a:effectRef>
+          <a:fontRef idx="minor">
+            <a:schemeClr val="tx1"/>
+          </a:fontRef>
+        </p:style>
+      </p:cxnSp>
+      <p:sp>
+        <p:nvSpPr>
+          <p:cNvPr id="23" name="Ribbon: Tilted Up 22">
+            <a:extLst>
+              <a:ext uri="{FF2B5EF4-FFF2-40B4-BE49-F238E27FC236}">
+                <a16:creationId xmlns:a16="http://schemas.microsoft.com/office/drawing/2014/main" id="{6321DA58-EE08-48DF-82F1-02CE2B23C4FC}"/>
+              </a:ext>
+            </a:extLst>
+          </p:cNvPr>
+          <p:cNvSpPr/>
+          <p:nvPr/>
+        </p:nvSpPr>
+        <p:spPr>
+          <a:xfrm>
+            <a:off x="7390015" y="968432"/>
+            <a:ext cx="3815541" cy="1654924"/>
+          </a:xfrm>
+          <a:prstGeom prst="ribbon2">
+            <a:avLst/>
+          </a:prstGeom>
+        </p:spPr>
+        <p:style>
+          <a:lnRef idx="2">
+            <a:schemeClr val="dk1"/>
+          </a:lnRef>
+          <a:fillRef idx="1">
+            <a:schemeClr val="lt1"/>
+          </a:fillRef>
+          <a:effectRef idx="0">
+            <a:schemeClr val="dk1"/>
+          </a:effectRef>
+          <a:fontRef idx="minor">
+            <a:schemeClr val="dk1"/>
+          </a:fontRef>
+        </p:style>
+        <p:txBody>
+          <a:bodyPr rtlCol="0" anchor="ctr"/>
+          <a:lstStyle/>
+          <a:p>
+            <a:pPr algn="ctr"/>
+            <a:r>
+              <a:rPr lang="en-US" dirty="0"/>
+              <a:t>Encryption and </a:t>
+            </a:r>
+            <a:r>
+              <a:rPr lang="en-US" dirty="0" err="1"/>
+              <a:t>and</a:t>
+            </a:r>
+            <a:r>
+              <a:rPr lang="en-US" dirty="0"/>
+              <a:t>  </a:t>
+            </a:r>
+          </a:p>
+          <a:p>
+            <a:pPr algn="ctr"/>
+            <a:r>
+              <a:rPr lang="en-US" dirty="0"/>
+              <a:t>Decryption</a:t>
+            </a:r>
+          </a:p>
+        </p:txBody>
+      </p:sp>
+      <p:cxnSp>
+        <p:nvCxnSpPr>
+          <p:cNvPr id="24" name="Straight Arrow Connector 23">
+            <a:extLst>
+              <a:ext uri="{FF2B5EF4-FFF2-40B4-BE49-F238E27FC236}">
+                <a16:creationId xmlns:a16="http://schemas.microsoft.com/office/drawing/2014/main" id="{E1B55397-3671-43E7-BA70-97325A7856CC}"/>
+              </a:ext>
+            </a:extLst>
+          </p:cNvPr>
+          <p:cNvCxnSpPr>
+            <a:cxnSpLocks/>
+          </p:cNvCxnSpPr>
+          <p:nvPr/>
+        </p:nvCxnSpPr>
+        <p:spPr>
+          <a:xfrm>
+            <a:off x="5414357" y="968433"/>
+            <a:ext cx="1975658" cy="569422"/>
+          </a:xfrm>
+          <a:prstGeom prst="straightConnector1">
+            <a:avLst/>
+          </a:prstGeom>
+          <a:ln>
+            <a:tailEnd type="triangle"/>
+          </a:ln>
+        </p:spPr>
+        <p:style>
+          <a:lnRef idx="1">
+            <a:schemeClr val="accent1"/>
+          </a:lnRef>
+          <a:fillRef idx="0">
+            <a:schemeClr val="accent1"/>
+          </a:fillRef>
+          <a:effectRef idx="0">
+            <a:schemeClr val="accent1"/>
+          </a:effectRef>
+          <a:fontRef idx="minor">
+            <a:schemeClr val="tx1"/>
+          </a:fontRef>
+        </p:style>
+      </p:cxnSp>
+      <p:cxnSp>
+        <p:nvCxnSpPr>
+          <p:cNvPr id="26" name="Straight Arrow Connector 25">
+            <a:extLst>
+              <a:ext uri="{FF2B5EF4-FFF2-40B4-BE49-F238E27FC236}">
+                <a16:creationId xmlns:a16="http://schemas.microsoft.com/office/drawing/2014/main" id="{6156B3B9-A68E-456E-9063-D7C5D67AA71E}"/>
+              </a:ext>
+            </a:extLst>
+          </p:cNvPr>
+          <p:cNvCxnSpPr>
+            <a:cxnSpLocks/>
+          </p:cNvCxnSpPr>
+          <p:nvPr/>
+        </p:nvCxnSpPr>
+        <p:spPr>
+          <a:xfrm>
+            <a:off x="5345084" y="1451957"/>
+            <a:ext cx="1975658" cy="569422"/>
+          </a:xfrm>
+          <a:prstGeom prst="straightConnector1">
+            <a:avLst/>
+          </a:prstGeom>
+          <a:ln>
+            <a:tailEnd type="triangle"/>
+          </a:ln>
+        </p:spPr>
+        <p:style>
+          <a:lnRef idx="1">
+            <a:schemeClr val="accent1"/>
+          </a:lnRef>
+          <a:fillRef idx="0">
+            <a:schemeClr val="accent1"/>
+          </a:fillRef>
+          <a:effectRef idx="0">
+            <a:schemeClr val="accent1"/>
+          </a:effectRef>
+          <a:fontRef idx="minor">
+            <a:schemeClr val="tx1"/>
+          </a:fontRef>
+        </p:style>
+      </p:cxnSp>
+      <p:cxnSp>
+        <p:nvCxnSpPr>
+          <p:cNvPr id="27" name="Straight Arrow Connector 26">
+            <a:extLst>
+              <a:ext uri="{FF2B5EF4-FFF2-40B4-BE49-F238E27FC236}">
+                <a16:creationId xmlns:a16="http://schemas.microsoft.com/office/drawing/2014/main" id="{C123C13C-F276-4470-8CEF-38EEF2E69BAC}"/>
+              </a:ext>
+            </a:extLst>
+          </p:cNvPr>
+          <p:cNvCxnSpPr>
+            <a:cxnSpLocks/>
+          </p:cNvCxnSpPr>
+          <p:nvPr/>
+        </p:nvCxnSpPr>
+        <p:spPr>
+          <a:xfrm flipV="1">
+            <a:off x="5379721" y="2236814"/>
+            <a:ext cx="1941021" cy="268089"/>
+          </a:xfrm>
+          <a:prstGeom prst="straightConnector1">
+            <a:avLst/>
+          </a:prstGeom>
+          <a:ln>
+            <a:tailEnd type="triangle"/>
+          </a:ln>
+        </p:spPr>
+        <p:style>
+          <a:lnRef idx="1">
+            <a:schemeClr val="accent1"/>
+          </a:lnRef>
+          <a:fillRef idx="0">
+            <a:schemeClr val="accent1"/>
+          </a:fillRef>
+          <a:effectRef idx="0">
+            <a:schemeClr val="accent1"/>
+          </a:effectRef>
+          <a:fontRef idx="minor">
+            <a:schemeClr val="tx1"/>
+          </a:fontRef>
+        </p:style>
+      </p:cxnSp>
+      <p:cxnSp>
+        <p:nvCxnSpPr>
+          <p:cNvPr id="42" name="Straight Arrow Connector 41">
+            <a:extLst>
+              <a:ext uri="{FF2B5EF4-FFF2-40B4-BE49-F238E27FC236}">
+                <a16:creationId xmlns:a16="http://schemas.microsoft.com/office/drawing/2014/main" id="{D7CFC923-795B-4CB6-AFF1-FAD3208F55A8}"/>
+              </a:ext>
+            </a:extLst>
+          </p:cNvPr>
+          <p:cNvCxnSpPr/>
+          <p:nvPr/>
+        </p:nvCxnSpPr>
+        <p:spPr>
+          <a:xfrm>
+            <a:off x="5431675" y="968432"/>
+            <a:ext cx="1958340" cy="569423"/>
+          </a:xfrm>
+          <a:prstGeom prst="straightConnector1">
+            <a:avLst/>
+          </a:prstGeom>
+          <a:ln>
+            <a:headEnd type="triangle"/>
+            <a:tailEnd type="triangle"/>
+          </a:ln>
+        </p:spPr>
+        <p:style>
+          <a:lnRef idx="1">
+            <a:schemeClr val="accent1"/>
+          </a:lnRef>
+          <a:fillRef idx="0">
+            <a:schemeClr val="accent1"/>
+          </a:fillRef>
+          <a:effectRef idx="0">
+            <a:schemeClr val="accent1"/>
+          </a:effectRef>
+          <a:fontRef idx="minor">
+            <a:schemeClr val="tx1"/>
+          </a:fontRef>
+        </p:style>
+      </p:cxnSp>
+      <p:cxnSp>
+        <p:nvCxnSpPr>
+          <p:cNvPr id="43" name="Straight Arrow Connector 42">
+            <a:extLst>
+              <a:ext uri="{FF2B5EF4-FFF2-40B4-BE49-F238E27FC236}">
+                <a16:creationId xmlns:a16="http://schemas.microsoft.com/office/drawing/2014/main" id="{C0FE308B-A02D-458E-BB97-042DCC0898BB}"/>
+              </a:ext>
+            </a:extLst>
+          </p:cNvPr>
+          <p:cNvCxnSpPr/>
+          <p:nvPr/>
+        </p:nvCxnSpPr>
+        <p:spPr>
+          <a:xfrm>
+            <a:off x="5362402" y="1451957"/>
+            <a:ext cx="1958340" cy="569423"/>
+          </a:xfrm>
+          <a:prstGeom prst="straightConnector1">
+            <a:avLst/>
+          </a:prstGeom>
+          <a:ln>
+            <a:headEnd type="triangle"/>
+            <a:tailEnd type="triangle"/>
+          </a:ln>
+        </p:spPr>
+        <p:style>
+          <a:lnRef idx="1">
+            <a:schemeClr val="accent1"/>
+          </a:lnRef>
+          <a:fillRef idx="0">
+            <a:schemeClr val="accent1"/>
+          </a:fillRef>
+          <a:effectRef idx="0">
+            <a:schemeClr val="accent1"/>
+          </a:effectRef>
+          <a:fontRef idx="minor">
+            <a:schemeClr val="tx1"/>
+          </a:fontRef>
+        </p:style>
+      </p:cxnSp>
+      <p:cxnSp>
+        <p:nvCxnSpPr>
+          <p:cNvPr id="44" name="Straight Arrow Connector 43">
+            <a:extLst>
+              <a:ext uri="{FF2B5EF4-FFF2-40B4-BE49-F238E27FC236}">
+                <a16:creationId xmlns:a16="http://schemas.microsoft.com/office/drawing/2014/main" id="{65CDE3AA-6523-490D-A068-7D52999AF4D9}"/>
+              </a:ext>
+            </a:extLst>
+          </p:cNvPr>
+          <p:cNvCxnSpPr>
+            <a:cxnSpLocks/>
+          </p:cNvCxnSpPr>
+          <p:nvPr/>
+        </p:nvCxnSpPr>
+        <p:spPr>
+          <a:xfrm flipV="1">
+            <a:off x="5379720" y="2236813"/>
+            <a:ext cx="1941022" cy="283154"/>
+          </a:xfrm>
+          <a:prstGeom prst="straightConnector1">
+            <a:avLst/>
+          </a:prstGeom>
+          <a:ln>
+            <a:headEnd type="triangle"/>
+            <a:tailEnd type="triangle"/>
+          </a:ln>
+        </p:spPr>
+        <p:style>
+          <a:lnRef idx="1">
+            <a:schemeClr val="accent1"/>
+          </a:lnRef>
+          <a:fillRef idx="0">
+            <a:schemeClr val="accent1"/>
+          </a:fillRef>
+          <a:effectRef idx="0">
+            <a:schemeClr val="accent1"/>
+          </a:effectRef>
+          <a:fontRef idx="minor">
+            <a:schemeClr val="tx1"/>
+          </a:fontRef>
+        </p:style>
+      </p:cxnSp>
+      <p:cxnSp>
+        <p:nvCxnSpPr>
+          <p:cNvPr id="49" name="Straight Arrow Connector 48">
+            <a:extLst>
+              <a:ext uri="{FF2B5EF4-FFF2-40B4-BE49-F238E27FC236}">
+                <a16:creationId xmlns:a16="http://schemas.microsoft.com/office/drawing/2014/main" id="{A49D3C32-E601-4C44-B24E-A59884EE73AE}"/>
+              </a:ext>
+            </a:extLst>
+          </p:cNvPr>
+          <p:cNvCxnSpPr/>
+          <p:nvPr/>
+        </p:nvCxnSpPr>
+        <p:spPr>
+          <a:xfrm flipV="1">
+            <a:off x="5379720" y="2370858"/>
+            <a:ext cx="1941022" cy="472786"/>
+          </a:xfrm>
+          <a:prstGeom prst="straightConnector1">
+            <a:avLst/>
+          </a:prstGeom>
+          <a:ln>
+            <a:headEnd type="triangle"/>
+            <a:tailEnd type="triangle"/>
+          </a:ln>
+        </p:spPr>
+        <p:style>
+          <a:lnRef idx="1">
+            <a:schemeClr val="accent1"/>
+          </a:lnRef>
+          <a:fillRef idx="0">
+            <a:schemeClr val="accent1"/>
+          </a:fillRef>
+          <a:effectRef idx="0">
+            <a:schemeClr val="accent1"/>
+          </a:effectRef>
+          <a:fontRef idx="minor">
+            <a:schemeClr val="tx1"/>
+          </a:fontRef>
+        </p:style>
+      </p:cxnSp>
+      <p:cxnSp>
+        <p:nvCxnSpPr>
+          <p:cNvPr id="50" name="Straight Arrow Connector 49">
+            <a:extLst>
+              <a:ext uri="{FF2B5EF4-FFF2-40B4-BE49-F238E27FC236}">
+                <a16:creationId xmlns:a16="http://schemas.microsoft.com/office/drawing/2014/main" id="{252A7D6C-6196-43FE-A138-40E91C4F0340}"/>
+              </a:ext>
+            </a:extLst>
+          </p:cNvPr>
+          <p:cNvCxnSpPr>
+            <a:cxnSpLocks/>
+          </p:cNvCxnSpPr>
+          <p:nvPr/>
+        </p:nvCxnSpPr>
+        <p:spPr>
+          <a:xfrm flipV="1">
+            <a:off x="5379720" y="2491047"/>
+            <a:ext cx="1941022" cy="686146"/>
+          </a:xfrm>
+          <a:prstGeom prst="straightConnector1">
+            <a:avLst/>
+          </a:prstGeom>
+          <a:ln>
+            <a:headEnd type="triangle"/>
+            <a:tailEnd type="triangle"/>
+          </a:ln>
+        </p:spPr>
+        <p:style>
+          <a:lnRef idx="1">
+            <a:schemeClr val="accent1"/>
+          </a:lnRef>
+          <a:fillRef idx="0">
+            <a:schemeClr val="accent1"/>
+          </a:fillRef>
+          <a:effectRef idx="0">
+            <a:schemeClr val="accent1"/>
+          </a:effectRef>
+          <a:fontRef idx="minor">
+            <a:schemeClr val="tx1"/>
+          </a:fontRef>
+        </p:style>
+      </p:cxnSp>
+      <p:cxnSp>
+        <p:nvCxnSpPr>
+          <p:cNvPr id="52" name="Straight Arrow Connector 51">
+            <a:extLst>
+              <a:ext uri="{FF2B5EF4-FFF2-40B4-BE49-F238E27FC236}">
+                <a16:creationId xmlns:a16="http://schemas.microsoft.com/office/drawing/2014/main" id="{CFEFCBB8-E040-4531-8770-DF846148D557}"/>
+              </a:ext>
+            </a:extLst>
+          </p:cNvPr>
+          <p:cNvCxnSpPr>
+            <a:cxnSpLocks/>
+          </p:cNvCxnSpPr>
+          <p:nvPr/>
+        </p:nvCxnSpPr>
+        <p:spPr>
+          <a:xfrm flipV="1">
+            <a:off x="5362402" y="2607251"/>
+            <a:ext cx="1958340" cy="1869846"/>
+          </a:xfrm>
+          <a:prstGeom prst="straightConnector1">
+            <a:avLst/>
+          </a:prstGeom>
+          <a:ln>
+            <a:headEnd type="triangle"/>
+            <a:tailEnd type="triangle"/>
+          </a:ln>
+        </p:spPr>
+        <p:style>
+          <a:lnRef idx="1">
+            <a:schemeClr val="accent1"/>
+          </a:lnRef>
+          <a:fillRef idx="0">
+            <a:schemeClr val="accent1"/>
+          </a:fillRef>
+          <a:effectRef idx="0">
+            <a:schemeClr val="accent1"/>
+          </a:effectRef>
+          <a:fontRef idx="minor">
+            <a:schemeClr val="tx1"/>
+          </a:fontRef>
+        </p:style>
+      </p:cxnSp>
+      <p:sp>
+        <p:nvSpPr>
+          <p:cNvPr id="54" name="Flowchart: Multidocument 53">
+            <a:extLst>
+              <a:ext uri="{FF2B5EF4-FFF2-40B4-BE49-F238E27FC236}">
+                <a16:creationId xmlns:a16="http://schemas.microsoft.com/office/drawing/2014/main" id="{1E1D1A56-92EB-4D83-BC19-DFCAC5635637}"/>
+              </a:ext>
+            </a:extLst>
+          </p:cNvPr>
+          <p:cNvSpPr/>
+          <p:nvPr/>
+        </p:nvSpPr>
+        <p:spPr>
+          <a:xfrm>
+            <a:off x="10124902" y="4443149"/>
+            <a:ext cx="1679171" cy="1480355"/>
+          </a:xfrm>
+          <a:prstGeom prst="flowChartMultidocument">
+            <a:avLst/>
+          </a:prstGeom>
+        </p:spPr>
+        <p:style>
+          <a:lnRef idx="1">
+            <a:schemeClr val="accent5"/>
+          </a:lnRef>
+          <a:fillRef idx="2">
+            <a:schemeClr val="accent5"/>
+          </a:fillRef>
+          <a:effectRef idx="1">
+            <a:schemeClr val="accent5"/>
+          </a:effectRef>
+          <a:fontRef idx="minor">
+            <a:schemeClr val="dk1"/>
+          </a:fontRef>
+        </p:style>
+        <p:txBody>
+          <a:bodyPr rtlCol="0" anchor="ctr"/>
+          <a:lstStyle/>
+          <a:p>
+            <a:pPr algn="ctr"/>
+            <a:r>
+              <a:rPr lang="en-US" dirty="0" err="1"/>
+              <a:t>Datebase</a:t>
+            </a:r>
+            <a:endParaRPr lang="en-US" dirty="0"/>
+          </a:p>
+          <a:p>
+            <a:pPr algn="ctr"/>
+            <a:r>
+              <a:rPr lang="en-US" dirty="0"/>
+              <a:t>(files)</a:t>
+            </a:r>
+          </a:p>
+        </p:txBody>
+      </p:sp>
+      <p:sp>
+        <p:nvSpPr>
+          <p:cNvPr id="55" name="Arrow: Up 54">
+            <a:extLst>
+              <a:ext uri="{FF2B5EF4-FFF2-40B4-BE49-F238E27FC236}">
+                <a16:creationId xmlns:a16="http://schemas.microsoft.com/office/drawing/2014/main" id="{293A5395-6F40-4EF3-A7BC-D607F569F57E}"/>
+              </a:ext>
+            </a:extLst>
+          </p:cNvPr>
+          <p:cNvSpPr/>
+          <p:nvPr/>
+        </p:nvSpPr>
+        <p:spPr>
+          <a:xfrm>
+            <a:off x="10482349" y="2734887"/>
+            <a:ext cx="257695" cy="1480355"/>
+          </a:xfrm>
+          <a:prstGeom prst="upArrow">
+            <a:avLst/>
+          </a:prstGeom>
+        </p:spPr>
+        <p:style>
+          <a:lnRef idx="2">
+            <a:schemeClr val="accent2"/>
+          </a:lnRef>
+          <a:fillRef idx="1">
+            <a:schemeClr val="lt1"/>
+          </a:fillRef>
+          <a:effectRef idx="0">
+            <a:schemeClr val="accent2"/>
+          </a:effectRef>
+          <a:fontRef idx="minor">
+            <a:schemeClr val="dk1"/>
+          </a:fontRef>
+        </p:style>
+        <p:txBody>
+          <a:bodyPr rtlCol="0" anchor="ctr"/>
+          <a:lstStyle/>
+          <a:p>
+            <a:pPr algn="ctr"/>
+            <a:endParaRPr lang="en-US"/>
+          </a:p>
+        </p:txBody>
+      </p:sp>
+      <p:sp>
+        <p:nvSpPr>
+          <p:cNvPr id="56" name="Arrow: Up 55">
+            <a:extLst>
+              <a:ext uri="{FF2B5EF4-FFF2-40B4-BE49-F238E27FC236}">
+                <a16:creationId xmlns:a16="http://schemas.microsoft.com/office/drawing/2014/main" id="{7ADB18B8-0C09-45E8-9816-D48BC2D2BAEF}"/>
+              </a:ext>
+            </a:extLst>
+          </p:cNvPr>
+          <p:cNvSpPr/>
+          <p:nvPr/>
+        </p:nvSpPr>
+        <p:spPr>
+          <a:xfrm rot="10800000">
+            <a:off x="10787149" y="2734886"/>
+            <a:ext cx="257695" cy="1480355"/>
+          </a:xfrm>
+          <a:prstGeom prst="upArrow">
+            <a:avLst/>
+          </a:prstGeom>
+        </p:spPr>
+        <p:style>
+          <a:lnRef idx="2">
+            <a:schemeClr val="accent2"/>
+          </a:lnRef>
+          <a:fillRef idx="1">
+            <a:schemeClr val="lt1"/>
+          </a:fillRef>
+          <a:effectRef idx="0">
+            <a:schemeClr val="accent2"/>
+          </a:effectRef>
+          <a:fontRef idx="minor">
+            <a:schemeClr val="dk1"/>
+          </a:fontRef>
+        </p:style>
+        <p:txBody>
+          <a:bodyPr rtlCol="0" anchor="ctr"/>
+          <a:lstStyle/>
+          <a:p>
+            <a:pPr algn="ctr"/>
+            <a:endParaRPr lang="en-US"/>
+          </a:p>
+        </p:txBody>
+      </p:sp>
+    </p:spTree>
+    <p:extLst>
+      <p:ext uri="{BB962C8B-B14F-4D97-AF65-F5344CB8AC3E}">
+        <p14:creationId xmlns:p14="http://schemas.microsoft.com/office/powerpoint/2010/main" val="963099423"/>
+      </p:ext>
+    </p:extLst>
+  </p:cSld>
+  <p:clrMapOvr>
+    <a:masterClrMapping/>
+  </p:clrMapOvr>
+</p:sld>
+</file>
+
+<file path=ppt/slides/slide13.xml><?xml version="1.0" encoding="utf-8"?>
+<p:sld xmlns:a="http://schemas.openxmlformats.org/drawingml/2006/main" xmlns:r="http://schemas.openxmlformats.org/officeDocument/2006/relationships" xmlns:p="http://schemas.openxmlformats.org/presentationml/2006/main">
+  <p:cSld>
+    <p:spTree>
+      <p:nvGrpSpPr>
+        <p:cNvPr id="1" name=""/>
+        <p:cNvGrpSpPr/>
+        <p:nvPr/>
+      </p:nvGrpSpPr>
+      <p:grpSpPr>
+        <a:xfrm>
+          <a:off x="0" y="0"/>
+          <a:ext cx="0" cy="0"/>
+          <a:chOff x="0" y="0"/>
+          <a:chExt cx="0" cy="0"/>
+        </a:xfrm>
+      </p:grpSpPr>
+      <p:sp>
+        <p:nvSpPr>
+          <p:cNvPr id="3" name="Title 2">
+            <a:extLst>
+              <a:ext uri="{FF2B5EF4-FFF2-40B4-BE49-F238E27FC236}">
+                <a16:creationId xmlns:a16="http://schemas.microsoft.com/office/drawing/2014/main" id="{06E4186C-7A05-4634-A58C-864DAA9709F6}"/>
+              </a:ext>
+            </a:extLst>
+          </p:cNvPr>
+          <p:cNvSpPr>
+            <a:spLocks noGrp="1"/>
+          </p:cNvSpPr>
+          <p:nvPr>
+            <p:ph type="title"/>
+          </p:nvPr>
+        </p:nvSpPr>
+        <p:spPr>
+          <a:xfrm>
+            <a:off x="1462527" y="1255625"/>
+            <a:ext cx="8825657" cy="1915647"/>
+          </a:xfrm>
+        </p:spPr>
+        <p:txBody>
+          <a:bodyPr/>
+          <a:lstStyle/>
+          <a:p>
+            <a:r>
+              <a:rPr lang="en-US" dirty="0">
+                <a:latin typeface="Forte" panose="03060902040502070203" pitchFamily="66" charset="0"/>
+              </a:rPr>
+              <a:t>THANK YOU</a:t>
+            </a:r>
+            <a:r>
+              <a:rPr lang="en-US" dirty="0"/>
+              <a:t>……………</a:t>
+            </a:r>
+          </a:p>
+        </p:txBody>
+      </p:sp>
+    </p:spTree>
+    <p:extLst>
+      <p:ext uri="{BB962C8B-B14F-4D97-AF65-F5344CB8AC3E}">
+        <p14:creationId xmlns:p14="http://schemas.microsoft.com/office/powerpoint/2010/main" val="4788046"/>
+      </p:ext>
+    </p:extLst>
+  </p:cSld>
+  <p:clrMapOvr>
+    <a:masterClrMapping/>
+  </p:clrMapOvr>
+  <p:timing>
+    <p:tnLst>
+      <p:par>
+        <p:cTn id="1" dur="indefinite" restart="never" nodeType="tmRoot">
+          <p:childTnLst>
+            <p:seq concurrent="1" nextAc="seek">
+              <p:cTn id="2" dur="indefinite" nodeType="mainSeq">
+                <p:childTnLst>
+                  <p:par>
+                    <p:cTn id="3" fill="hold">
+                      <p:stCondLst>
+                        <p:cond delay="indefinite"/>
+                      </p:stCondLst>
+                      <p:childTnLst>
+                        <p:par>
+                          <p:cTn id="4" fill="hold">
+                            <p:stCondLst>
+                              <p:cond delay="0"/>
+                            </p:stCondLst>
+                            <p:childTnLst>
+                              <p:par>
+                                <p:cTn id="5" presetID="34" presetClass="emph" presetSubtype="0" fill="hold" grpId="0" nodeType="clickEffect">
+                                  <p:stCondLst>
+                                    <p:cond delay="0"/>
+                                  </p:stCondLst>
+                                  <p:iterate type="lt">
+                                    <p:tmPct val="10000"/>
+                                  </p:iterate>
+                                  <p:childTnLst>
+                                    <p:animMotion origin="layout" path="M 0.0 0.0 L 0.0 -0.07213" pathEditMode="relative" ptsTypes="">
+                                      <p:cBhvr>
+                                        <p:cTn id="6" dur="250" accel="50000" decel="50000" autoRev="1" fill="hold">
+                                          <p:stCondLst>
+                                            <p:cond delay="0"/>
+                                          </p:stCondLst>
+                                        </p:cTn>
+                                        <p:tgtEl>
+                                          <p:spTgt spid="3"/>
+                                        </p:tgtEl>
+                                        <p:attrNameLst>
+                                          <p:attrName>ppt_x</p:attrName>
+                                          <p:attrName>ppt_y</p:attrName>
+                                        </p:attrNameLst>
+                                      </p:cBhvr>
+                                    </p:animMotion>
+                                    <p:animRot by="1500000">
+                                      <p:cBhvr>
+                                        <p:cTn id="7" dur="125" fill="hold">
+                                          <p:stCondLst>
+                                            <p:cond delay="0"/>
+                                          </p:stCondLst>
+                                        </p:cTn>
+                                        <p:tgtEl>
+                                          <p:spTgt spid="3"/>
+                                        </p:tgtEl>
+                                        <p:attrNameLst>
+                                          <p:attrName>r</p:attrName>
+                                        </p:attrNameLst>
+                                      </p:cBhvr>
+                                    </p:animRot>
+                                    <p:animRot by="-1500000">
+                                      <p:cBhvr>
+                                        <p:cTn id="8" dur="125" fill="hold">
+                                          <p:stCondLst>
+                                            <p:cond delay="125"/>
+                                          </p:stCondLst>
+                                        </p:cTn>
+                                        <p:tgtEl>
+                                          <p:spTgt spid="3"/>
+                                        </p:tgtEl>
+                                        <p:attrNameLst>
+                                          <p:attrName>r</p:attrName>
+                                        </p:attrNameLst>
+                                      </p:cBhvr>
+                                    </p:animRot>
+                                    <p:animRot by="-1500000">
+                                      <p:cBhvr>
+                                        <p:cTn id="9" dur="125" fill="hold">
+                                          <p:stCondLst>
+                                            <p:cond delay="250"/>
+                                          </p:stCondLst>
+                                        </p:cTn>
+                                        <p:tgtEl>
+                                          <p:spTgt spid="3"/>
+                                        </p:tgtEl>
+                                        <p:attrNameLst>
+                                          <p:attrName>r</p:attrName>
+                                        </p:attrNameLst>
+                                      </p:cBhvr>
+                                    </p:animRot>
+                                    <p:animRot by="1500000">
+                                      <p:cBhvr>
+                                        <p:cTn id="10" dur="125" fill="hold">
+                                          <p:stCondLst>
+                                            <p:cond delay="375"/>
+                                          </p:stCondLst>
+                                        </p:cTn>
+                                        <p:tgtEl>
+                                          <p:spTgt spid="3"/>
+                                        </p:tgtEl>
+                                        <p:attrNameLst>
+                                          <p:attrName>r</p:attrName>
+                                        </p:attrNameLst>
+                                      </p:cBhvr>
+                                    </p:animRot>
+                                  </p:childTnLst>
+                                </p:cTn>
+                              </p:par>
+                            </p:childTnLst>
+                          </p:cTn>
+                        </p:par>
+                      </p:childTnLst>
+                    </p:cTn>
+                  </p:par>
+                </p:childTnLst>
+              </p:cTn>
+              <p:prevCondLst>
+                <p:cond evt="onPrev" delay="0">
+                  <p:tgtEl>
+                    <p:sldTgt/>
+                  </p:tgtEl>
+                </p:cond>
+              </p:prevCondLst>
+              <p:nextCondLst>
+                <p:cond evt="onNext" delay="0">
+                  <p:tgtEl>
+                    <p:sldTgt/>
+                  </p:tgtEl>
+                </p:cond>
+              </p:nextCondLst>
+            </p:seq>
+          </p:childTnLst>
+        </p:cTn>
+      </p:par>
+    </p:tnLst>
+    <p:bldLst>
+      <p:bldP spid="3" grpId="0"/>
+    </p:bldLst>
+  </p:timing>
 </p:sld>
 </file>
 
@@ -13685,13 +17009,13 @@
   <p:clrMapOvr>
     <a:masterClrMapping/>
   </p:clrMapOvr>
-  <mc:AlternateContent xmlns:mc="http://schemas.openxmlformats.org/markup-compatibility/2006">
-    <mc:Choice xmlns:p15="http://schemas.microsoft.com/office/powerpoint/2012/main" Requires="p15">
+  <mc:AlternateContent xmlns:mc="http://schemas.openxmlformats.org/markup-compatibility/2006" xmlns:p15="http://schemas.microsoft.com/office/powerpoint/2012/main">
+    <mc:Choice Requires="p15">
       <p:transition xmlns:p14="http://schemas.microsoft.com/office/powerpoint/2010/main" spd="slow" p14:dur="6000">
         <p15:prstTrans prst="curtains"/>
       </p:transition>
     </mc:Choice>
-    <mc:Fallback>
+    <mc:Fallback xmlns="">
       <p:transition spd="slow">
         <p:fade/>
       </p:transition>
@@ -13770,15 +17094,28 @@
         </p:nvSpPr>
         <p:spPr>
           <a:xfrm>
-            <a:off x="233082" y="1703294"/>
-            <a:ext cx="8946541" cy="4195481"/>
+            <a:off x="233082" y="1328468"/>
+            <a:ext cx="9109326" cy="4570307"/>
           </a:xfrm>
         </p:spPr>
         <p:txBody>
           <a:bodyPr/>
           <a:lstStyle/>
           <a:p>
-            <a:endParaRPr lang="en-US" dirty="0"/>
+            <a:r>
+              <a:rPr lang="en-US" i="1" dirty="0"/>
+              <a:t>In this project “THE CONCEPT OF ENCRYPTION AND DECRYPTION WITH DATABASE MANAGEMENT SYSTEM”, for giving the concept of encryption and decryption and how it actually works. In this project we are actually deal with the database that is ,to creating, manipulating, deleting database but all input and output operation from the file is to be done under by encryption and decryption technique. This software not going to use any complex algorithm but for shake of simplicity this going to some interesting calculation with the ASCII code of each character.</a:t>
+            </a:r>
+          </a:p>
+          <a:p>
+            <a:r>
+              <a:rPr lang="en-US" i="1" dirty="0"/>
+              <a:t>  Hope this will be easiest way for understanding the concept of encryption and decryption</a:t>
+            </a:r>
+            <a:r>
+              <a:rPr lang="en-US" dirty="0"/>
+              <a:t>.</a:t>
+            </a:r>
           </a:p>
         </p:txBody>
       </p:sp>
@@ -13792,13 +17129,13 @@
   <p:clrMapOvr>
     <a:masterClrMapping/>
   </p:clrMapOvr>
-  <mc:AlternateContent xmlns:mc="http://schemas.openxmlformats.org/markup-compatibility/2006">
-    <mc:Choice xmlns:p14="http://schemas.microsoft.com/office/powerpoint/2010/main" Requires="p14">
+  <mc:AlternateContent xmlns:mc="http://schemas.openxmlformats.org/markup-compatibility/2006" xmlns:p14="http://schemas.microsoft.com/office/powerpoint/2010/main">
+    <mc:Choice Requires="p14">
       <p:transition spd="slow" p14:dur="4000">
         <p14:vortex dir="r"/>
       </p:transition>
     </mc:Choice>
-    <mc:Fallback>
+    <mc:Fallback xmlns="">
       <p:transition spd="slow">
         <p:fade/>
       </p:transition>
@@ -13842,8 +17179,8 @@
         </p:nvSpPr>
         <p:spPr>
           <a:xfrm>
-            <a:off x="1388058" y="1252241"/>
-            <a:ext cx="9603275" cy="1049235"/>
+            <a:off x="1388058" y="1246909"/>
+            <a:ext cx="9603275" cy="594139"/>
           </a:xfrm>
         </p:spPr>
         <p:txBody>
@@ -13887,7 +17224,16 @@
           <a:bodyPr/>
           <a:lstStyle/>
           <a:p>
-            <a:endParaRPr lang="en-US" dirty="0"/>
+            <a:r>
+              <a:rPr lang="en-US" dirty="0"/>
+              <a:t>Encryption is the process of using an algorithm to transform information to make it unreadable for unauthorized users. This cryptographic method protects sensitive data such as credit card numbers by encoding and transforming information into unreadable cipher text. This encoded data may only be decrypted or made readable with a key.</a:t>
+            </a:r>
+          </a:p>
+          <a:p>
+            <a:r>
+              <a:rPr lang="en-US" dirty="0"/>
+              <a:t>Encryption is essential for ensured and trusted delivery of sensitive information.</a:t>
+            </a:r>
           </a:p>
         </p:txBody>
       </p:sp>
@@ -13901,18 +17247,291 @@
   <p:clrMapOvr>
     <a:masterClrMapping/>
   </p:clrMapOvr>
-  <mc:AlternateContent xmlns:mc="http://schemas.openxmlformats.org/markup-compatibility/2006">
-    <mc:Choice xmlns:p15="http://schemas.microsoft.com/office/powerpoint/2012/main" Requires="p15">
-      <p:transition xmlns:p14="http://schemas.microsoft.com/office/powerpoint/2010/main" spd="slow" p14:dur="6000">
-        <p15:prstTrans prst="curtains"/>
+  <mc:AlternateContent xmlns:mc="http://schemas.openxmlformats.org/markup-compatibility/2006" xmlns:p15="http://schemas.microsoft.com/office/powerpoint/2012/main">
+    <mc:Choice Requires="p15">
+      <p:transition xmlns:p14="http://schemas.microsoft.com/office/powerpoint/2010/main" spd="slow" p14:dur="3250">
+        <p15:prstTrans prst="origami"/>
+        <p:sndAc>
+          <p:stSnd>
+            <p:snd r:embed="rId2" name="wind.wav"/>
+          </p:stSnd>
+        </p:sndAc>
       </p:transition>
     </mc:Choice>
-    <mc:Fallback>
+    <mc:Fallback xmlns="">
       <p:transition spd="slow">
         <p:fade/>
+        <p:sndAc>
+          <p:stSnd>
+            <p:snd r:embed="rId3" name="wind.wav"/>
+          </p:stSnd>
+        </p:sndAc>
       </p:transition>
     </mc:Fallback>
   </mc:AlternateContent>
+  <p:timing>
+    <p:tnLst>
+      <p:par>
+        <p:cTn id="1" dur="indefinite" restart="never" nodeType="tmRoot">
+          <p:childTnLst>
+            <p:seq concurrent="1" nextAc="seek">
+              <p:cTn id="2" dur="indefinite" nodeType="mainSeq">
+                <p:childTnLst>
+                  <p:par>
+                    <p:cTn id="3" fill="hold">
+                      <p:stCondLst>
+                        <p:cond delay="indefinite"/>
+                      </p:stCondLst>
+                      <p:childTnLst>
+                        <p:par>
+                          <p:cTn id="4" fill="hold">
+                            <p:stCondLst>
+                              <p:cond delay="0"/>
+                            </p:stCondLst>
+                            <p:childTnLst>
+                              <p:par>
+                                <p:cTn id="5" presetID="53" presetClass="entr" presetSubtype="16" fill="hold" grpId="0" nodeType="clickEffect">
+                                  <p:stCondLst>
+                                    <p:cond delay="0"/>
+                                  </p:stCondLst>
+                                  <p:childTnLst>
+                                    <p:set>
+                                      <p:cBhvr>
+                                        <p:cTn id="6" dur="1" fill="hold">
+                                          <p:stCondLst>
+                                            <p:cond delay="0"/>
+                                          </p:stCondLst>
+                                        </p:cTn>
+                                        <p:tgtEl>
+                                          <p:spTgt spid="3">
+                                            <p:txEl>
+                                              <p:pRg st="0" end="0"/>
+                                            </p:txEl>
+                                          </p:spTgt>
+                                        </p:tgtEl>
+                                        <p:attrNameLst>
+                                          <p:attrName>style.visibility</p:attrName>
+                                        </p:attrNameLst>
+                                      </p:cBhvr>
+                                      <p:to>
+                                        <p:strVal val="visible"/>
+                                      </p:to>
+                                    </p:set>
+                                    <p:anim calcmode="lin" valueType="num">
+                                      <p:cBhvr>
+                                        <p:cTn id="7" dur="500" fill="hold"/>
+                                        <p:tgtEl>
+                                          <p:spTgt spid="3">
+                                            <p:txEl>
+                                              <p:pRg st="0" end="0"/>
+                                            </p:txEl>
+                                          </p:spTgt>
+                                        </p:tgtEl>
+                                        <p:attrNameLst>
+                                          <p:attrName>ppt_w</p:attrName>
+                                        </p:attrNameLst>
+                                      </p:cBhvr>
+                                      <p:tavLst>
+                                        <p:tav tm="0">
+                                          <p:val>
+                                            <p:fltVal val="0"/>
+                                          </p:val>
+                                        </p:tav>
+                                        <p:tav tm="100000">
+                                          <p:val>
+                                            <p:strVal val="#ppt_w"/>
+                                          </p:val>
+                                        </p:tav>
+                                      </p:tavLst>
+                                    </p:anim>
+                                    <p:anim calcmode="lin" valueType="num">
+                                      <p:cBhvr>
+                                        <p:cTn id="8" dur="500" fill="hold"/>
+                                        <p:tgtEl>
+                                          <p:spTgt spid="3">
+                                            <p:txEl>
+                                              <p:pRg st="0" end="0"/>
+                                            </p:txEl>
+                                          </p:spTgt>
+                                        </p:tgtEl>
+                                        <p:attrNameLst>
+                                          <p:attrName>ppt_h</p:attrName>
+                                        </p:attrNameLst>
+                                      </p:cBhvr>
+                                      <p:tavLst>
+                                        <p:tav tm="0">
+                                          <p:val>
+                                            <p:fltVal val="0"/>
+                                          </p:val>
+                                        </p:tav>
+                                        <p:tav tm="100000">
+                                          <p:val>
+                                            <p:strVal val="#ppt_h"/>
+                                          </p:val>
+                                        </p:tav>
+                                      </p:tavLst>
+                                    </p:anim>
+                                    <p:animEffect transition="in" filter="fade">
+                                      <p:cBhvr>
+                                        <p:cTn id="9" dur="500"/>
+                                        <p:tgtEl>
+                                          <p:spTgt spid="3">
+                                            <p:txEl>
+                                              <p:pRg st="0" end="0"/>
+                                            </p:txEl>
+                                          </p:spTgt>
+                                        </p:tgtEl>
+                                      </p:cBhvr>
+                                    </p:animEffect>
+                                  </p:childTnLst>
+                                </p:cTn>
+                              </p:par>
+                            </p:childTnLst>
+                          </p:cTn>
+                        </p:par>
+                      </p:childTnLst>
+                    </p:cTn>
+                  </p:par>
+                  <p:par>
+                    <p:cTn id="10" fill="hold">
+                      <p:stCondLst>
+                        <p:cond delay="indefinite"/>
+                      </p:stCondLst>
+                      <p:childTnLst>
+                        <p:par>
+                          <p:cTn id="11" fill="hold">
+                            <p:stCondLst>
+                              <p:cond delay="0"/>
+                            </p:stCondLst>
+                            <p:childTnLst>
+                              <p:par>
+                                <p:cTn id="12" presetID="53" presetClass="entr" presetSubtype="16" fill="hold" grpId="0" nodeType="clickEffect">
+                                  <p:stCondLst>
+                                    <p:cond delay="0"/>
+                                  </p:stCondLst>
+                                  <p:childTnLst>
+                                    <p:set>
+                                      <p:cBhvr>
+                                        <p:cTn id="13" dur="1" fill="hold">
+                                          <p:stCondLst>
+                                            <p:cond delay="0"/>
+                                          </p:stCondLst>
+                                        </p:cTn>
+                                        <p:tgtEl>
+                                          <p:spTgt spid="3">
+                                            <p:txEl>
+                                              <p:pRg st="1" end="1"/>
+                                            </p:txEl>
+                                          </p:spTgt>
+                                        </p:tgtEl>
+                                        <p:attrNameLst>
+                                          <p:attrName>style.visibility</p:attrName>
+                                        </p:attrNameLst>
+                                      </p:cBhvr>
+                                      <p:to>
+                                        <p:strVal val="visible"/>
+                                      </p:to>
+                                    </p:set>
+                                    <p:anim calcmode="lin" valueType="num">
+                                      <p:cBhvr>
+                                        <p:cTn id="14" dur="500" fill="hold"/>
+                                        <p:tgtEl>
+                                          <p:spTgt spid="3">
+                                            <p:txEl>
+                                              <p:pRg st="1" end="1"/>
+                                            </p:txEl>
+                                          </p:spTgt>
+                                        </p:tgtEl>
+                                        <p:attrNameLst>
+                                          <p:attrName>ppt_w</p:attrName>
+                                        </p:attrNameLst>
+                                      </p:cBhvr>
+                                      <p:tavLst>
+                                        <p:tav tm="0">
+                                          <p:val>
+                                            <p:fltVal val="0"/>
+                                          </p:val>
+                                        </p:tav>
+                                        <p:tav tm="100000">
+                                          <p:val>
+                                            <p:strVal val="#ppt_w"/>
+                                          </p:val>
+                                        </p:tav>
+                                      </p:tavLst>
+                                    </p:anim>
+                                    <p:anim calcmode="lin" valueType="num">
+                                      <p:cBhvr>
+                                        <p:cTn id="15" dur="500" fill="hold"/>
+                                        <p:tgtEl>
+                                          <p:spTgt spid="3">
+                                            <p:txEl>
+                                              <p:pRg st="1" end="1"/>
+                                            </p:txEl>
+                                          </p:spTgt>
+                                        </p:tgtEl>
+                                        <p:attrNameLst>
+                                          <p:attrName>ppt_h</p:attrName>
+                                        </p:attrNameLst>
+                                      </p:cBhvr>
+                                      <p:tavLst>
+                                        <p:tav tm="0">
+                                          <p:val>
+                                            <p:fltVal val="0"/>
+                                          </p:val>
+                                        </p:tav>
+                                        <p:tav tm="100000">
+                                          <p:val>
+                                            <p:strVal val="#ppt_h"/>
+                                          </p:val>
+                                        </p:tav>
+                                      </p:tavLst>
+                                    </p:anim>
+                                    <p:animEffect transition="in" filter="fade">
+                                      <p:cBhvr>
+                                        <p:cTn id="16" dur="500"/>
+                                        <p:tgtEl>
+                                          <p:spTgt spid="3">
+                                            <p:txEl>
+                                              <p:pRg st="1" end="1"/>
+                                            </p:txEl>
+                                          </p:spTgt>
+                                        </p:tgtEl>
+                                      </p:cBhvr>
+                                    </p:animEffect>
+                                  </p:childTnLst>
+                                </p:cTn>
+                              </p:par>
+                            </p:childTnLst>
+                          </p:cTn>
+                        </p:par>
+                      </p:childTnLst>
+                    </p:cTn>
+                  </p:par>
+                </p:childTnLst>
+              </p:cTn>
+              <p:prevCondLst>
+                <p:cond evt="onPrev" delay="0">
+                  <p:tgtEl>
+                    <p:sldTgt/>
+                  </p:tgtEl>
+                </p:cond>
+              </p:prevCondLst>
+              <p:nextCondLst>
+                <p:cond evt="onNext" delay="0">
+                  <p:tgtEl>
+                    <p:sldTgt/>
+                  </p:tgtEl>
+                </p:cond>
+              </p:nextCondLst>
+            </p:seq>
+          </p:childTnLst>
+        </p:cTn>
+      </p:par>
+    </p:tnLst>
+    <p:bldLst>
+      <p:bldP spid="3" grpId="0" build="p"/>
+    </p:bldLst>
+  </p:timing>
 </p:sld>
 </file>
 
@@ -13993,10 +17612,25 @@
           </a:xfrm>
         </p:spPr>
         <p:txBody>
-          <a:bodyPr/>
+          <a:bodyPr>
+            <a:normAutofit lnSpcReduction="10000"/>
+          </a:bodyPr>
           <a:lstStyle/>
           <a:p>
-            <a:endParaRPr lang="en-US" dirty="0"/>
+            <a:r>
+              <a:rPr lang="en-US" b="1" dirty="0"/>
+              <a:t>Decryption</a:t>
+            </a:r>
+            <a:r>
+              <a:rPr lang="en-US" dirty="0"/>
+              <a:t> is the process of taking encoded or encrypted text or other data and converting it back into text that you or the computer can read and understand. This term could be used to describe a method of unencrypting the data manually or unencrypting the data using the proper codes or keys.</a:t>
+            </a:r>
+          </a:p>
+          <a:p>
+            <a:r>
+              <a:rPr lang="en-US" dirty="0"/>
+              <a:t>Data may be encrypted to make it difficult for someone to steal the information. Some companies also encrypt data for general protection of company data and trade secrets. If this data needs to be viewable, it may require decryption. If a decryption passcode or key is not available, special software may be needed to decrypt the data using algorithms to crack the decryption and make the data readable.</a:t>
+            </a:r>
           </a:p>
         </p:txBody>
       </p:sp>
@@ -14010,18 +17644,763 @@
   <p:clrMapOvr>
     <a:masterClrMapping/>
   </p:clrMapOvr>
-  <mc:AlternateContent xmlns:mc="http://schemas.openxmlformats.org/markup-compatibility/2006">
-    <mc:Choice xmlns:p15="http://schemas.microsoft.com/office/powerpoint/2012/main" Requires="p15">
-      <p:transition xmlns:p14="http://schemas.microsoft.com/office/powerpoint/2010/main" spd="slow" p14:dur="1250">
-        <p15:prstTrans prst="peelOff"/>
+  <mc:AlternateContent xmlns:mc="http://schemas.openxmlformats.org/markup-compatibility/2006" xmlns:p14="http://schemas.microsoft.com/office/powerpoint/2010/main">
+    <mc:Choice Requires="p14">
+      <p:transition spd="slow" p14:dur="1600">
+        <p14:gallery dir="l"/>
       </p:transition>
     </mc:Choice>
-    <mc:Fallback>
+    <mc:Fallback xmlns="">
       <p:transition spd="slow">
         <p:fade/>
       </p:transition>
     </mc:Fallback>
   </mc:AlternateContent>
+  <p:timing>
+    <p:tnLst>
+      <p:par>
+        <p:cTn id="1" dur="indefinite" restart="never" nodeType="tmRoot">
+          <p:childTnLst>
+            <p:seq concurrent="1" nextAc="seek">
+              <p:cTn id="2" dur="indefinite" nodeType="mainSeq">
+                <p:childTnLst>
+                  <p:par>
+                    <p:cTn id="3" fill="hold">
+                      <p:stCondLst>
+                        <p:cond delay="indefinite"/>
+                      </p:stCondLst>
+                      <p:childTnLst>
+                        <p:par>
+                          <p:cTn id="4" fill="hold">
+                            <p:stCondLst>
+                              <p:cond delay="0"/>
+                            </p:stCondLst>
+                            <p:childTnLst>
+                              <p:par>
+                                <p:cTn id="5" presetID="26" presetClass="entr" presetSubtype="0" fill="hold" grpId="0" nodeType="clickEffect">
+                                  <p:stCondLst>
+                                    <p:cond delay="0"/>
+                                  </p:stCondLst>
+                                  <p:childTnLst>
+                                    <p:set>
+                                      <p:cBhvr>
+                                        <p:cTn id="6" dur="1" fill="hold">
+                                          <p:stCondLst>
+                                            <p:cond delay="0"/>
+                                          </p:stCondLst>
+                                        </p:cTn>
+                                        <p:tgtEl>
+                                          <p:spTgt spid="3">
+                                            <p:txEl>
+                                              <p:pRg st="0" end="0"/>
+                                            </p:txEl>
+                                          </p:spTgt>
+                                        </p:tgtEl>
+                                        <p:attrNameLst>
+                                          <p:attrName>style.visibility</p:attrName>
+                                        </p:attrNameLst>
+                                      </p:cBhvr>
+                                      <p:to>
+                                        <p:strVal val="visible"/>
+                                      </p:to>
+                                    </p:set>
+                                    <p:animEffect transition="in" filter="wipe(down)">
+                                      <p:cBhvr>
+                                        <p:cTn id="7" dur="580">
+                                          <p:stCondLst>
+                                            <p:cond delay="0"/>
+                                          </p:stCondLst>
+                                        </p:cTn>
+                                        <p:tgtEl>
+                                          <p:spTgt spid="3">
+                                            <p:txEl>
+                                              <p:pRg st="0" end="0"/>
+                                            </p:txEl>
+                                          </p:spTgt>
+                                        </p:tgtEl>
+                                      </p:cBhvr>
+                                    </p:animEffect>
+                                    <p:anim calcmode="lin" valueType="num">
+                                      <p:cBhvr>
+                                        <p:cTn id="8" dur="1822" tmFilter="0,0; 0.14,0.36; 0.43,0.73; 0.71,0.91; 1.0,1.0">
+                                          <p:stCondLst>
+                                            <p:cond delay="0"/>
+                                          </p:stCondLst>
+                                        </p:cTn>
+                                        <p:tgtEl>
+                                          <p:spTgt spid="3">
+                                            <p:txEl>
+                                              <p:pRg st="0" end="0"/>
+                                            </p:txEl>
+                                          </p:spTgt>
+                                        </p:tgtEl>
+                                        <p:attrNameLst>
+                                          <p:attrName>ppt_x</p:attrName>
+                                        </p:attrNameLst>
+                                      </p:cBhvr>
+                                      <p:tavLst>
+                                        <p:tav tm="0">
+                                          <p:val>
+                                            <p:strVal val="#ppt_x-0.25"/>
+                                          </p:val>
+                                        </p:tav>
+                                        <p:tav tm="100000">
+                                          <p:val>
+                                            <p:strVal val="#ppt_x"/>
+                                          </p:val>
+                                        </p:tav>
+                                      </p:tavLst>
+                                    </p:anim>
+                                    <p:anim calcmode="lin" valueType="num">
+                                      <p:cBhvr>
+                                        <p:cTn id="9" dur="664" tmFilter="0.0,0.0; 0.25,0.07; 0.50,0.2; 0.75,0.467; 1.0,1.0">
+                                          <p:stCondLst>
+                                            <p:cond delay="0"/>
+                                          </p:stCondLst>
+                                        </p:cTn>
+                                        <p:tgtEl>
+                                          <p:spTgt spid="3">
+                                            <p:txEl>
+                                              <p:pRg st="0" end="0"/>
+                                            </p:txEl>
+                                          </p:spTgt>
+                                        </p:tgtEl>
+                                        <p:attrNameLst>
+                                          <p:attrName>ppt_y</p:attrName>
+                                        </p:attrNameLst>
+                                      </p:cBhvr>
+                                      <p:tavLst>
+                                        <p:tav tm="0" fmla="#ppt_y-sin(pi*$)/3">
+                                          <p:val>
+                                            <p:fltVal val="0.5"/>
+                                          </p:val>
+                                        </p:tav>
+                                        <p:tav tm="100000">
+                                          <p:val>
+                                            <p:fltVal val="1"/>
+                                          </p:val>
+                                        </p:tav>
+                                      </p:tavLst>
+                                    </p:anim>
+                                    <p:anim calcmode="lin" valueType="num">
+                                      <p:cBhvr>
+                                        <p:cTn id="10" dur="664" tmFilter="0, 0; 0.125,0.2665; 0.25,0.4; 0.375,0.465; 0.5,0.5;  0.625,0.535; 0.75,0.6; 0.875,0.7335; 1,1">
+                                          <p:stCondLst>
+                                            <p:cond delay="664"/>
+                                          </p:stCondLst>
+                                        </p:cTn>
+                                        <p:tgtEl>
+                                          <p:spTgt spid="3">
+                                            <p:txEl>
+                                              <p:pRg st="0" end="0"/>
+                                            </p:txEl>
+                                          </p:spTgt>
+                                        </p:tgtEl>
+                                        <p:attrNameLst>
+                                          <p:attrName>ppt_y</p:attrName>
+                                        </p:attrNameLst>
+                                      </p:cBhvr>
+                                      <p:tavLst>
+                                        <p:tav tm="0" fmla="#ppt_y-sin(pi*$)/9">
+                                          <p:val>
+                                            <p:fltVal val="0"/>
+                                          </p:val>
+                                        </p:tav>
+                                        <p:tav tm="100000">
+                                          <p:val>
+                                            <p:fltVal val="1"/>
+                                          </p:val>
+                                        </p:tav>
+                                      </p:tavLst>
+                                    </p:anim>
+                                    <p:anim calcmode="lin" valueType="num">
+                                      <p:cBhvr>
+                                        <p:cTn id="11" dur="332" tmFilter="0, 0; 0.125,0.2665; 0.25,0.4; 0.375,0.465; 0.5,0.5;  0.625,0.535; 0.75,0.6; 0.875,0.7335; 1,1">
+                                          <p:stCondLst>
+                                            <p:cond delay="1324"/>
+                                          </p:stCondLst>
+                                        </p:cTn>
+                                        <p:tgtEl>
+                                          <p:spTgt spid="3">
+                                            <p:txEl>
+                                              <p:pRg st="0" end="0"/>
+                                            </p:txEl>
+                                          </p:spTgt>
+                                        </p:tgtEl>
+                                        <p:attrNameLst>
+                                          <p:attrName>ppt_y</p:attrName>
+                                        </p:attrNameLst>
+                                      </p:cBhvr>
+                                      <p:tavLst>
+                                        <p:tav tm="0" fmla="#ppt_y-sin(pi*$)/27">
+                                          <p:val>
+                                            <p:fltVal val="0"/>
+                                          </p:val>
+                                        </p:tav>
+                                        <p:tav tm="100000">
+                                          <p:val>
+                                            <p:fltVal val="1"/>
+                                          </p:val>
+                                        </p:tav>
+                                      </p:tavLst>
+                                    </p:anim>
+                                    <p:anim calcmode="lin" valueType="num">
+                                      <p:cBhvr>
+                                        <p:cTn id="12" dur="164" tmFilter="0, 0; 0.125,0.2665; 0.25,0.4; 0.375,0.465; 0.5,0.5;  0.625,0.535; 0.75,0.6; 0.875,0.7335; 1,1">
+                                          <p:stCondLst>
+                                            <p:cond delay="1656"/>
+                                          </p:stCondLst>
+                                        </p:cTn>
+                                        <p:tgtEl>
+                                          <p:spTgt spid="3">
+                                            <p:txEl>
+                                              <p:pRg st="0" end="0"/>
+                                            </p:txEl>
+                                          </p:spTgt>
+                                        </p:tgtEl>
+                                        <p:attrNameLst>
+                                          <p:attrName>ppt_y</p:attrName>
+                                        </p:attrNameLst>
+                                      </p:cBhvr>
+                                      <p:tavLst>
+                                        <p:tav tm="0" fmla="#ppt_y-sin(pi*$)/81">
+                                          <p:val>
+                                            <p:fltVal val="0"/>
+                                          </p:val>
+                                        </p:tav>
+                                        <p:tav tm="100000">
+                                          <p:val>
+                                            <p:fltVal val="1"/>
+                                          </p:val>
+                                        </p:tav>
+                                      </p:tavLst>
+                                    </p:anim>
+                                    <p:animScale>
+                                      <p:cBhvr>
+                                        <p:cTn id="13" dur="26">
+                                          <p:stCondLst>
+                                            <p:cond delay="650"/>
+                                          </p:stCondLst>
+                                        </p:cTn>
+                                        <p:tgtEl>
+                                          <p:spTgt spid="3">
+                                            <p:txEl>
+                                              <p:pRg st="0" end="0"/>
+                                            </p:txEl>
+                                          </p:spTgt>
+                                        </p:tgtEl>
+                                      </p:cBhvr>
+                                      <p:to x="100000" y="60000"/>
+                                    </p:animScale>
+                                    <p:animScale>
+                                      <p:cBhvr>
+                                        <p:cTn id="14" dur="166" decel="50000">
+                                          <p:stCondLst>
+                                            <p:cond delay="676"/>
+                                          </p:stCondLst>
+                                        </p:cTn>
+                                        <p:tgtEl>
+                                          <p:spTgt spid="3">
+                                            <p:txEl>
+                                              <p:pRg st="0" end="0"/>
+                                            </p:txEl>
+                                          </p:spTgt>
+                                        </p:tgtEl>
+                                      </p:cBhvr>
+                                      <p:to x="100000" y="100000"/>
+                                    </p:animScale>
+                                    <p:animScale>
+                                      <p:cBhvr>
+                                        <p:cTn id="15" dur="26">
+                                          <p:stCondLst>
+                                            <p:cond delay="1312"/>
+                                          </p:stCondLst>
+                                        </p:cTn>
+                                        <p:tgtEl>
+                                          <p:spTgt spid="3">
+                                            <p:txEl>
+                                              <p:pRg st="0" end="0"/>
+                                            </p:txEl>
+                                          </p:spTgt>
+                                        </p:tgtEl>
+                                      </p:cBhvr>
+                                      <p:to x="100000" y="80000"/>
+                                    </p:animScale>
+                                    <p:animScale>
+                                      <p:cBhvr>
+                                        <p:cTn id="16" dur="166" decel="50000">
+                                          <p:stCondLst>
+                                            <p:cond delay="1338"/>
+                                          </p:stCondLst>
+                                        </p:cTn>
+                                        <p:tgtEl>
+                                          <p:spTgt spid="3">
+                                            <p:txEl>
+                                              <p:pRg st="0" end="0"/>
+                                            </p:txEl>
+                                          </p:spTgt>
+                                        </p:tgtEl>
+                                      </p:cBhvr>
+                                      <p:to x="100000" y="100000"/>
+                                    </p:animScale>
+                                    <p:animScale>
+                                      <p:cBhvr>
+                                        <p:cTn id="17" dur="26">
+                                          <p:stCondLst>
+                                            <p:cond delay="1642"/>
+                                          </p:stCondLst>
+                                        </p:cTn>
+                                        <p:tgtEl>
+                                          <p:spTgt spid="3">
+                                            <p:txEl>
+                                              <p:pRg st="0" end="0"/>
+                                            </p:txEl>
+                                          </p:spTgt>
+                                        </p:tgtEl>
+                                      </p:cBhvr>
+                                      <p:to x="100000" y="90000"/>
+                                    </p:animScale>
+                                    <p:animScale>
+                                      <p:cBhvr>
+                                        <p:cTn id="18" dur="166" decel="50000">
+                                          <p:stCondLst>
+                                            <p:cond delay="1668"/>
+                                          </p:stCondLst>
+                                        </p:cTn>
+                                        <p:tgtEl>
+                                          <p:spTgt spid="3">
+                                            <p:txEl>
+                                              <p:pRg st="0" end="0"/>
+                                            </p:txEl>
+                                          </p:spTgt>
+                                        </p:tgtEl>
+                                      </p:cBhvr>
+                                      <p:to x="100000" y="100000"/>
+                                    </p:animScale>
+                                    <p:animScale>
+                                      <p:cBhvr>
+                                        <p:cTn id="19" dur="26">
+                                          <p:stCondLst>
+                                            <p:cond delay="1808"/>
+                                          </p:stCondLst>
+                                        </p:cTn>
+                                        <p:tgtEl>
+                                          <p:spTgt spid="3">
+                                            <p:txEl>
+                                              <p:pRg st="0" end="0"/>
+                                            </p:txEl>
+                                          </p:spTgt>
+                                        </p:tgtEl>
+                                      </p:cBhvr>
+                                      <p:to x="100000" y="95000"/>
+                                    </p:animScale>
+                                    <p:animScale>
+                                      <p:cBhvr>
+                                        <p:cTn id="20" dur="166" decel="50000">
+                                          <p:stCondLst>
+                                            <p:cond delay="1834"/>
+                                          </p:stCondLst>
+                                        </p:cTn>
+                                        <p:tgtEl>
+                                          <p:spTgt spid="3">
+                                            <p:txEl>
+                                              <p:pRg st="0" end="0"/>
+                                            </p:txEl>
+                                          </p:spTgt>
+                                        </p:tgtEl>
+                                      </p:cBhvr>
+                                      <p:to x="100000" y="100000"/>
+                                    </p:animScale>
+                                  </p:childTnLst>
+                                </p:cTn>
+                              </p:par>
+                            </p:childTnLst>
+                          </p:cTn>
+                        </p:par>
+                      </p:childTnLst>
+                    </p:cTn>
+                  </p:par>
+                  <p:par>
+                    <p:cTn id="21" fill="hold">
+                      <p:stCondLst>
+                        <p:cond delay="indefinite"/>
+                      </p:stCondLst>
+                      <p:childTnLst>
+                        <p:par>
+                          <p:cTn id="22" fill="hold">
+                            <p:stCondLst>
+                              <p:cond delay="0"/>
+                            </p:stCondLst>
+                            <p:childTnLst>
+                              <p:par>
+                                <p:cTn id="23" presetID="26" presetClass="entr" presetSubtype="0" fill="hold" grpId="0" nodeType="clickEffect">
+                                  <p:stCondLst>
+                                    <p:cond delay="0"/>
+                                  </p:stCondLst>
+                                  <p:childTnLst>
+                                    <p:set>
+                                      <p:cBhvr>
+                                        <p:cTn id="24" dur="1" fill="hold">
+                                          <p:stCondLst>
+                                            <p:cond delay="0"/>
+                                          </p:stCondLst>
+                                        </p:cTn>
+                                        <p:tgtEl>
+                                          <p:spTgt spid="3">
+                                            <p:txEl>
+                                              <p:pRg st="1" end="1"/>
+                                            </p:txEl>
+                                          </p:spTgt>
+                                        </p:tgtEl>
+                                        <p:attrNameLst>
+                                          <p:attrName>style.visibility</p:attrName>
+                                        </p:attrNameLst>
+                                      </p:cBhvr>
+                                      <p:to>
+                                        <p:strVal val="visible"/>
+                                      </p:to>
+                                    </p:set>
+                                    <p:animEffect transition="in" filter="wipe(down)">
+                                      <p:cBhvr>
+                                        <p:cTn id="25" dur="580">
+                                          <p:stCondLst>
+                                            <p:cond delay="0"/>
+                                          </p:stCondLst>
+                                        </p:cTn>
+                                        <p:tgtEl>
+                                          <p:spTgt spid="3">
+                                            <p:txEl>
+                                              <p:pRg st="1" end="1"/>
+                                            </p:txEl>
+                                          </p:spTgt>
+                                        </p:tgtEl>
+                                      </p:cBhvr>
+                                    </p:animEffect>
+                                    <p:anim calcmode="lin" valueType="num">
+                                      <p:cBhvr>
+                                        <p:cTn id="26" dur="1822" tmFilter="0,0; 0.14,0.36; 0.43,0.73; 0.71,0.91; 1.0,1.0">
+                                          <p:stCondLst>
+                                            <p:cond delay="0"/>
+                                          </p:stCondLst>
+                                        </p:cTn>
+                                        <p:tgtEl>
+                                          <p:spTgt spid="3">
+                                            <p:txEl>
+                                              <p:pRg st="1" end="1"/>
+                                            </p:txEl>
+                                          </p:spTgt>
+                                        </p:tgtEl>
+                                        <p:attrNameLst>
+                                          <p:attrName>ppt_x</p:attrName>
+                                        </p:attrNameLst>
+                                      </p:cBhvr>
+                                      <p:tavLst>
+                                        <p:tav tm="0">
+                                          <p:val>
+                                            <p:strVal val="#ppt_x-0.25"/>
+                                          </p:val>
+                                        </p:tav>
+                                        <p:tav tm="100000">
+                                          <p:val>
+                                            <p:strVal val="#ppt_x"/>
+                                          </p:val>
+                                        </p:tav>
+                                      </p:tavLst>
+                                    </p:anim>
+                                    <p:anim calcmode="lin" valueType="num">
+                                      <p:cBhvr>
+                                        <p:cTn id="27" dur="664" tmFilter="0.0,0.0; 0.25,0.07; 0.50,0.2; 0.75,0.467; 1.0,1.0">
+                                          <p:stCondLst>
+                                            <p:cond delay="0"/>
+                                          </p:stCondLst>
+                                        </p:cTn>
+                                        <p:tgtEl>
+                                          <p:spTgt spid="3">
+                                            <p:txEl>
+                                              <p:pRg st="1" end="1"/>
+                                            </p:txEl>
+                                          </p:spTgt>
+                                        </p:tgtEl>
+                                        <p:attrNameLst>
+                                          <p:attrName>ppt_y</p:attrName>
+                                        </p:attrNameLst>
+                                      </p:cBhvr>
+                                      <p:tavLst>
+                                        <p:tav tm="0" fmla="#ppt_y-sin(pi*$)/3">
+                                          <p:val>
+                                            <p:fltVal val="0.5"/>
+                                          </p:val>
+                                        </p:tav>
+                                        <p:tav tm="100000">
+                                          <p:val>
+                                            <p:fltVal val="1"/>
+                                          </p:val>
+                                        </p:tav>
+                                      </p:tavLst>
+                                    </p:anim>
+                                    <p:anim calcmode="lin" valueType="num">
+                                      <p:cBhvr>
+                                        <p:cTn id="28" dur="664" tmFilter="0, 0; 0.125,0.2665; 0.25,0.4; 0.375,0.465; 0.5,0.5;  0.625,0.535; 0.75,0.6; 0.875,0.7335; 1,1">
+                                          <p:stCondLst>
+                                            <p:cond delay="664"/>
+                                          </p:stCondLst>
+                                        </p:cTn>
+                                        <p:tgtEl>
+                                          <p:spTgt spid="3">
+                                            <p:txEl>
+                                              <p:pRg st="1" end="1"/>
+                                            </p:txEl>
+                                          </p:spTgt>
+                                        </p:tgtEl>
+                                        <p:attrNameLst>
+                                          <p:attrName>ppt_y</p:attrName>
+                                        </p:attrNameLst>
+                                      </p:cBhvr>
+                                      <p:tavLst>
+                                        <p:tav tm="0" fmla="#ppt_y-sin(pi*$)/9">
+                                          <p:val>
+                                            <p:fltVal val="0"/>
+                                          </p:val>
+                                        </p:tav>
+                                        <p:tav tm="100000">
+                                          <p:val>
+                                            <p:fltVal val="1"/>
+                                          </p:val>
+                                        </p:tav>
+                                      </p:tavLst>
+                                    </p:anim>
+                                    <p:anim calcmode="lin" valueType="num">
+                                      <p:cBhvr>
+                                        <p:cTn id="29" dur="332" tmFilter="0, 0; 0.125,0.2665; 0.25,0.4; 0.375,0.465; 0.5,0.5;  0.625,0.535; 0.75,0.6; 0.875,0.7335; 1,1">
+                                          <p:stCondLst>
+                                            <p:cond delay="1324"/>
+                                          </p:stCondLst>
+                                        </p:cTn>
+                                        <p:tgtEl>
+                                          <p:spTgt spid="3">
+                                            <p:txEl>
+                                              <p:pRg st="1" end="1"/>
+                                            </p:txEl>
+                                          </p:spTgt>
+                                        </p:tgtEl>
+                                        <p:attrNameLst>
+                                          <p:attrName>ppt_y</p:attrName>
+                                        </p:attrNameLst>
+                                      </p:cBhvr>
+                                      <p:tavLst>
+                                        <p:tav tm="0" fmla="#ppt_y-sin(pi*$)/27">
+                                          <p:val>
+                                            <p:fltVal val="0"/>
+                                          </p:val>
+                                        </p:tav>
+                                        <p:tav tm="100000">
+                                          <p:val>
+                                            <p:fltVal val="1"/>
+                                          </p:val>
+                                        </p:tav>
+                                      </p:tavLst>
+                                    </p:anim>
+                                    <p:anim calcmode="lin" valueType="num">
+                                      <p:cBhvr>
+                                        <p:cTn id="30" dur="164" tmFilter="0, 0; 0.125,0.2665; 0.25,0.4; 0.375,0.465; 0.5,0.5;  0.625,0.535; 0.75,0.6; 0.875,0.7335; 1,1">
+                                          <p:stCondLst>
+                                            <p:cond delay="1656"/>
+                                          </p:stCondLst>
+                                        </p:cTn>
+                                        <p:tgtEl>
+                                          <p:spTgt spid="3">
+                                            <p:txEl>
+                                              <p:pRg st="1" end="1"/>
+                                            </p:txEl>
+                                          </p:spTgt>
+                                        </p:tgtEl>
+                                        <p:attrNameLst>
+                                          <p:attrName>ppt_y</p:attrName>
+                                        </p:attrNameLst>
+                                      </p:cBhvr>
+                                      <p:tavLst>
+                                        <p:tav tm="0" fmla="#ppt_y-sin(pi*$)/81">
+                                          <p:val>
+                                            <p:fltVal val="0"/>
+                                          </p:val>
+                                        </p:tav>
+                                        <p:tav tm="100000">
+                                          <p:val>
+                                            <p:fltVal val="1"/>
+                                          </p:val>
+                                        </p:tav>
+                                      </p:tavLst>
+                                    </p:anim>
+                                    <p:animScale>
+                                      <p:cBhvr>
+                                        <p:cTn id="31" dur="26">
+                                          <p:stCondLst>
+                                            <p:cond delay="650"/>
+                                          </p:stCondLst>
+                                        </p:cTn>
+                                        <p:tgtEl>
+                                          <p:spTgt spid="3">
+                                            <p:txEl>
+                                              <p:pRg st="1" end="1"/>
+                                            </p:txEl>
+                                          </p:spTgt>
+                                        </p:tgtEl>
+                                      </p:cBhvr>
+                                      <p:to x="100000" y="60000"/>
+                                    </p:animScale>
+                                    <p:animScale>
+                                      <p:cBhvr>
+                                        <p:cTn id="32" dur="166" decel="50000">
+                                          <p:stCondLst>
+                                            <p:cond delay="676"/>
+                                          </p:stCondLst>
+                                        </p:cTn>
+                                        <p:tgtEl>
+                                          <p:spTgt spid="3">
+                                            <p:txEl>
+                                              <p:pRg st="1" end="1"/>
+                                            </p:txEl>
+                                          </p:spTgt>
+                                        </p:tgtEl>
+                                      </p:cBhvr>
+                                      <p:to x="100000" y="100000"/>
+                                    </p:animScale>
+                                    <p:animScale>
+                                      <p:cBhvr>
+                                        <p:cTn id="33" dur="26">
+                                          <p:stCondLst>
+                                            <p:cond delay="1312"/>
+                                          </p:stCondLst>
+                                        </p:cTn>
+                                        <p:tgtEl>
+                                          <p:spTgt spid="3">
+                                            <p:txEl>
+                                              <p:pRg st="1" end="1"/>
+                                            </p:txEl>
+                                          </p:spTgt>
+                                        </p:tgtEl>
+                                      </p:cBhvr>
+                                      <p:to x="100000" y="80000"/>
+                                    </p:animScale>
+                                    <p:animScale>
+                                      <p:cBhvr>
+                                        <p:cTn id="34" dur="166" decel="50000">
+                                          <p:stCondLst>
+                                            <p:cond delay="1338"/>
+                                          </p:stCondLst>
+                                        </p:cTn>
+                                        <p:tgtEl>
+                                          <p:spTgt spid="3">
+                                            <p:txEl>
+                                              <p:pRg st="1" end="1"/>
+                                            </p:txEl>
+                                          </p:spTgt>
+                                        </p:tgtEl>
+                                      </p:cBhvr>
+                                      <p:to x="100000" y="100000"/>
+                                    </p:animScale>
+                                    <p:animScale>
+                                      <p:cBhvr>
+                                        <p:cTn id="35" dur="26">
+                                          <p:stCondLst>
+                                            <p:cond delay="1642"/>
+                                          </p:stCondLst>
+                                        </p:cTn>
+                                        <p:tgtEl>
+                                          <p:spTgt spid="3">
+                                            <p:txEl>
+                                              <p:pRg st="1" end="1"/>
+                                            </p:txEl>
+                                          </p:spTgt>
+                                        </p:tgtEl>
+                                      </p:cBhvr>
+                                      <p:to x="100000" y="90000"/>
+                                    </p:animScale>
+                                    <p:animScale>
+                                      <p:cBhvr>
+                                        <p:cTn id="36" dur="166" decel="50000">
+                                          <p:stCondLst>
+                                            <p:cond delay="1668"/>
+                                          </p:stCondLst>
+                                        </p:cTn>
+                                        <p:tgtEl>
+                                          <p:spTgt spid="3">
+                                            <p:txEl>
+                                              <p:pRg st="1" end="1"/>
+                                            </p:txEl>
+                                          </p:spTgt>
+                                        </p:tgtEl>
+                                      </p:cBhvr>
+                                      <p:to x="100000" y="100000"/>
+                                    </p:animScale>
+                                    <p:animScale>
+                                      <p:cBhvr>
+                                        <p:cTn id="37" dur="26">
+                                          <p:stCondLst>
+                                            <p:cond delay="1808"/>
+                                          </p:stCondLst>
+                                        </p:cTn>
+                                        <p:tgtEl>
+                                          <p:spTgt spid="3">
+                                            <p:txEl>
+                                              <p:pRg st="1" end="1"/>
+                                            </p:txEl>
+                                          </p:spTgt>
+                                        </p:tgtEl>
+                                      </p:cBhvr>
+                                      <p:to x="100000" y="95000"/>
+                                    </p:animScale>
+                                    <p:animScale>
+                                      <p:cBhvr>
+                                        <p:cTn id="38" dur="166" decel="50000">
+                                          <p:stCondLst>
+                                            <p:cond delay="1834"/>
+                                          </p:stCondLst>
+                                        </p:cTn>
+                                        <p:tgtEl>
+                                          <p:spTgt spid="3">
+                                            <p:txEl>
+                                              <p:pRg st="1" end="1"/>
+                                            </p:txEl>
+                                          </p:spTgt>
+                                        </p:tgtEl>
+                                      </p:cBhvr>
+                                      <p:to x="100000" y="100000"/>
+                                    </p:animScale>
+                                  </p:childTnLst>
+                                </p:cTn>
+                              </p:par>
+                            </p:childTnLst>
+                          </p:cTn>
+                        </p:par>
+                      </p:childTnLst>
+                    </p:cTn>
+                  </p:par>
+                </p:childTnLst>
+              </p:cTn>
+              <p:prevCondLst>
+                <p:cond evt="onPrev" delay="0">
+                  <p:tgtEl>
+                    <p:sldTgt/>
+                  </p:tgtEl>
+                </p:cond>
+              </p:prevCondLst>
+              <p:nextCondLst>
+                <p:cond evt="onNext" delay="0">
+                  <p:tgtEl>
+                    <p:sldTgt/>
+                  </p:tgtEl>
+                </p:cond>
+              </p:nextCondLst>
+            </p:seq>
+          </p:childTnLst>
+        </p:cTn>
+      </p:par>
+    </p:tnLst>
+    <p:bldLst>
+      <p:bldP spid="3" grpId="0" build="p"/>
+    </p:bldLst>
+  </p:timing>
 </p:sld>
 </file>
 
@@ -14099,9 +18478,22 @@
           <a:lstStyle/>
           <a:p>
             <a:r>
-              <a:rPr lang="en-US" sz="1250" dirty="0"/>
-              <a:t>ASHFHDKFJHSDKJF</a:t>
-            </a:r>
+              <a:rPr lang="en-US" dirty="0"/>
+              <a:t>A cipher is a method of hiding words or text with encryption by replacing original letters with other letters, numbers and symbols through substitution or transposition. A combination of substitution and transposition is also often employed. </a:t>
+            </a:r>
+          </a:p>
+          <a:p>
+            <a:r>
+              <a:rPr lang="en-US" dirty="0"/>
+              <a:t>Cipher also refers to the encrypted text, cryptography system or encryption key for the original text.</a:t>
+            </a:r>
+          </a:p>
+          <a:p>
+            <a:r>
+              <a:rPr lang="en-US" dirty="0"/>
+              <a:t>Encrypted text is also known as ciphertext. Plaintext is the original, unencrypted text.</a:t>
+            </a:r>
+            <a:endParaRPr lang="en-US" sz="1250" dirty="0"/>
           </a:p>
         </p:txBody>
       </p:sp>
@@ -14184,6 +18576,128 @@
                       </p:childTnLst>
                     </p:cTn>
                   </p:par>
+                  <p:par>
+                    <p:cTn id="8" fill="hold">
+                      <p:stCondLst>
+                        <p:cond delay="indefinite"/>
+                      </p:stCondLst>
+                      <p:childTnLst>
+                        <p:par>
+                          <p:cTn id="9" fill="hold">
+                            <p:stCondLst>
+                              <p:cond delay="0"/>
+                            </p:stCondLst>
+                            <p:childTnLst>
+                              <p:par>
+                                <p:cTn id="10" presetID="14" presetClass="entr" presetSubtype="10" fill="hold" grpId="0" nodeType="clickEffect">
+                                  <p:stCondLst>
+                                    <p:cond delay="0"/>
+                                  </p:stCondLst>
+                                  <p:childTnLst>
+                                    <p:set>
+                                      <p:cBhvr>
+                                        <p:cTn id="11" dur="1" fill="hold">
+                                          <p:stCondLst>
+                                            <p:cond delay="0"/>
+                                          </p:stCondLst>
+                                        </p:cTn>
+                                        <p:tgtEl>
+                                          <p:spTgt spid="3">
+                                            <p:txEl>
+                                              <p:pRg st="1" end="1"/>
+                                            </p:txEl>
+                                          </p:spTgt>
+                                        </p:tgtEl>
+                                        <p:attrNameLst>
+                                          <p:attrName>style.visibility</p:attrName>
+                                        </p:attrNameLst>
+                                      </p:cBhvr>
+                                      <p:to>
+                                        <p:strVal val="visible"/>
+                                      </p:to>
+                                    </p:set>
+                                    <p:animEffect transition="in" filter="randombar(horizontal)">
+                                      <p:cBhvr>
+                                        <p:cTn id="12" dur="500"/>
+                                        <p:tgtEl>
+                                          <p:spTgt spid="3">
+                                            <p:txEl>
+                                              <p:pRg st="1" end="1"/>
+                                            </p:txEl>
+                                          </p:spTgt>
+                                        </p:tgtEl>
+                                      </p:cBhvr>
+                                    </p:animEffect>
+                                  </p:childTnLst>
+                                </p:cTn>
+                              </p:par>
+                            </p:childTnLst>
+                          </p:cTn>
+                        </p:par>
+                      </p:childTnLst>
+                    </p:cTn>
+                  </p:par>
+                  <p:par>
+                    <p:cTn id="13" fill="hold">
+                      <p:stCondLst>
+                        <p:cond delay="indefinite"/>
+                      </p:stCondLst>
+                      <p:childTnLst>
+                        <p:par>
+                          <p:cTn id="14" fill="hold">
+                            <p:stCondLst>
+                              <p:cond delay="0"/>
+                            </p:stCondLst>
+                            <p:childTnLst>
+                              <p:par>
+                                <p:cTn id="15" presetID="14" presetClass="entr" presetSubtype="10" fill="hold" grpId="0" nodeType="clickEffect">
+                                  <p:stCondLst>
+                                    <p:cond delay="0"/>
+                                  </p:stCondLst>
+                                  <p:childTnLst>
+                                    <p:set>
+                                      <p:cBhvr>
+                                        <p:cTn id="16" dur="1" fill="hold">
+                                          <p:stCondLst>
+                                            <p:cond delay="0"/>
+                                          </p:stCondLst>
+                                        </p:cTn>
+                                        <p:tgtEl>
+                                          <p:spTgt spid="3">
+                                            <p:txEl>
+                                              <p:pRg st="2" end="2"/>
+                                            </p:txEl>
+                                          </p:spTgt>
+                                        </p:tgtEl>
+                                        <p:attrNameLst>
+                                          <p:attrName>style.visibility</p:attrName>
+                                        </p:attrNameLst>
+                                      </p:cBhvr>
+                                      <p:to>
+                                        <p:strVal val="visible"/>
+                                      </p:to>
+                                    </p:set>
+                                    <p:animEffect transition="in" filter="randombar(horizontal)">
+                                      <p:cBhvr>
+                                        <p:cTn id="17" dur="500"/>
+                                        <p:tgtEl>
+                                          <p:spTgt spid="3">
+                                            <p:txEl>
+                                              <p:pRg st="2" end="2"/>
+                                            </p:txEl>
+                                          </p:spTgt>
+                                        </p:tgtEl>
+                                      </p:cBhvr>
+                                    </p:animEffect>
+                                  </p:childTnLst>
+                                </p:cTn>
+                              </p:par>
+                            </p:childTnLst>
+                          </p:cTn>
+                        </p:par>
+                      </p:childTnLst>
+                    </p:cTn>
+                  </p:par>
                 </p:childTnLst>
               </p:cTn>
               <p:prevCondLst>
@@ -14278,6 +18792,41 @@
           <a:bodyPr/>
           <a:lstStyle/>
           <a:p>
+            <a:r>
+              <a:rPr lang="en-US" b="1" i="1" dirty="0"/>
+              <a:t>1. Encryption Provides Security for Data at All Times</a:t>
+            </a:r>
+            <a:endParaRPr lang="en-US" b="1" dirty="0"/>
+          </a:p>
+          <a:p>
+            <a:r>
+              <a:rPr lang="en-US" b="1" i="1" dirty="0"/>
+              <a:t>2. Encrypted Data Maintains Integrity</a:t>
+            </a:r>
+            <a:endParaRPr lang="en-US" b="1" dirty="0"/>
+          </a:p>
+          <a:p>
+            <a:r>
+              <a:rPr lang="en-US" b="1" i="1" dirty="0"/>
+              <a:t>3. Encryption Protects Privacy</a:t>
+            </a:r>
+            <a:endParaRPr lang="en-US" b="1" dirty="0"/>
+          </a:p>
+          <a:p>
+            <a:r>
+              <a:rPr lang="en-US" b="1" i="1" dirty="0"/>
+              <a:t>4. Encryption is Part of Compliance</a:t>
+            </a:r>
+            <a:endParaRPr lang="en-US" b="1" dirty="0"/>
+          </a:p>
+          <a:p>
+            <a:r>
+              <a:rPr lang="en-US" b="1" i="1" dirty="0"/>
+              <a:t>5. Encryption Protects Data across Devices</a:t>
+            </a:r>
+            <a:endParaRPr lang="en-US" b="1" dirty="0"/>
+          </a:p>
+          <a:p>
             <a:endParaRPr lang="en-US" dirty="0"/>
           </a:p>
         </p:txBody>
@@ -14292,6 +18841,649 @@
   <p:clrMapOvr>
     <a:masterClrMapping/>
   </p:clrMapOvr>
+  <p:timing>
+    <p:tnLst>
+      <p:par>
+        <p:cTn id="1" dur="indefinite" restart="never" nodeType="tmRoot">
+          <p:childTnLst>
+            <p:seq concurrent="1" nextAc="seek">
+              <p:cTn id="2" dur="indefinite" nodeType="mainSeq">
+                <p:childTnLst>
+                  <p:par>
+                    <p:cTn id="3" fill="hold">
+                      <p:stCondLst>
+                        <p:cond delay="indefinite"/>
+                      </p:stCondLst>
+                      <p:childTnLst>
+                        <p:par>
+                          <p:cTn id="4" fill="hold">
+                            <p:stCondLst>
+                              <p:cond delay="0"/>
+                            </p:stCondLst>
+                            <p:childTnLst>
+                              <p:par>
+                                <p:cTn id="5" presetID="32" presetClass="emph" presetSubtype="0" fill="hold" grpId="0" nodeType="clickEffect">
+                                  <p:stCondLst>
+                                    <p:cond delay="0"/>
+                                  </p:stCondLst>
+                                  <p:childTnLst>
+                                    <p:animRot by="120000">
+                                      <p:cBhvr>
+                                        <p:cTn id="6" dur="100" fill="hold">
+                                          <p:stCondLst>
+                                            <p:cond delay="0"/>
+                                          </p:stCondLst>
+                                        </p:cTn>
+                                        <p:tgtEl>
+                                          <p:spTgt spid="3">
+                                            <p:txEl>
+                                              <p:pRg st="0" end="0"/>
+                                            </p:txEl>
+                                          </p:spTgt>
+                                        </p:tgtEl>
+                                        <p:attrNameLst>
+                                          <p:attrName>r</p:attrName>
+                                        </p:attrNameLst>
+                                      </p:cBhvr>
+                                    </p:animRot>
+                                    <p:animRot by="-240000">
+                                      <p:cBhvr>
+                                        <p:cTn id="7" dur="200" fill="hold">
+                                          <p:stCondLst>
+                                            <p:cond delay="200"/>
+                                          </p:stCondLst>
+                                        </p:cTn>
+                                        <p:tgtEl>
+                                          <p:spTgt spid="3">
+                                            <p:txEl>
+                                              <p:pRg st="0" end="0"/>
+                                            </p:txEl>
+                                          </p:spTgt>
+                                        </p:tgtEl>
+                                        <p:attrNameLst>
+                                          <p:attrName>r</p:attrName>
+                                        </p:attrNameLst>
+                                      </p:cBhvr>
+                                    </p:animRot>
+                                    <p:animRot by="240000">
+                                      <p:cBhvr>
+                                        <p:cTn id="8" dur="200" fill="hold">
+                                          <p:stCondLst>
+                                            <p:cond delay="400"/>
+                                          </p:stCondLst>
+                                        </p:cTn>
+                                        <p:tgtEl>
+                                          <p:spTgt spid="3">
+                                            <p:txEl>
+                                              <p:pRg st="0" end="0"/>
+                                            </p:txEl>
+                                          </p:spTgt>
+                                        </p:tgtEl>
+                                        <p:attrNameLst>
+                                          <p:attrName>r</p:attrName>
+                                        </p:attrNameLst>
+                                      </p:cBhvr>
+                                    </p:animRot>
+                                    <p:animRot by="-240000">
+                                      <p:cBhvr>
+                                        <p:cTn id="9" dur="200" fill="hold">
+                                          <p:stCondLst>
+                                            <p:cond delay="600"/>
+                                          </p:stCondLst>
+                                        </p:cTn>
+                                        <p:tgtEl>
+                                          <p:spTgt spid="3">
+                                            <p:txEl>
+                                              <p:pRg st="0" end="0"/>
+                                            </p:txEl>
+                                          </p:spTgt>
+                                        </p:tgtEl>
+                                        <p:attrNameLst>
+                                          <p:attrName>r</p:attrName>
+                                        </p:attrNameLst>
+                                      </p:cBhvr>
+                                    </p:animRot>
+                                    <p:animRot by="120000">
+                                      <p:cBhvr>
+                                        <p:cTn id="10" dur="200" fill="hold">
+                                          <p:stCondLst>
+                                            <p:cond delay="800"/>
+                                          </p:stCondLst>
+                                        </p:cTn>
+                                        <p:tgtEl>
+                                          <p:spTgt spid="3">
+                                            <p:txEl>
+                                              <p:pRg st="0" end="0"/>
+                                            </p:txEl>
+                                          </p:spTgt>
+                                        </p:tgtEl>
+                                        <p:attrNameLst>
+                                          <p:attrName>r</p:attrName>
+                                        </p:attrNameLst>
+                                      </p:cBhvr>
+                                    </p:animRot>
+                                  </p:childTnLst>
+                                </p:cTn>
+                              </p:par>
+                            </p:childTnLst>
+                          </p:cTn>
+                        </p:par>
+                      </p:childTnLst>
+                    </p:cTn>
+                  </p:par>
+                  <p:par>
+                    <p:cTn id="11" fill="hold">
+                      <p:stCondLst>
+                        <p:cond delay="indefinite"/>
+                      </p:stCondLst>
+                      <p:childTnLst>
+                        <p:par>
+                          <p:cTn id="12" fill="hold">
+                            <p:stCondLst>
+                              <p:cond delay="0"/>
+                            </p:stCondLst>
+                            <p:childTnLst>
+                              <p:par>
+                                <p:cTn id="13" presetID="32" presetClass="emph" presetSubtype="0" fill="hold" grpId="0" nodeType="clickEffect">
+                                  <p:stCondLst>
+                                    <p:cond delay="0"/>
+                                  </p:stCondLst>
+                                  <p:childTnLst>
+                                    <p:animRot by="120000">
+                                      <p:cBhvr>
+                                        <p:cTn id="14" dur="100" fill="hold">
+                                          <p:stCondLst>
+                                            <p:cond delay="0"/>
+                                          </p:stCondLst>
+                                        </p:cTn>
+                                        <p:tgtEl>
+                                          <p:spTgt spid="3">
+                                            <p:txEl>
+                                              <p:pRg st="1" end="1"/>
+                                            </p:txEl>
+                                          </p:spTgt>
+                                        </p:tgtEl>
+                                        <p:attrNameLst>
+                                          <p:attrName>r</p:attrName>
+                                        </p:attrNameLst>
+                                      </p:cBhvr>
+                                    </p:animRot>
+                                    <p:animRot by="-240000">
+                                      <p:cBhvr>
+                                        <p:cTn id="15" dur="200" fill="hold">
+                                          <p:stCondLst>
+                                            <p:cond delay="200"/>
+                                          </p:stCondLst>
+                                        </p:cTn>
+                                        <p:tgtEl>
+                                          <p:spTgt spid="3">
+                                            <p:txEl>
+                                              <p:pRg st="1" end="1"/>
+                                            </p:txEl>
+                                          </p:spTgt>
+                                        </p:tgtEl>
+                                        <p:attrNameLst>
+                                          <p:attrName>r</p:attrName>
+                                        </p:attrNameLst>
+                                      </p:cBhvr>
+                                    </p:animRot>
+                                    <p:animRot by="240000">
+                                      <p:cBhvr>
+                                        <p:cTn id="16" dur="200" fill="hold">
+                                          <p:stCondLst>
+                                            <p:cond delay="400"/>
+                                          </p:stCondLst>
+                                        </p:cTn>
+                                        <p:tgtEl>
+                                          <p:spTgt spid="3">
+                                            <p:txEl>
+                                              <p:pRg st="1" end="1"/>
+                                            </p:txEl>
+                                          </p:spTgt>
+                                        </p:tgtEl>
+                                        <p:attrNameLst>
+                                          <p:attrName>r</p:attrName>
+                                        </p:attrNameLst>
+                                      </p:cBhvr>
+                                    </p:animRot>
+                                    <p:animRot by="-240000">
+                                      <p:cBhvr>
+                                        <p:cTn id="17" dur="200" fill="hold">
+                                          <p:stCondLst>
+                                            <p:cond delay="600"/>
+                                          </p:stCondLst>
+                                        </p:cTn>
+                                        <p:tgtEl>
+                                          <p:spTgt spid="3">
+                                            <p:txEl>
+                                              <p:pRg st="1" end="1"/>
+                                            </p:txEl>
+                                          </p:spTgt>
+                                        </p:tgtEl>
+                                        <p:attrNameLst>
+                                          <p:attrName>r</p:attrName>
+                                        </p:attrNameLst>
+                                      </p:cBhvr>
+                                    </p:animRot>
+                                    <p:animRot by="120000">
+                                      <p:cBhvr>
+                                        <p:cTn id="18" dur="200" fill="hold">
+                                          <p:stCondLst>
+                                            <p:cond delay="800"/>
+                                          </p:stCondLst>
+                                        </p:cTn>
+                                        <p:tgtEl>
+                                          <p:spTgt spid="3">
+                                            <p:txEl>
+                                              <p:pRg st="1" end="1"/>
+                                            </p:txEl>
+                                          </p:spTgt>
+                                        </p:tgtEl>
+                                        <p:attrNameLst>
+                                          <p:attrName>r</p:attrName>
+                                        </p:attrNameLst>
+                                      </p:cBhvr>
+                                    </p:animRot>
+                                  </p:childTnLst>
+                                </p:cTn>
+                              </p:par>
+                            </p:childTnLst>
+                          </p:cTn>
+                        </p:par>
+                      </p:childTnLst>
+                    </p:cTn>
+                  </p:par>
+                  <p:par>
+                    <p:cTn id="19" fill="hold">
+                      <p:stCondLst>
+                        <p:cond delay="indefinite"/>
+                      </p:stCondLst>
+                      <p:childTnLst>
+                        <p:par>
+                          <p:cTn id="20" fill="hold">
+                            <p:stCondLst>
+                              <p:cond delay="0"/>
+                            </p:stCondLst>
+                            <p:childTnLst>
+                              <p:par>
+                                <p:cTn id="21" presetID="32" presetClass="emph" presetSubtype="0" fill="hold" grpId="0" nodeType="clickEffect">
+                                  <p:stCondLst>
+                                    <p:cond delay="0"/>
+                                  </p:stCondLst>
+                                  <p:childTnLst>
+                                    <p:animRot by="120000">
+                                      <p:cBhvr>
+                                        <p:cTn id="22" dur="100" fill="hold">
+                                          <p:stCondLst>
+                                            <p:cond delay="0"/>
+                                          </p:stCondLst>
+                                        </p:cTn>
+                                        <p:tgtEl>
+                                          <p:spTgt spid="3">
+                                            <p:txEl>
+                                              <p:pRg st="2" end="2"/>
+                                            </p:txEl>
+                                          </p:spTgt>
+                                        </p:tgtEl>
+                                        <p:attrNameLst>
+                                          <p:attrName>r</p:attrName>
+                                        </p:attrNameLst>
+                                      </p:cBhvr>
+                                    </p:animRot>
+                                    <p:animRot by="-240000">
+                                      <p:cBhvr>
+                                        <p:cTn id="23" dur="200" fill="hold">
+                                          <p:stCondLst>
+                                            <p:cond delay="200"/>
+                                          </p:stCondLst>
+                                        </p:cTn>
+                                        <p:tgtEl>
+                                          <p:spTgt spid="3">
+                                            <p:txEl>
+                                              <p:pRg st="2" end="2"/>
+                                            </p:txEl>
+                                          </p:spTgt>
+                                        </p:tgtEl>
+                                        <p:attrNameLst>
+                                          <p:attrName>r</p:attrName>
+                                        </p:attrNameLst>
+                                      </p:cBhvr>
+                                    </p:animRot>
+                                    <p:animRot by="240000">
+                                      <p:cBhvr>
+                                        <p:cTn id="24" dur="200" fill="hold">
+                                          <p:stCondLst>
+                                            <p:cond delay="400"/>
+                                          </p:stCondLst>
+                                        </p:cTn>
+                                        <p:tgtEl>
+                                          <p:spTgt spid="3">
+                                            <p:txEl>
+                                              <p:pRg st="2" end="2"/>
+                                            </p:txEl>
+                                          </p:spTgt>
+                                        </p:tgtEl>
+                                        <p:attrNameLst>
+                                          <p:attrName>r</p:attrName>
+                                        </p:attrNameLst>
+                                      </p:cBhvr>
+                                    </p:animRot>
+                                    <p:animRot by="-240000">
+                                      <p:cBhvr>
+                                        <p:cTn id="25" dur="200" fill="hold">
+                                          <p:stCondLst>
+                                            <p:cond delay="600"/>
+                                          </p:stCondLst>
+                                        </p:cTn>
+                                        <p:tgtEl>
+                                          <p:spTgt spid="3">
+                                            <p:txEl>
+                                              <p:pRg st="2" end="2"/>
+                                            </p:txEl>
+                                          </p:spTgt>
+                                        </p:tgtEl>
+                                        <p:attrNameLst>
+                                          <p:attrName>r</p:attrName>
+                                        </p:attrNameLst>
+                                      </p:cBhvr>
+                                    </p:animRot>
+                                    <p:animRot by="120000">
+                                      <p:cBhvr>
+                                        <p:cTn id="26" dur="200" fill="hold">
+                                          <p:stCondLst>
+                                            <p:cond delay="800"/>
+                                          </p:stCondLst>
+                                        </p:cTn>
+                                        <p:tgtEl>
+                                          <p:spTgt spid="3">
+                                            <p:txEl>
+                                              <p:pRg st="2" end="2"/>
+                                            </p:txEl>
+                                          </p:spTgt>
+                                        </p:tgtEl>
+                                        <p:attrNameLst>
+                                          <p:attrName>r</p:attrName>
+                                        </p:attrNameLst>
+                                      </p:cBhvr>
+                                    </p:animRot>
+                                  </p:childTnLst>
+                                </p:cTn>
+                              </p:par>
+                            </p:childTnLst>
+                          </p:cTn>
+                        </p:par>
+                      </p:childTnLst>
+                    </p:cTn>
+                  </p:par>
+                  <p:par>
+                    <p:cTn id="27" fill="hold">
+                      <p:stCondLst>
+                        <p:cond delay="indefinite"/>
+                      </p:stCondLst>
+                      <p:childTnLst>
+                        <p:par>
+                          <p:cTn id="28" fill="hold">
+                            <p:stCondLst>
+                              <p:cond delay="0"/>
+                            </p:stCondLst>
+                            <p:childTnLst>
+                              <p:par>
+                                <p:cTn id="29" presetID="32" presetClass="emph" presetSubtype="0" fill="hold" grpId="0" nodeType="clickEffect">
+                                  <p:stCondLst>
+                                    <p:cond delay="0"/>
+                                  </p:stCondLst>
+                                  <p:childTnLst>
+                                    <p:animRot by="120000">
+                                      <p:cBhvr>
+                                        <p:cTn id="30" dur="100" fill="hold">
+                                          <p:stCondLst>
+                                            <p:cond delay="0"/>
+                                          </p:stCondLst>
+                                        </p:cTn>
+                                        <p:tgtEl>
+                                          <p:spTgt spid="3">
+                                            <p:txEl>
+                                              <p:pRg st="3" end="3"/>
+                                            </p:txEl>
+                                          </p:spTgt>
+                                        </p:tgtEl>
+                                        <p:attrNameLst>
+                                          <p:attrName>r</p:attrName>
+                                        </p:attrNameLst>
+                                      </p:cBhvr>
+                                    </p:animRot>
+                                    <p:animRot by="-240000">
+                                      <p:cBhvr>
+                                        <p:cTn id="31" dur="200" fill="hold">
+                                          <p:stCondLst>
+                                            <p:cond delay="200"/>
+                                          </p:stCondLst>
+                                        </p:cTn>
+                                        <p:tgtEl>
+                                          <p:spTgt spid="3">
+                                            <p:txEl>
+                                              <p:pRg st="3" end="3"/>
+                                            </p:txEl>
+                                          </p:spTgt>
+                                        </p:tgtEl>
+                                        <p:attrNameLst>
+                                          <p:attrName>r</p:attrName>
+                                        </p:attrNameLst>
+                                      </p:cBhvr>
+                                    </p:animRot>
+                                    <p:animRot by="240000">
+                                      <p:cBhvr>
+                                        <p:cTn id="32" dur="200" fill="hold">
+                                          <p:stCondLst>
+                                            <p:cond delay="400"/>
+                                          </p:stCondLst>
+                                        </p:cTn>
+                                        <p:tgtEl>
+                                          <p:spTgt spid="3">
+                                            <p:txEl>
+                                              <p:pRg st="3" end="3"/>
+                                            </p:txEl>
+                                          </p:spTgt>
+                                        </p:tgtEl>
+                                        <p:attrNameLst>
+                                          <p:attrName>r</p:attrName>
+                                        </p:attrNameLst>
+                                      </p:cBhvr>
+                                    </p:animRot>
+                                    <p:animRot by="-240000">
+                                      <p:cBhvr>
+                                        <p:cTn id="33" dur="200" fill="hold">
+                                          <p:stCondLst>
+                                            <p:cond delay="600"/>
+                                          </p:stCondLst>
+                                        </p:cTn>
+                                        <p:tgtEl>
+                                          <p:spTgt spid="3">
+                                            <p:txEl>
+                                              <p:pRg st="3" end="3"/>
+                                            </p:txEl>
+                                          </p:spTgt>
+                                        </p:tgtEl>
+                                        <p:attrNameLst>
+                                          <p:attrName>r</p:attrName>
+                                        </p:attrNameLst>
+                                      </p:cBhvr>
+                                    </p:animRot>
+                                    <p:animRot by="120000">
+                                      <p:cBhvr>
+                                        <p:cTn id="34" dur="200" fill="hold">
+                                          <p:stCondLst>
+                                            <p:cond delay="800"/>
+                                          </p:stCondLst>
+                                        </p:cTn>
+                                        <p:tgtEl>
+                                          <p:spTgt spid="3">
+                                            <p:txEl>
+                                              <p:pRg st="3" end="3"/>
+                                            </p:txEl>
+                                          </p:spTgt>
+                                        </p:tgtEl>
+                                        <p:attrNameLst>
+                                          <p:attrName>r</p:attrName>
+                                        </p:attrNameLst>
+                                      </p:cBhvr>
+                                    </p:animRot>
+                                  </p:childTnLst>
+                                </p:cTn>
+                              </p:par>
+                            </p:childTnLst>
+                          </p:cTn>
+                        </p:par>
+                      </p:childTnLst>
+                    </p:cTn>
+                  </p:par>
+                  <p:par>
+                    <p:cTn id="35" fill="hold">
+                      <p:stCondLst>
+                        <p:cond delay="indefinite"/>
+                      </p:stCondLst>
+                      <p:childTnLst>
+                        <p:par>
+                          <p:cTn id="36" fill="hold">
+                            <p:stCondLst>
+                              <p:cond delay="0"/>
+                            </p:stCondLst>
+                            <p:childTnLst>
+                              <p:par>
+                                <p:cTn id="37" presetID="32" presetClass="emph" presetSubtype="0" fill="hold" grpId="0" nodeType="clickEffect">
+                                  <p:stCondLst>
+                                    <p:cond delay="0"/>
+                                  </p:stCondLst>
+                                  <p:childTnLst>
+                                    <p:animRot by="120000">
+                                      <p:cBhvr>
+                                        <p:cTn id="38" dur="100" fill="hold">
+                                          <p:stCondLst>
+                                            <p:cond delay="0"/>
+                                          </p:stCondLst>
+                                        </p:cTn>
+                                        <p:tgtEl>
+                                          <p:spTgt spid="3">
+                                            <p:txEl>
+                                              <p:pRg st="4" end="4"/>
+                                            </p:txEl>
+                                          </p:spTgt>
+                                        </p:tgtEl>
+                                        <p:attrNameLst>
+                                          <p:attrName>r</p:attrName>
+                                        </p:attrNameLst>
+                                      </p:cBhvr>
+                                    </p:animRot>
+                                    <p:animRot by="-240000">
+                                      <p:cBhvr>
+                                        <p:cTn id="39" dur="200" fill="hold">
+                                          <p:stCondLst>
+                                            <p:cond delay="200"/>
+                                          </p:stCondLst>
+                                        </p:cTn>
+                                        <p:tgtEl>
+                                          <p:spTgt spid="3">
+                                            <p:txEl>
+                                              <p:pRg st="4" end="4"/>
+                                            </p:txEl>
+                                          </p:spTgt>
+                                        </p:tgtEl>
+                                        <p:attrNameLst>
+                                          <p:attrName>r</p:attrName>
+                                        </p:attrNameLst>
+                                      </p:cBhvr>
+                                    </p:animRot>
+                                    <p:animRot by="240000">
+                                      <p:cBhvr>
+                                        <p:cTn id="40" dur="200" fill="hold">
+                                          <p:stCondLst>
+                                            <p:cond delay="400"/>
+                                          </p:stCondLst>
+                                        </p:cTn>
+                                        <p:tgtEl>
+                                          <p:spTgt spid="3">
+                                            <p:txEl>
+                                              <p:pRg st="4" end="4"/>
+                                            </p:txEl>
+                                          </p:spTgt>
+                                        </p:tgtEl>
+                                        <p:attrNameLst>
+                                          <p:attrName>r</p:attrName>
+                                        </p:attrNameLst>
+                                      </p:cBhvr>
+                                    </p:animRot>
+                                    <p:animRot by="-240000">
+                                      <p:cBhvr>
+                                        <p:cTn id="41" dur="200" fill="hold">
+                                          <p:stCondLst>
+                                            <p:cond delay="600"/>
+                                          </p:stCondLst>
+                                        </p:cTn>
+                                        <p:tgtEl>
+                                          <p:spTgt spid="3">
+                                            <p:txEl>
+                                              <p:pRg st="4" end="4"/>
+                                            </p:txEl>
+                                          </p:spTgt>
+                                        </p:tgtEl>
+                                        <p:attrNameLst>
+                                          <p:attrName>r</p:attrName>
+                                        </p:attrNameLst>
+                                      </p:cBhvr>
+                                    </p:animRot>
+                                    <p:animRot by="120000">
+                                      <p:cBhvr>
+                                        <p:cTn id="42" dur="200" fill="hold">
+                                          <p:stCondLst>
+                                            <p:cond delay="800"/>
+                                          </p:stCondLst>
+                                        </p:cTn>
+                                        <p:tgtEl>
+                                          <p:spTgt spid="3">
+                                            <p:txEl>
+                                              <p:pRg st="4" end="4"/>
+                                            </p:txEl>
+                                          </p:spTgt>
+                                        </p:tgtEl>
+                                        <p:attrNameLst>
+                                          <p:attrName>r</p:attrName>
+                                        </p:attrNameLst>
+                                      </p:cBhvr>
+                                    </p:animRot>
+                                  </p:childTnLst>
+                                </p:cTn>
+                              </p:par>
+                            </p:childTnLst>
+                          </p:cTn>
+                        </p:par>
+                      </p:childTnLst>
+                    </p:cTn>
+                  </p:par>
+                </p:childTnLst>
+              </p:cTn>
+              <p:prevCondLst>
+                <p:cond evt="onPrev" delay="0">
+                  <p:tgtEl>
+                    <p:sldTgt/>
+                  </p:tgtEl>
+                </p:cond>
+              </p:prevCondLst>
+              <p:nextCondLst>
+                <p:cond evt="onNext" delay="0">
+                  <p:tgtEl>
+                    <p:sldTgt/>
+                  </p:tgtEl>
+                </p:cond>
+              </p:nextCondLst>
+            </p:seq>
+          </p:childTnLst>
+        </p:cTn>
+      </p:par>
+    </p:tnLst>
+    <p:bldLst>
+      <p:bldP spid="3" grpId="0" build="p"/>
+    </p:bldLst>
+  </p:timing>
 </p:sld>
 </file>
 
@@ -14366,20 +19558,37 @@
         <p:spPr>
           <a:xfrm>
             <a:off x="0" y="1425900"/>
-            <a:ext cx="8946541" cy="4195481"/>
+            <a:ext cx="10016836" cy="5299096"/>
           </a:xfrm>
         </p:spPr>
         <p:txBody>
-          <a:bodyPr/>
+          <a:bodyPr>
+            <a:normAutofit fontScale="92500" lnSpcReduction="20000"/>
+          </a:bodyPr>
           <a:lstStyle/>
           <a:p>
-            <a:pPr marL="0" indent="0">
-              <a:buNone/>
-            </a:pPr>
             <a:r>
               <a:rPr lang="en-US" dirty="0"/>
               <a:t>&gt;&gt;&gt;</a:t>
             </a:r>
+          </a:p>
+          <a:p>
+            <a:r>
+              <a:rPr lang="en-US" sz="2400" dirty="0"/>
+              <a:t>Encryption enhances the security of a message or file by scrambling the content. To encrypt a message, you need the right key, and you need the right key to decrypt it as well. It is the most effective way to hide communication via encoded information where the sender and the recipient hold the key to decipher data. The concept isn't that different from children who come up with secret code words and other discreet ways to communicate, where only they can be able to understand the message. Encryption is like sending secret messages between parties—if someone tries to pry without the proper keys, they won't be able to understand the message.</a:t>
+            </a:r>
+          </a:p>
+          <a:p>
+            <a:r>
+              <a:rPr lang="en-US" sz="2400" dirty="0"/>
+              <a:t>There are two methods of encryption: symmetric and asymmetric encryption. Symmetric encryption, also known as secret key encryption, pertains to the sender and the recipient holding the same keys to encrypt and decrypt a message. Asymmetric encryption, or public key encryption uses what is called a key pair—a public key for encrypting a message, and a private key to decrypt it.</a:t>
+            </a:r>
+          </a:p>
+          <a:p>
+            <a:pPr marL="0" indent="0">
+              <a:buNone/>
+            </a:pPr>
+            <a:endParaRPr lang="en-US" dirty="0"/>
           </a:p>
         </p:txBody>
       </p:sp>
@@ -14393,18 +19602,434 @@
   <p:clrMapOvr>
     <a:masterClrMapping/>
   </p:clrMapOvr>
-  <mc:AlternateContent xmlns:mc="http://schemas.openxmlformats.org/markup-compatibility/2006">
-    <mc:Choice xmlns:p14="http://schemas.microsoft.com/office/powerpoint/2010/main" Requires="p14">
-      <p:transition spd="slow" p14:dur="3900">
-        <p14:glitter pattern="hexagon"/>
+  <mc:AlternateContent xmlns:mc="http://schemas.openxmlformats.org/markup-compatibility/2006" xmlns:p14="http://schemas.microsoft.com/office/powerpoint/2010/main">
+    <mc:Choice Requires="p14">
+      <p:transition spd="slow" p14:dur="2500">
+        <p:checker/>
       </p:transition>
     </mc:Choice>
-    <mc:Fallback>
+    <mc:Fallback xmlns="">
       <p:transition spd="slow">
-        <p:fade/>
+        <p:checker/>
       </p:transition>
     </mc:Fallback>
   </mc:AlternateContent>
+  <p:timing>
+    <p:tnLst>
+      <p:par>
+        <p:cTn id="1" dur="indefinite" restart="never" nodeType="tmRoot">
+          <p:childTnLst>
+            <p:seq concurrent="1" nextAc="seek">
+              <p:cTn id="2" dur="indefinite" nodeType="mainSeq">
+                <p:childTnLst>
+                  <p:par>
+                    <p:cTn id="3" fill="hold">
+                      <p:stCondLst>
+                        <p:cond delay="indefinite"/>
+                      </p:stCondLst>
+                      <p:childTnLst>
+                        <p:par>
+                          <p:cTn id="4" fill="hold">
+                            <p:stCondLst>
+                              <p:cond delay="0"/>
+                            </p:stCondLst>
+                            <p:childTnLst>
+                              <p:par>
+                                <p:cTn id="5" presetID="34" presetClass="emph" presetSubtype="0" fill="hold" grpId="0" nodeType="clickEffect">
+                                  <p:stCondLst>
+                                    <p:cond delay="0"/>
+                                  </p:stCondLst>
+                                  <p:iterate type="lt">
+                                    <p:tmPct val="10000"/>
+                                  </p:iterate>
+                                  <p:childTnLst>
+                                    <p:animMotion origin="layout" path="M 0.0 0.0 L 0.0 -0.07213" pathEditMode="relative" ptsTypes="">
+                                      <p:cBhvr>
+                                        <p:cTn id="6" dur="250" accel="50000" decel="50000" autoRev="1" fill="hold">
+                                          <p:stCondLst>
+                                            <p:cond delay="0"/>
+                                          </p:stCondLst>
+                                        </p:cTn>
+                                        <p:tgtEl>
+                                          <p:spTgt spid="3">
+                                            <p:txEl>
+                                              <p:pRg st="0" end="0"/>
+                                            </p:txEl>
+                                          </p:spTgt>
+                                        </p:tgtEl>
+                                        <p:attrNameLst>
+                                          <p:attrName>ppt_x</p:attrName>
+                                          <p:attrName>ppt_y</p:attrName>
+                                        </p:attrNameLst>
+                                      </p:cBhvr>
+                                    </p:animMotion>
+                                    <p:animRot by="1500000">
+                                      <p:cBhvr>
+                                        <p:cTn id="7" dur="125" fill="hold">
+                                          <p:stCondLst>
+                                            <p:cond delay="0"/>
+                                          </p:stCondLst>
+                                        </p:cTn>
+                                        <p:tgtEl>
+                                          <p:spTgt spid="3">
+                                            <p:txEl>
+                                              <p:pRg st="0" end="0"/>
+                                            </p:txEl>
+                                          </p:spTgt>
+                                        </p:tgtEl>
+                                        <p:attrNameLst>
+                                          <p:attrName>r</p:attrName>
+                                        </p:attrNameLst>
+                                      </p:cBhvr>
+                                    </p:animRot>
+                                    <p:animRot by="-1500000">
+                                      <p:cBhvr>
+                                        <p:cTn id="8" dur="125" fill="hold">
+                                          <p:stCondLst>
+                                            <p:cond delay="125"/>
+                                          </p:stCondLst>
+                                        </p:cTn>
+                                        <p:tgtEl>
+                                          <p:spTgt spid="3">
+                                            <p:txEl>
+                                              <p:pRg st="0" end="0"/>
+                                            </p:txEl>
+                                          </p:spTgt>
+                                        </p:tgtEl>
+                                        <p:attrNameLst>
+                                          <p:attrName>r</p:attrName>
+                                        </p:attrNameLst>
+                                      </p:cBhvr>
+                                    </p:animRot>
+                                    <p:animRot by="-1500000">
+                                      <p:cBhvr>
+                                        <p:cTn id="9" dur="125" fill="hold">
+                                          <p:stCondLst>
+                                            <p:cond delay="250"/>
+                                          </p:stCondLst>
+                                        </p:cTn>
+                                        <p:tgtEl>
+                                          <p:spTgt spid="3">
+                                            <p:txEl>
+                                              <p:pRg st="0" end="0"/>
+                                            </p:txEl>
+                                          </p:spTgt>
+                                        </p:tgtEl>
+                                        <p:attrNameLst>
+                                          <p:attrName>r</p:attrName>
+                                        </p:attrNameLst>
+                                      </p:cBhvr>
+                                    </p:animRot>
+                                    <p:animRot by="1500000">
+                                      <p:cBhvr>
+                                        <p:cTn id="10" dur="125" fill="hold">
+                                          <p:stCondLst>
+                                            <p:cond delay="375"/>
+                                          </p:stCondLst>
+                                        </p:cTn>
+                                        <p:tgtEl>
+                                          <p:spTgt spid="3">
+                                            <p:txEl>
+                                              <p:pRg st="0" end="0"/>
+                                            </p:txEl>
+                                          </p:spTgt>
+                                        </p:tgtEl>
+                                        <p:attrNameLst>
+                                          <p:attrName>r</p:attrName>
+                                        </p:attrNameLst>
+                                      </p:cBhvr>
+                                    </p:animRot>
+                                  </p:childTnLst>
+                                </p:cTn>
+                              </p:par>
+                            </p:childTnLst>
+                          </p:cTn>
+                        </p:par>
+                      </p:childTnLst>
+                    </p:cTn>
+                  </p:par>
+                  <p:par>
+                    <p:cTn id="11" fill="hold">
+                      <p:stCondLst>
+                        <p:cond delay="indefinite"/>
+                      </p:stCondLst>
+                      <p:childTnLst>
+                        <p:par>
+                          <p:cTn id="12" fill="hold">
+                            <p:stCondLst>
+                              <p:cond delay="0"/>
+                            </p:stCondLst>
+                            <p:childTnLst>
+                              <p:par>
+                                <p:cTn id="13" presetID="53" presetClass="entr" presetSubtype="16" fill="hold" grpId="0" nodeType="clickEffect">
+                                  <p:stCondLst>
+                                    <p:cond delay="0"/>
+                                  </p:stCondLst>
+                                  <p:childTnLst>
+                                    <p:set>
+                                      <p:cBhvr>
+                                        <p:cTn id="14" dur="1" fill="hold">
+                                          <p:stCondLst>
+                                            <p:cond delay="0"/>
+                                          </p:stCondLst>
+                                        </p:cTn>
+                                        <p:tgtEl>
+                                          <p:spTgt spid="3">
+                                            <p:txEl>
+                                              <p:pRg st="1" end="1"/>
+                                            </p:txEl>
+                                          </p:spTgt>
+                                        </p:tgtEl>
+                                        <p:attrNameLst>
+                                          <p:attrName>style.visibility</p:attrName>
+                                        </p:attrNameLst>
+                                      </p:cBhvr>
+                                      <p:to>
+                                        <p:strVal val="visible"/>
+                                      </p:to>
+                                    </p:set>
+                                    <p:anim calcmode="lin" valueType="num">
+                                      <p:cBhvr>
+                                        <p:cTn id="15" dur="500" fill="hold"/>
+                                        <p:tgtEl>
+                                          <p:spTgt spid="3">
+                                            <p:txEl>
+                                              <p:pRg st="1" end="1"/>
+                                            </p:txEl>
+                                          </p:spTgt>
+                                        </p:tgtEl>
+                                        <p:attrNameLst>
+                                          <p:attrName>ppt_w</p:attrName>
+                                        </p:attrNameLst>
+                                      </p:cBhvr>
+                                      <p:tavLst>
+                                        <p:tav tm="0">
+                                          <p:val>
+                                            <p:fltVal val="0"/>
+                                          </p:val>
+                                        </p:tav>
+                                        <p:tav tm="100000">
+                                          <p:val>
+                                            <p:strVal val="#ppt_w"/>
+                                          </p:val>
+                                        </p:tav>
+                                      </p:tavLst>
+                                    </p:anim>
+                                    <p:anim calcmode="lin" valueType="num">
+                                      <p:cBhvr>
+                                        <p:cTn id="16" dur="500" fill="hold"/>
+                                        <p:tgtEl>
+                                          <p:spTgt spid="3">
+                                            <p:txEl>
+                                              <p:pRg st="1" end="1"/>
+                                            </p:txEl>
+                                          </p:spTgt>
+                                        </p:tgtEl>
+                                        <p:attrNameLst>
+                                          <p:attrName>ppt_h</p:attrName>
+                                        </p:attrNameLst>
+                                      </p:cBhvr>
+                                      <p:tavLst>
+                                        <p:tav tm="0">
+                                          <p:val>
+                                            <p:fltVal val="0"/>
+                                          </p:val>
+                                        </p:tav>
+                                        <p:tav tm="100000">
+                                          <p:val>
+                                            <p:strVal val="#ppt_h"/>
+                                          </p:val>
+                                        </p:tav>
+                                      </p:tavLst>
+                                    </p:anim>
+                                    <p:animEffect transition="in" filter="fade">
+                                      <p:cBhvr>
+                                        <p:cTn id="17" dur="500"/>
+                                        <p:tgtEl>
+                                          <p:spTgt spid="3">
+                                            <p:txEl>
+                                              <p:pRg st="1" end="1"/>
+                                            </p:txEl>
+                                          </p:spTgt>
+                                        </p:tgtEl>
+                                      </p:cBhvr>
+                                    </p:animEffect>
+                                  </p:childTnLst>
+                                </p:cTn>
+                              </p:par>
+                            </p:childTnLst>
+                          </p:cTn>
+                        </p:par>
+                      </p:childTnLst>
+                    </p:cTn>
+                  </p:par>
+                  <p:par>
+                    <p:cTn id="18" fill="hold">
+                      <p:stCondLst>
+                        <p:cond delay="indefinite"/>
+                      </p:stCondLst>
+                      <p:childTnLst>
+                        <p:par>
+                          <p:cTn id="19" fill="hold">
+                            <p:stCondLst>
+                              <p:cond delay="0"/>
+                            </p:stCondLst>
+                            <p:childTnLst>
+                              <p:par>
+                                <p:cTn id="20" presetID="31" presetClass="entr" presetSubtype="0" fill="hold" grpId="0" nodeType="clickEffect">
+                                  <p:stCondLst>
+                                    <p:cond delay="0"/>
+                                  </p:stCondLst>
+                                  <p:childTnLst>
+                                    <p:set>
+                                      <p:cBhvr>
+                                        <p:cTn id="21" dur="1" fill="hold">
+                                          <p:stCondLst>
+                                            <p:cond delay="0"/>
+                                          </p:stCondLst>
+                                        </p:cTn>
+                                        <p:tgtEl>
+                                          <p:spTgt spid="3">
+                                            <p:txEl>
+                                              <p:pRg st="2" end="2"/>
+                                            </p:txEl>
+                                          </p:spTgt>
+                                        </p:tgtEl>
+                                        <p:attrNameLst>
+                                          <p:attrName>style.visibility</p:attrName>
+                                        </p:attrNameLst>
+                                      </p:cBhvr>
+                                      <p:to>
+                                        <p:strVal val="visible"/>
+                                      </p:to>
+                                    </p:set>
+                                    <p:anim calcmode="lin" valueType="num">
+                                      <p:cBhvr>
+                                        <p:cTn id="22" dur="1000" fill="hold"/>
+                                        <p:tgtEl>
+                                          <p:spTgt spid="3">
+                                            <p:txEl>
+                                              <p:pRg st="2" end="2"/>
+                                            </p:txEl>
+                                          </p:spTgt>
+                                        </p:tgtEl>
+                                        <p:attrNameLst>
+                                          <p:attrName>ppt_w</p:attrName>
+                                        </p:attrNameLst>
+                                      </p:cBhvr>
+                                      <p:tavLst>
+                                        <p:tav tm="0">
+                                          <p:val>
+                                            <p:fltVal val="0"/>
+                                          </p:val>
+                                        </p:tav>
+                                        <p:tav tm="100000">
+                                          <p:val>
+                                            <p:strVal val="#ppt_w"/>
+                                          </p:val>
+                                        </p:tav>
+                                      </p:tavLst>
+                                    </p:anim>
+                                    <p:anim calcmode="lin" valueType="num">
+                                      <p:cBhvr>
+                                        <p:cTn id="23" dur="1000" fill="hold"/>
+                                        <p:tgtEl>
+                                          <p:spTgt spid="3">
+                                            <p:txEl>
+                                              <p:pRg st="2" end="2"/>
+                                            </p:txEl>
+                                          </p:spTgt>
+                                        </p:tgtEl>
+                                        <p:attrNameLst>
+                                          <p:attrName>ppt_h</p:attrName>
+                                        </p:attrNameLst>
+                                      </p:cBhvr>
+                                      <p:tavLst>
+                                        <p:tav tm="0">
+                                          <p:val>
+                                            <p:fltVal val="0"/>
+                                          </p:val>
+                                        </p:tav>
+                                        <p:tav tm="100000">
+                                          <p:val>
+                                            <p:strVal val="#ppt_h"/>
+                                          </p:val>
+                                        </p:tav>
+                                      </p:tavLst>
+                                    </p:anim>
+                                    <p:anim calcmode="lin" valueType="num">
+                                      <p:cBhvr>
+                                        <p:cTn id="24" dur="1000" fill="hold"/>
+                                        <p:tgtEl>
+                                          <p:spTgt spid="3">
+                                            <p:txEl>
+                                              <p:pRg st="2" end="2"/>
+                                            </p:txEl>
+                                          </p:spTgt>
+                                        </p:tgtEl>
+                                        <p:attrNameLst>
+                                          <p:attrName>style.rotation</p:attrName>
+                                        </p:attrNameLst>
+                                      </p:cBhvr>
+                                      <p:tavLst>
+                                        <p:tav tm="0">
+                                          <p:val>
+                                            <p:fltVal val="90"/>
+                                          </p:val>
+                                        </p:tav>
+                                        <p:tav tm="100000">
+                                          <p:val>
+                                            <p:fltVal val="0"/>
+                                          </p:val>
+                                        </p:tav>
+                                      </p:tavLst>
+                                    </p:anim>
+                                    <p:animEffect transition="in" filter="fade">
+                                      <p:cBhvr>
+                                        <p:cTn id="25" dur="1000"/>
+                                        <p:tgtEl>
+                                          <p:spTgt spid="3">
+                                            <p:txEl>
+                                              <p:pRg st="2" end="2"/>
+                                            </p:txEl>
+                                          </p:spTgt>
+                                        </p:tgtEl>
+                                      </p:cBhvr>
+                                    </p:animEffect>
+                                  </p:childTnLst>
+                                </p:cTn>
+                              </p:par>
+                            </p:childTnLst>
+                          </p:cTn>
+                        </p:par>
+                      </p:childTnLst>
+                    </p:cTn>
+                  </p:par>
+                </p:childTnLst>
+              </p:cTn>
+              <p:prevCondLst>
+                <p:cond evt="onPrev" delay="0">
+                  <p:tgtEl>
+                    <p:sldTgt/>
+                  </p:tgtEl>
+                </p:cond>
+              </p:prevCondLst>
+              <p:nextCondLst>
+                <p:cond evt="onNext" delay="0">
+                  <p:tgtEl>
+                    <p:sldTgt/>
+                  </p:tgtEl>
+                </p:cond>
+              </p:nextCondLst>
+            </p:seq>
+          </p:childTnLst>
+        </p:cTn>
+      </p:par>
+    </p:tnLst>
+    <p:bldLst>
+      <p:bldP spid="3" grpId="0" uiExpand="1" build="p"/>
+    </p:bldLst>
+  </p:timing>
 </p:sld>
 </file>
 
@@ -14438,13 +20063,13 @@
             <a:spLocks noGrp="1"/>
           </p:cNvSpPr>
           <p:nvPr>
-            <p:ph type="title"/>
+            <p:ph type="title" idx="4294967295"/>
           </p:nvPr>
         </p:nvSpPr>
         <p:spPr>
           <a:xfrm>
             <a:off x="0" y="0"/>
-            <a:ext cx="9753600" cy="784551"/>
+            <a:ext cx="9753600" cy="784225"/>
           </a:xfrm>
         </p:spPr>
         <p:txBody>
@@ -14464,31 +20089,1326 @@
       </p:sp>
       <p:sp>
         <p:nvSpPr>
-          <p:cNvPr id="3" name="Content Placeholder 2">
+          <p:cNvPr id="4" name="Rectangle 11">
             <a:extLst>
               <a:ext uri="{FF2B5EF4-FFF2-40B4-BE49-F238E27FC236}">
-                <a16:creationId xmlns:a16="http://schemas.microsoft.com/office/drawing/2014/main" id="{B5D8B1FB-766A-4CB4-B725-C5475E5A0F0F}"/>
+                <a16:creationId xmlns:a16="http://schemas.microsoft.com/office/drawing/2014/main" id="{7AB431DD-D00F-4FFB-BD6F-1F36C9622A1A}"/>
               </a:ext>
             </a:extLst>
           </p:cNvPr>
           <p:cNvSpPr>
-            <a:spLocks noGrp="1"/>
-          </p:cNvSpPr>
-          <p:nvPr>
-            <p:ph idx="1"/>
-          </p:nvPr>
+            <a:spLocks noChangeArrowheads="1"/>
+          </p:cNvSpPr>
+          <p:nvPr/>
+        </p:nvSpPr>
+        <p:spPr bwMode="auto">
+          <a:xfrm>
+            <a:off x="3206538" y="1474788"/>
+            <a:ext cx="1463675" cy="1954212"/>
+          </a:xfrm>
+          <a:prstGeom prst="rect">
+            <a:avLst/>
+          </a:prstGeom>
+          <a:solidFill>
+            <a:srgbClr val="FFFFFF"/>
+          </a:solidFill>
+          <a:ln w="9525">
+            <a:solidFill>
+              <a:srgbClr val="000000"/>
+            </a:solidFill>
+            <a:miter lim="800000"/>
+            <a:headEnd/>
+            <a:tailEnd/>
+          </a:ln>
+        </p:spPr>
+        <p:txBody>
+          <a:bodyPr vert="horz" wrap="square" lIns="91440" tIns="45720" rIns="91440" bIns="45720" numCol="1" anchor="t" anchorCtr="0" compatLnSpc="1">
+            <a:prstTxWarp prst="textNoShape">
+              <a:avLst/>
+            </a:prstTxWarp>
+          </a:bodyPr>
+          <a:lstStyle/>
+          <a:p>
+            <a:pPr marL="0" marR="0" lvl="0" indent="0" algn="l" defTabSz="914400" rtl="0" eaLnBrk="0" fontAlgn="base" latinLnBrk="0" hangingPunct="0">
+              <a:lnSpc>
+                <a:spcPct val="100000"/>
+              </a:lnSpc>
+              <a:spcBef>
+                <a:spcPct val="0"/>
+              </a:spcBef>
+              <a:spcAft>
+                <a:spcPct val="0"/>
+              </a:spcAft>
+              <a:buClrTx/>
+              <a:buSzTx/>
+              <a:buFontTx/>
+              <a:buNone/>
+              <a:tabLst/>
+            </a:pPr>
+            <a:endParaRPr kumimoji="0" lang="en-US" altLang="en-US" sz="1800" b="0" i="0" u="none" strike="noStrike" cap="none" normalizeH="0" baseline="0" dirty="0">
+              <a:ln>
+                <a:noFill/>
+              </a:ln>
+              <a:solidFill>
+                <a:schemeClr val="tx1"/>
+              </a:solidFill>
+              <a:effectLst/>
+              <a:latin typeface="Arial" panose="020B0604020202020204" pitchFamily="34" charset="0"/>
+            </a:endParaRPr>
+          </a:p>
+          <a:p>
+            <a:pPr marL="0" marR="0" lvl="0" indent="0" algn="l" defTabSz="914400" rtl="0" eaLnBrk="0" fontAlgn="base" latinLnBrk="0" hangingPunct="0">
+              <a:lnSpc>
+                <a:spcPct val="100000"/>
+              </a:lnSpc>
+              <a:spcBef>
+                <a:spcPct val="0"/>
+              </a:spcBef>
+              <a:spcAft>
+                <a:spcPct val="0"/>
+              </a:spcAft>
+              <a:buClrTx/>
+              <a:buSzTx/>
+              <a:buFontTx/>
+              <a:buNone/>
+              <a:tabLst/>
+            </a:pPr>
+            <a:endParaRPr lang="en-US" altLang="en-US" dirty="0">
+              <a:latin typeface="Arial" panose="020B0604020202020204" pitchFamily="34" charset="0"/>
+            </a:endParaRPr>
+          </a:p>
+          <a:p>
+            <a:pPr marL="0" marR="0" lvl="0" indent="0" algn="l" defTabSz="914400" rtl="0" eaLnBrk="0" fontAlgn="base" latinLnBrk="0" hangingPunct="0">
+              <a:lnSpc>
+                <a:spcPct val="100000"/>
+              </a:lnSpc>
+              <a:spcBef>
+                <a:spcPct val="0"/>
+              </a:spcBef>
+              <a:spcAft>
+                <a:spcPct val="0"/>
+              </a:spcAft>
+              <a:buClrTx/>
+              <a:buSzTx/>
+              <a:buFontTx/>
+              <a:buNone/>
+              <a:tabLst/>
+            </a:pPr>
+            <a:endParaRPr kumimoji="0" lang="en-US" altLang="en-US" sz="1800" b="0" i="0" u="none" strike="noStrike" cap="none" normalizeH="0" baseline="0" dirty="0">
+              <a:ln>
+                <a:noFill/>
+              </a:ln>
+              <a:solidFill>
+                <a:schemeClr val="tx1"/>
+              </a:solidFill>
+              <a:effectLst/>
+              <a:latin typeface="Arial" panose="020B0604020202020204" pitchFamily="34" charset="0"/>
+            </a:endParaRPr>
+          </a:p>
+          <a:p>
+            <a:pPr defTabSz="914400" eaLnBrk="0" fontAlgn="base" hangingPunct="0">
+              <a:spcBef>
+                <a:spcPct val="0"/>
+              </a:spcBef>
+              <a:spcAft>
+                <a:spcPct val="0"/>
+              </a:spcAft>
+            </a:pPr>
+            <a:r>
+              <a:rPr lang="en-US" altLang="en-US" dirty="0">
+                <a:latin typeface="Calibri" panose="020F0502020204030204" pitchFamily="34" charset="0"/>
+                <a:ea typeface="Times New Roman" panose="02020603050405020304" pitchFamily="18" charset="0"/>
+                <a:cs typeface="Times New Roman" panose="02020603050405020304" pitchFamily="18" charset="0"/>
+              </a:rPr>
+              <a:t>OPERATIONS</a:t>
+            </a:r>
+            <a:endParaRPr lang="en-US" altLang="en-US" sz="3200" dirty="0">
+              <a:latin typeface="Arial" panose="020B0604020202020204" pitchFamily="34" charset="0"/>
+            </a:endParaRPr>
+          </a:p>
+          <a:p>
+            <a:pPr marL="0" marR="0" lvl="0" indent="0" algn="l" defTabSz="914400" rtl="0" eaLnBrk="0" fontAlgn="base" latinLnBrk="0" hangingPunct="0">
+              <a:lnSpc>
+                <a:spcPct val="100000"/>
+              </a:lnSpc>
+              <a:spcBef>
+                <a:spcPct val="0"/>
+              </a:spcBef>
+              <a:spcAft>
+                <a:spcPct val="0"/>
+              </a:spcAft>
+              <a:buClrTx/>
+              <a:buSzTx/>
+              <a:buFontTx/>
+              <a:buNone/>
+              <a:tabLst/>
+            </a:pPr>
+            <a:endParaRPr kumimoji="0" lang="en-US" altLang="en-US" sz="1800" b="0" i="0" u="none" strike="noStrike" cap="none" normalizeH="0" baseline="0" dirty="0">
+              <a:ln>
+                <a:noFill/>
+              </a:ln>
+              <a:solidFill>
+                <a:schemeClr val="tx1"/>
+              </a:solidFill>
+              <a:effectLst/>
+              <a:latin typeface="Arial" panose="020B0604020202020204" pitchFamily="34" charset="0"/>
+            </a:endParaRPr>
+          </a:p>
+        </p:txBody>
+      </p:sp>
+      <p:sp>
+        <p:nvSpPr>
+          <p:cNvPr id="5" name="AutoShape 10">
+            <a:extLst>
+              <a:ext uri="{FF2B5EF4-FFF2-40B4-BE49-F238E27FC236}">
+                <a16:creationId xmlns:a16="http://schemas.microsoft.com/office/drawing/2014/main" id="{7269EFDB-1952-42AD-AD83-2BE879956761}"/>
+              </a:ext>
+            </a:extLst>
+          </p:cNvPr>
+          <p:cNvSpPr>
+            <a:spLocks noChangeArrowheads="1"/>
+          </p:cNvSpPr>
+          <p:nvPr/>
+        </p:nvSpPr>
+        <p:spPr bwMode="auto">
+          <a:xfrm>
+            <a:off x="3297913" y="1575142"/>
+            <a:ext cx="1249363" cy="715963"/>
+          </a:xfrm>
+          <a:prstGeom prst="roundRect">
+            <a:avLst>
+              <a:gd name="adj" fmla="val 16667"/>
+            </a:avLst>
+          </a:prstGeom>
+          <a:solidFill>
+            <a:srgbClr val="FFFFFF"/>
+          </a:solidFill>
+          <a:ln w="9525">
+            <a:solidFill>
+              <a:srgbClr val="000000"/>
+            </a:solidFill>
+            <a:round/>
+            <a:headEnd/>
+            <a:tailEnd/>
+          </a:ln>
+        </p:spPr>
+        <p:txBody>
+          <a:bodyPr vert="horz" wrap="square" lIns="91440" tIns="45720" rIns="91440" bIns="45720" numCol="1" anchor="t" anchorCtr="0" compatLnSpc="1">
+            <a:prstTxWarp prst="textNoShape">
+              <a:avLst/>
+            </a:prstTxWarp>
+          </a:bodyPr>
+          <a:lstStyle/>
+          <a:p>
+            <a:pPr marL="0" marR="0" lvl="0" indent="0" algn="l" defTabSz="914400" rtl="0" eaLnBrk="0" fontAlgn="base" latinLnBrk="0" hangingPunct="0">
+              <a:lnSpc>
+                <a:spcPct val="100000"/>
+              </a:lnSpc>
+              <a:spcBef>
+                <a:spcPct val="0"/>
+              </a:spcBef>
+              <a:spcAft>
+                <a:spcPct val="0"/>
+              </a:spcAft>
+              <a:buClrTx/>
+              <a:buSzTx/>
+              <a:buFontTx/>
+              <a:buNone/>
+              <a:tabLst/>
+            </a:pPr>
+            <a:r>
+              <a:rPr kumimoji="0" lang="en-US" altLang="en-US" sz="1200" b="1" i="1" u="sng" strike="noStrike" cap="none" normalizeH="0" baseline="0" dirty="0">
+                <a:ln>
+                  <a:noFill/>
+                </a:ln>
+                <a:solidFill>
+                  <a:schemeClr val="tx1"/>
+                </a:solidFill>
+                <a:effectLst/>
+                <a:latin typeface="Calibri" panose="020F0502020204030204" pitchFamily="34" charset="0"/>
+                <a:ea typeface="Times New Roman" panose="02020603050405020304" pitchFamily="18" charset="0"/>
+                <a:cs typeface="Times New Roman" panose="02020603050405020304" pitchFamily="18" charset="0"/>
+              </a:rPr>
+              <a:t>INPUT</a:t>
+            </a:r>
+            <a:endParaRPr kumimoji="0" lang="en-US" altLang="en-US" sz="1800" b="0" i="0" u="none" strike="noStrike" cap="none" normalizeH="0" baseline="0" dirty="0">
+              <a:ln>
+                <a:noFill/>
+              </a:ln>
+              <a:solidFill>
+                <a:schemeClr val="tx1"/>
+              </a:solidFill>
+              <a:effectLst/>
+              <a:latin typeface="Arial" panose="020B0604020202020204" pitchFamily="34" charset="0"/>
+            </a:endParaRPr>
+          </a:p>
+        </p:txBody>
+      </p:sp>
+      <p:sp>
+        <p:nvSpPr>
+          <p:cNvPr id="6" name="AutoShape 9">
+            <a:extLst>
+              <a:ext uri="{FF2B5EF4-FFF2-40B4-BE49-F238E27FC236}">
+                <a16:creationId xmlns:a16="http://schemas.microsoft.com/office/drawing/2014/main" id="{37F46EAD-BA82-4D62-865E-2FF9578AD802}"/>
+              </a:ext>
+            </a:extLst>
+          </p:cNvPr>
+          <p:cNvSpPr>
+            <a:spLocks noChangeArrowheads="1"/>
+          </p:cNvSpPr>
+          <p:nvPr/>
+        </p:nvSpPr>
+        <p:spPr bwMode="auto">
+          <a:xfrm>
+            <a:off x="3341691" y="2626433"/>
+            <a:ext cx="1181100" cy="681037"/>
+          </a:xfrm>
+          <a:prstGeom prst="roundRect">
+            <a:avLst>
+              <a:gd name="adj" fmla="val 16667"/>
+            </a:avLst>
+          </a:prstGeom>
+          <a:solidFill>
+            <a:srgbClr val="FFFFFF"/>
+          </a:solidFill>
+          <a:ln w="9525">
+            <a:solidFill>
+              <a:srgbClr val="000000"/>
+            </a:solidFill>
+            <a:round/>
+            <a:headEnd/>
+            <a:tailEnd/>
+          </a:ln>
+        </p:spPr>
+        <p:txBody>
+          <a:bodyPr vert="horz" wrap="square" lIns="91440" tIns="45720" rIns="91440" bIns="45720" numCol="1" anchor="t" anchorCtr="0" compatLnSpc="1">
+            <a:prstTxWarp prst="textNoShape">
+              <a:avLst/>
+            </a:prstTxWarp>
+          </a:bodyPr>
+          <a:lstStyle/>
+          <a:p>
+            <a:pPr marL="0" marR="0" lvl="0" indent="0" algn="l" defTabSz="914400" rtl="0" eaLnBrk="0" fontAlgn="base" latinLnBrk="0" hangingPunct="0">
+              <a:lnSpc>
+                <a:spcPct val="100000"/>
+              </a:lnSpc>
+              <a:spcBef>
+                <a:spcPct val="0"/>
+              </a:spcBef>
+              <a:spcAft>
+                <a:spcPct val="0"/>
+              </a:spcAft>
+              <a:buClrTx/>
+              <a:buSzTx/>
+              <a:buFontTx/>
+              <a:buNone/>
+              <a:tabLst/>
+            </a:pPr>
+            <a:r>
+              <a:rPr kumimoji="0" lang="en-US" altLang="en-US" sz="1200" b="1" i="1" u="sng" strike="noStrike" cap="none" normalizeH="0" baseline="0" dirty="0">
+                <a:ln>
+                  <a:noFill/>
+                </a:ln>
+                <a:solidFill>
+                  <a:schemeClr val="tx1"/>
+                </a:solidFill>
+                <a:effectLst/>
+                <a:latin typeface="Calibri" panose="020F0502020204030204" pitchFamily="34" charset="0"/>
+                <a:ea typeface="Times New Roman" panose="02020603050405020304" pitchFamily="18" charset="0"/>
+                <a:cs typeface="Times New Roman" panose="02020603050405020304" pitchFamily="18" charset="0"/>
+              </a:rPr>
+              <a:t>OUTPUT</a:t>
+            </a:r>
+            <a:endParaRPr kumimoji="0" lang="en-US" altLang="en-US" sz="1800" b="0" i="0" u="none" strike="noStrike" cap="none" normalizeH="0" baseline="0" dirty="0">
+              <a:ln>
+                <a:noFill/>
+              </a:ln>
+              <a:solidFill>
+                <a:schemeClr val="tx1"/>
+              </a:solidFill>
+              <a:effectLst/>
+              <a:latin typeface="Arial" panose="020B0604020202020204" pitchFamily="34" charset="0"/>
+            </a:endParaRPr>
+          </a:p>
+        </p:txBody>
+      </p:sp>
+      <p:sp>
+        <p:nvSpPr>
+          <p:cNvPr id="7" name="AutoShape 6">
+            <a:extLst>
+              <a:ext uri="{FF2B5EF4-FFF2-40B4-BE49-F238E27FC236}">
+                <a16:creationId xmlns:a16="http://schemas.microsoft.com/office/drawing/2014/main" id="{EE2BED58-73FF-447D-9386-E9956034577B}"/>
+              </a:ext>
+            </a:extLst>
+          </p:cNvPr>
+          <p:cNvSpPr>
+            <a:spLocks noChangeArrowheads="1"/>
+          </p:cNvSpPr>
+          <p:nvPr/>
+        </p:nvSpPr>
+        <p:spPr bwMode="auto">
+          <a:xfrm rot="1283688">
+            <a:off x="5421853" y="2000311"/>
+            <a:ext cx="1447800" cy="365125"/>
+          </a:xfrm>
+          <a:prstGeom prst="rightArrow">
+            <a:avLst>
+              <a:gd name="adj1" fmla="val 50000"/>
+              <a:gd name="adj2" fmla="val 99130"/>
+            </a:avLst>
+          </a:prstGeom>
+          <a:solidFill>
+            <a:srgbClr val="FFFFFF"/>
+          </a:solidFill>
+          <a:ln w="9525">
+            <a:solidFill>
+              <a:srgbClr val="000000"/>
+            </a:solidFill>
+            <a:miter lim="800000"/>
+            <a:headEnd/>
+            <a:tailEnd/>
+          </a:ln>
+        </p:spPr>
+        <p:txBody>
+          <a:bodyPr vert="horz" wrap="square" lIns="91440" tIns="45720" rIns="91440" bIns="45720" numCol="1" anchor="t" anchorCtr="0" compatLnSpc="1">
+            <a:prstTxWarp prst="textNoShape">
+              <a:avLst/>
+            </a:prstTxWarp>
+          </a:bodyPr>
+          <a:lstStyle/>
+          <a:p>
+            <a:endParaRPr lang="en-US"/>
+          </a:p>
+        </p:txBody>
+      </p:sp>
+      <p:sp>
+        <p:nvSpPr>
+          <p:cNvPr id="8" name="AutoShape 5">
+            <a:extLst>
+              <a:ext uri="{FF2B5EF4-FFF2-40B4-BE49-F238E27FC236}">
+                <a16:creationId xmlns:a16="http://schemas.microsoft.com/office/drawing/2014/main" id="{29EEA0A1-7374-459E-B252-D290561FFB6F}"/>
+              </a:ext>
+            </a:extLst>
+          </p:cNvPr>
+          <p:cNvSpPr>
+            <a:spLocks noChangeArrowheads="1"/>
+          </p:cNvSpPr>
+          <p:nvPr/>
+        </p:nvSpPr>
+        <p:spPr bwMode="auto">
+          <a:xfrm rot="11879089">
+            <a:off x="5151114" y="2329672"/>
+            <a:ext cx="1531938" cy="358775"/>
+          </a:xfrm>
+          <a:prstGeom prst="rightArrow">
+            <a:avLst>
+              <a:gd name="adj1" fmla="val 50000"/>
+              <a:gd name="adj2" fmla="val 106748"/>
+            </a:avLst>
+          </a:prstGeom>
+          <a:solidFill>
+            <a:srgbClr val="FFFFFF"/>
+          </a:solidFill>
+          <a:ln w="9525">
+            <a:solidFill>
+              <a:srgbClr val="000000"/>
+            </a:solidFill>
+            <a:miter lim="800000"/>
+            <a:headEnd/>
+            <a:tailEnd/>
+          </a:ln>
+        </p:spPr>
+        <p:txBody>
+          <a:bodyPr vert="horz" wrap="square" lIns="91440" tIns="45720" rIns="91440" bIns="45720" numCol="1" anchor="t" anchorCtr="0" compatLnSpc="1">
+            <a:prstTxWarp prst="textNoShape">
+              <a:avLst/>
+            </a:prstTxWarp>
+          </a:bodyPr>
+          <a:lstStyle/>
+          <a:p>
+            <a:endParaRPr lang="en-US"/>
+          </a:p>
+        </p:txBody>
+      </p:sp>
+      <p:sp>
+        <p:nvSpPr>
+          <p:cNvPr id="9" name="AutoShape 4">
+            <a:extLst>
+              <a:ext uri="{FF2B5EF4-FFF2-40B4-BE49-F238E27FC236}">
+                <a16:creationId xmlns:a16="http://schemas.microsoft.com/office/drawing/2014/main" id="{CD4DF864-1DAC-4C74-A18B-C410F02BA22D}"/>
+              </a:ext>
+            </a:extLst>
+          </p:cNvPr>
+          <p:cNvSpPr>
+            <a:spLocks noChangeArrowheads="1"/>
+          </p:cNvSpPr>
+          <p:nvPr/>
+        </p:nvSpPr>
+        <p:spPr bwMode="auto">
+          <a:xfrm>
+            <a:off x="7247648" y="2273158"/>
+            <a:ext cx="2065338" cy="1920875"/>
+          </a:xfrm>
+          <a:prstGeom prst="verticalScroll">
+            <a:avLst>
+              <a:gd name="adj" fmla="val 12500"/>
+            </a:avLst>
+          </a:prstGeom>
+          <a:solidFill>
+            <a:srgbClr val="FFFFFF"/>
+          </a:solidFill>
+          <a:ln w="63500">
+            <a:solidFill>
+              <a:srgbClr val="ED7D31"/>
+            </a:solidFill>
+            <a:round/>
+            <a:headEnd/>
+            <a:tailEnd/>
+          </a:ln>
+          <a:effectLst/>
+          <a:extLst>
+            <a:ext uri="{AF507438-7753-43E0-B8FC-AC1667EBCBE1}">
+              <a14:hiddenEffects xmlns:a14="http://schemas.microsoft.com/office/drawing/2010/main">
+                <a:effectLst>
+                  <a:outerShdw dist="35921" dir="2700000" algn="ctr" rotWithShape="0">
+                    <a:srgbClr val="868686"/>
+                  </a:outerShdw>
+                </a:effectLst>
+              </a14:hiddenEffects>
+            </a:ext>
+          </a:extLst>
+        </p:spPr>
+        <p:txBody>
+          <a:bodyPr vert="eaVert" wrap="square" lIns="91440" tIns="45720" rIns="91440" bIns="45720" numCol="1" anchor="t" anchorCtr="0" compatLnSpc="1">
+            <a:prstTxWarp prst="textNoShape">
+              <a:avLst/>
+            </a:prstTxWarp>
+          </a:bodyPr>
+          <a:lstStyle/>
+          <a:p>
+            <a:pPr marL="0" marR="0" lvl="0" indent="0" algn="l" defTabSz="914400" rtl="0" eaLnBrk="0" fontAlgn="base" latinLnBrk="0" hangingPunct="0">
+              <a:lnSpc>
+                <a:spcPct val="100000"/>
+              </a:lnSpc>
+              <a:spcBef>
+                <a:spcPct val="0"/>
+              </a:spcBef>
+              <a:spcAft>
+                <a:spcPct val="0"/>
+              </a:spcAft>
+              <a:buClrTx/>
+              <a:buSzTx/>
+              <a:buFontTx/>
+              <a:buNone/>
+              <a:tabLst/>
+            </a:pPr>
+            <a:r>
+              <a:rPr kumimoji="0" lang="en-US" altLang="en-US" sz="1600" b="0" i="0" u="none" strike="noStrike" cap="none" normalizeH="0" baseline="0" dirty="0">
+                <a:ln>
+                  <a:noFill/>
+                </a:ln>
+                <a:solidFill>
+                  <a:schemeClr val="tx1"/>
+                </a:solidFill>
+                <a:effectLst/>
+                <a:latin typeface="Algerian" panose="04020705040A02060702" pitchFamily="82" charset="0"/>
+                <a:ea typeface="Times New Roman" panose="02020603050405020304" pitchFamily="18" charset="0"/>
+                <a:cs typeface="Times New Roman" panose="02020603050405020304" pitchFamily="18" charset="0"/>
+              </a:rPr>
+              <a:t>ENCRYPTION </a:t>
+            </a:r>
+            <a:endParaRPr kumimoji="0" lang="en-US" altLang="en-US" sz="800" b="0" i="0" u="none" strike="noStrike" cap="none" normalizeH="0" baseline="0" dirty="0">
+              <a:ln>
+                <a:noFill/>
+              </a:ln>
+              <a:solidFill>
+                <a:schemeClr val="tx1"/>
+              </a:solidFill>
+              <a:effectLst/>
+            </a:endParaRPr>
+          </a:p>
+          <a:p>
+            <a:pPr marL="0" marR="0" lvl="0" indent="0" algn="l" defTabSz="914400" rtl="0" eaLnBrk="0" fontAlgn="base" latinLnBrk="0" hangingPunct="0">
+              <a:lnSpc>
+                <a:spcPct val="100000"/>
+              </a:lnSpc>
+              <a:spcBef>
+                <a:spcPct val="0"/>
+              </a:spcBef>
+              <a:spcAft>
+                <a:spcPct val="0"/>
+              </a:spcAft>
+              <a:buClrTx/>
+              <a:buSzTx/>
+              <a:buFontTx/>
+              <a:buNone/>
+              <a:tabLst/>
+            </a:pPr>
+            <a:r>
+              <a:rPr kumimoji="0" lang="en-US" altLang="en-US" sz="1600" b="0" i="0" u="none" strike="noStrike" cap="none" normalizeH="0" baseline="0" dirty="0">
+                <a:ln>
+                  <a:noFill/>
+                </a:ln>
+                <a:solidFill>
+                  <a:schemeClr val="tx1"/>
+                </a:solidFill>
+                <a:effectLst/>
+                <a:latin typeface="Algerian" panose="04020705040A02060702" pitchFamily="82" charset="0"/>
+                <a:ea typeface="Times New Roman" panose="02020603050405020304" pitchFamily="18" charset="0"/>
+                <a:cs typeface="Times New Roman" panose="02020603050405020304" pitchFamily="18" charset="0"/>
+              </a:rPr>
+              <a:t>   AND </a:t>
+            </a:r>
+            <a:endParaRPr kumimoji="0" lang="en-US" altLang="en-US" sz="800" b="0" i="0" u="none" strike="noStrike" cap="none" normalizeH="0" baseline="0" dirty="0">
+              <a:ln>
+                <a:noFill/>
+              </a:ln>
+              <a:solidFill>
+                <a:schemeClr val="tx1"/>
+              </a:solidFill>
+              <a:effectLst/>
+            </a:endParaRPr>
+          </a:p>
+          <a:p>
+            <a:pPr marL="0" marR="0" lvl="0" indent="0" algn="l" defTabSz="914400" rtl="0" eaLnBrk="0" fontAlgn="base" latinLnBrk="0" hangingPunct="0">
+              <a:lnSpc>
+                <a:spcPct val="100000"/>
+              </a:lnSpc>
+              <a:spcBef>
+                <a:spcPct val="0"/>
+              </a:spcBef>
+              <a:spcAft>
+                <a:spcPct val="0"/>
+              </a:spcAft>
+              <a:buClrTx/>
+              <a:buSzTx/>
+              <a:buFontTx/>
+              <a:buNone/>
+              <a:tabLst/>
+            </a:pPr>
+            <a:r>
+              <a:rPr kumimoji="0" lang="en-US" altLang="en-US" sz="1600" b="0" i="0" u="none" strike="noStrike" cap="none" normalizeH="0" baseline="0" dirty="0">
+                <a:ln>
+                  <a:noFill/>
+                </a:ln>
+                <a:solidFill>
+                  <a:schemeClr val="tx1"/>
+                </a:solidFill>
+                <a:effectLst/>
+                <a:latin typeface="Algerian" panose="04020705040A02060702" pitchFamily="82" charset="0"/>
+                <a:ea typeface="Times New Roman" panose="02020603050405020304" pitchFamily="18" charset="0"/>
+                <a:cs typeface="Times New Roman" panose="02020603050405020304" pitchFamily="18" charset="0"/>
+              </a:rPr>
+              <a:t>      DECRYPTION</a:t>
+            </a:r>
+            <a:endParaRPr kumimoji="0" lang="en-US" altLang="en-US" sz="1800" b="0" i="0" u="none" strike="noStrike" cap="none" normalizeH="0" baseline="0" dirty="0">
+              <a:ln>
+                <a:noFill/>
+              </a:ln>
+              <a:solidFill>
+                <a:schemeClr val="tx1"/>
+              </a:solidFill>
+              <a:effectLst/>
+              <a:latin typeface="Arial" panose="020B0604020202020204" pitchFamily="34" charset="0"/>
+            </a:endParaRPr>
+          </a:p>
+        </p:txBody>
+      </p:sp>
+      <p:sp>
+        <p:nvSpPr>
+          <p:cNvPr id="10" name="AutoShape 3">
+            <a:extLst>
+              <a:ext uri="{FF2B5EF4-FFF2-40B4-BE49-F238E27FC236}">
+                <a16:creationId xmlns:a16="http://schemas.microsoft.com/office/drawing/2014/main" id="{9279A90F-BF63-46A1-B387-FEFEDB9D4A0B}"/>
+              </a:ext>
+            </a:extLst>
+          </p:cNvPr>
+          <p:cNvSpPr>
+            <a:spLocks noChangeArrowheads="1"/>
+          </p:cNvSpPr>
+          <p:nvPr/>
+        </p:nvSpPr>
+        <p:spPr bwMode="auto">
+          <a:xfrm rot="9827197">
+            <a:off x="5399086" y="3658157"/>
+            <a:ext cx="1393825" cy="373062"/>
+          </a:xfrm>
+          <a:prstGeom prst="rightArrow">
+            <a:avLst>
+              <a:gd name="adj1" fmla="val 50000"/>
+              <a:gd name="adj2" fmla="val 93404"/>
+            </a:avLst>
+          </a:prstGeom>
+          <a:solidFill>
+            <a:srgbClr val="FFFFFF"/>
+          </a:solidFill>
+          <a:ln w="9525">
+            <a:solidFill>
+              <a:srgbClr val="000000"/>
+            </a:solidFill>
+            <a:miter lim="800000"/>
+            <a:headEnd/>
+            <a:tailEnd/>
+          </a:ln>
+        </p:spPr>
+        <p:txBody>
+          <a:bodyPr vert="horz" wrap="square" lIns="91440" tIns="45720" rIns="91440" bIns="45720" numCol="1" anchor="t" anchorCtr="0" compatLnSpc="1">
+            <a:prstTxWarp prst="textNoShape">
+              <a:avLst/>
+            </a:prstTxWarp>
+          </a:bodyPr>
+          <a:lstStyle/>
+          <a:p>
+            <a:endParaRPr lang="en-US"/>
+          </a:p>
+        </p:txBody>
+      </p:sp>
+      <p:sp>
+        <p:nvSpPr>
+          <p:cNvPr id="11" name="AutoShape 2">
+            <a:extLst>
+              <a:ext uri="{FF2B5EF4-FFF2-40B4-BE49-F238E27FC236}">
+                <a16:creationId xmlns:a16="http://schemas.microsoft.com/office/drawing/2014/main" id="{320BCE51-1686-48CE-9E68-86D2965DE025}"/>
+              </a:ext>
+            </a:extLst>
+          </p:cNvPr>
+          <p:cNvSpPr>
+            <a:spLocks noChangeArrowheads="1"/>
+          </p:cNvSpPr>
+          <p:nvPr/>
+        </p:nvSpPr>
+        <p:spPr bwMode="auto">
+          <a:xfrm rot="-1054638">
+            <a:off x="5496060" y="4031857"/>
+            <a:ext cx="1393825" cy="373063"/>
+          </a:xfrm>
+          <a:prstGeom prst="rightArrow">
+            <a:avLst>
+              <a:gd name="adj1" fmla="val 50000"/>
+              <a:gd name="adj2" fmla="val 93404"/>
+            </a:avLst>
+          </a:prstGeom>
+          <a:solidFill>
+            <a:srgbClr val="FFFFFF"/>
+          </a:solidFill>
+          <a:ln w="9525">
+            <a:solidFill>
+              <a:srgbClr val="000000"/>
+            </a:solidFill>
+            <a:miter lim="800000"/>
+            <a:headEnd/>
+            <a:tailEnd/>
+          </a:ln>
+        </p:spPr>
+        <p:txBody>
+          <a:bodyPr vert="horz" wrap="square" lIns="91440" tIns="45720" rIns="91440" bIns="45720" numCol="1" anchor="t" anchorCtr="0" compatLnSpc="1">
+            <a:prstTxWarp prst="textNoShape">
+              <a:avLst/>
+            </a:prstTxWarp>
+          </a:bodyPr>
+          <a:lstStyle/>
+          <a:p>
+            <a:endParaRPr lang="en-US"/>
+          </a:p>
+        </p:txBody>
+      </p:sp>
+      <p:sp>
+        <p:nvSpPr>
+          <p:cNvPr id="12" name="AutoShape 1">
+            <a:extLst>
+              <a:ext uri="{FF2B5EF4-FFF2-40B4-BE49-F238E27FC236}">
+                <a16:creationId xmlns:a16="http://schemas.microsoft.com/office/drawing/2014/main" id="{31B1A5C6-CEA7-4157-B22F-94CEBEF63C8C}"/>
+              </a:ext>
+            </a:extLst>
+          </p:cNvPr>
+          <p:cNvSpPr>
+            <a:spLocks noChangeArrowheads="1"/>
+          </p:cNvSpPr>
+          <p:nvPr/>
+        </p:nvSpPr>
+        <p:spPr bwMode="auto">
+          <a:xfrm>
+            <a:off x="3190758" y="3880869"/>
+            <a:ext cx="1463675" cy="609600"/>
+          </a:xfrm>
+          <a:prstGeom prst="cube">
+            <a:avLst>
+              <a:gd name="adj" fmla="val 25000"/>
+            </a:avLst>
+          </a:prstGeom>
+          <a:solidFill>
+            <a:srgbClr val="FFFFFF"/>
+          </a:solidFill>
+          <a:ln w="9525">
+            <a:solidFill>
+              <a:srgbClr val="000000"/>
+            </a:solidFill>
+            <a:miter lim="800000"/>
+            <a:headEnd/>
+            <a:tailEnd/>
+          </a:ln>
+        </p:spPr>
+        <p:txBody>
+          <a:bodyPr vert="horz" wrap="square" lIns="91440" tIns="45720" rIns="91440" bIns="45720" numCol="1" anchor="t" anchorCtr="0" compatLnSpc="1">
+            <a:prstTxWarp prst="textNoShape">
+              <a:avLst/>
+            </a:prstTxWarp>
+          </a:bodyPr>
+          <a:lstStyle/>
+          <a:p>
+            <a:endParaRPr lang="en-US"/>
+          </a:p>
+        </p:txBody>
+      </p:sp>
+      <p:sp>
+        <p:nvSpPr>
+          <p:cNvPr id="13" name="AutoShape 8">
+            <a:extLst>
+              <a:ext uri="{FF2B5EF4-FFF2-40B4-BE49-F238E27FC236}">
+                <a16:creationId xmlns:a16="http://schemas.microsoft.com/office/drawing/2014/main" id="{B7D9040C-D2DE-46B4-BAE0-AA569C74D118}"/>
+              </a:ext>
+            </a:extLst>
+          </p:cNvPr>
+          <p:cNvSpPr>
+            <a:spLocks noChangeArrowheads="1"/>
+          </p:cNvSpPr>
+          <p:nvPr/>
+        </p:nvSpPr>
+        <p:spPr bwMode="auto">
+          <a:xfrm>
+            <a:off x="3206538" y="4368245"/>
+            <a:ext cx="1463675" cy="609600"/>
+          </a:xfrm>
+          <a:prstGeom prst="cube">
+            <a:avLst>
+              <a:gd name="adj" fmla="val 25000"/>
+            </a:avLst>
+          </a:prstGeom>
+          <a:solidFill>
+            <a:srgbClr val="FFFFFF"/>
+          </a:solidFill>
+          <a:ln w="9525">
+            <a:solidFill>
+              <a:srgbClr val="000000"/>
+            </a:solidFill>
+            <a:miter lim="800000"/>
+            <a:headEnd/>
+            <a:tailEnd/>
+          </a:ln>
+        </p:spPr>
+        <p:txBody>
+          <a:bodyPr vert="horz" wrap="square" lIns="91440" tIns="45720" rIns="91440" bIns="45720" numCol="1" anchor="t" anchorCtr="0" compatLnSpc="1">
+            <a:prstTxWarp prst="textNoShape">
+              <a:avLst/>
+            </a:prstTxWarp>
+          </a:bodyPr>
+          <a:lstStyle/>
+          <a:p>
+            <a:endParaRPr lang="en-US"/>
+          </a:p>
+        </p:txBody>
+      </p:sp>
+      <p:sp>
+        <p:nvSpPr>
+          <p:cNvPr id="14" name="AutoShape 7">
+            <a:extLst>
+              <a:ext uri="{FF2B5EF4-FFF2-40B4-BE49-F238E27FC236}">
+                <a16:creationId xmlns:a16="http://schemas.microsoft.com/office/drawing/2014/main" id="{6D6BDB14-9542-471E-8D55-C7A7AAE4AA6B}"/>
+              </a:ext>
+            </a:extLst>
+          </p:cNvPr>
+          <p:cNvSpPr>
+            <a:spLocks noChangeArrowheads="1"/>
+          </p:cNvSpPr>
+          <p:nvPr/>
+        </p:nvSpPr>
+        <p:spPr bwMode="auto">
+          <a:xfrm>
+            <a:off x="3197378" y="4970955"/>
+            <a:ext cx="1463675" cy="609600"/>
+          </a:xfrm>
+          <a:prstGeom prst="cube">
+            <a:avLst>
+              <a:gd name="adj" fmla="val 25000"/>
+            </a:avLst>
+          </a:prstGeom>
+          <a:solidFill>
+            <a:srgbClr val="FFFFFF"/>
+          </a:solidFill>
+          <a:ln w="9525">
+            <a:solidFill>
+              <a:srgbClr val="000000"/>
+            </a:solidFill>
+            <a:miter lim="800000"/>
+            <a:headEnd/>
+            <a:tailEnd/>
+          </a:ln>
+        </p:spPr>
+        <p:txBody>
+          <a:bodyPr vert="horz" wrap="square" lIns="91440" tIns="45720" rIns="91440" bIns="45720" numCol="1" anchor="t" anchorCtr="0" compatLnSpc="1">
+            <a:prstTxWarp prst="textNoShape">
+              <a:avLst/>
+            </a:prstTxWarp>
+          </a:bodyPr>
+          <a:lstStyle/>
+          <a:p>
+            <a:pPr marL="0" marR="0" lvl="0" indent="0" algn="l" defTabSz="914400" rtl="0" eaLnBrk="0" fontAlgn="base" latinLnBrk="0" hangingPunct="0">
+              <a:lnSpc>
+                <a:spcPct val="100000"/>
+              </a:lnSpc>
+              <a:spcBef>
+                <a:spcPct val="0"/>
+              </a:spcBef>
+              <a:spcAft>
+                <a:spcPct val="0"/>
+              </a:spcAft>
+              <a:buClrTx/>
+              <a:buSzTx/>
+              <a:buFontTx/>
+              <a:buNone/>
+              <a:tabLst/>
+            </a:pPr>
+            <a:r>
+              <a:rPr kumimoji="0" lang="en-US" altLang="en-US" sz="1600" b="0" i="0" u="none" strike="noStrike" cap="none" normalizeH="0" baseline="0" dirty="0">
+                <a:ln>
+                  <a:noFill/>
+                </a:ln>
+                <a:solidFill>
+                  <a:schemeClr val="tx1"/>
+                </a:solidFill>
+                <a:effectLst/>
+                <a:latin typeface="Calibri" panose="020F0502020204030204" pitchFamily="34" charset="0"/>
+                <a:ea typeface="Times New Roman" panose="02020603050405020304" pitchFamily="18" charset="0"/>
+                <a:cs typeface="Times New Roman" panose="02020603050405020304" pitchFamily="18" charset="0"/>
+              </a:rPr>
+              <a:t>DATABASE</a:t>
+            </a:r>
+            <a:endParaRPr kumimoji="0" lang="en-US" altLang="en-US" sz="1800" b="0" i="0" u="none" strike="noStrike" cap="none" normalizeH="0" baseline="0" dirty="0">
+              <a:ln>
+                <a:noFill/>
+              </a:ln>
+              <a:solidFill>
+                <a:schemeClr val="tx1"/>
+              </a:solidFill>
+              <a:effectLst/>
+              <a:latin typeface="Arial" panose="020B0604020202020204" pitchFamily="34" charset="0"/>
+            </a:endParaRPr>
+          </a:p>
+        </p:txBody>
+      </p:sp>
+      <p:sp>
+        <p:nvSpPr>
+          <p:cNvPr id="15" name="Rectangle 12">
+            <a:extLst>
+              <a:ext uri="{FF2B5EF4-FFF2-40B4-BE49-F238E27FC236}">
+                <a16:creationId xmlns:a16="http://schemas.microsoft.com/office/drawing/2014/main" id="{F8AF6CA7-B330-42EE-A323-7E4E4A3E54CB}"/>
+              </a:ext>
+            </a:extLst>
+          </p:cNvPr>
+          <p:cNvSpPr>
+            <a:spLocks noChangeArrowheads="1"/>
+          </p:cNvSpPr>
+          <p:nvPr/>
+        </p:nvSpPr>
+        <p:spPr bwMode="auto">
+          <a:xfrm>
+            <a:off x="152400" y="152400"/>
+            <a:ext cx="12192000" cy="457200"/>
+          </a:xfrm>
+          <a:prstGeom prst="rect">
+            <a:avLst/>
+          </a:prstGeom>
+          <a:noFill/>
+          <a:ln>
+            <a:noFill/>
+          </a:ln>
+          <a:effectLst/>
+          <a:extLst>
+            <a:ext uri="{909E8E84-426E-40DD-AFC4-6F175D3DCCD1}">
+              <a14:hiddenFill xmlns:a14="http://schemas.microsoft.com/office/drawing/2010/main">
+                <a:solidFill>
+                  <a:schemeClr val="accent1"/>
+                </a:solidFill>
+              </a14:hiddenFill>
+            </a:ext>
+            <a:ext uri="{91240B29-F687-4F45-9708-019B960494DF}">
+              <a14:hiddenLine xmlns:a14="http://schemas.microsoft.com/office/drawing/2010/main" w="9525">
+                <a:solidFill>
+                  <a:schemeClr val="tx1"/>
+                </a:solidFill>
+                <a:miter lim="800000"/>
+                <a:headEnd/>
+                <a:tailEnd/>
+              </a14:hiddenLine>
+            </a:ext>
+            <a:ext uri="{AF507438-7753-43E0-B8FC-AC1667EBCBE1}">
+              <a14:hiddenEffects xmlns:a14="http://schemas.microsoft.com/office/drawing/2010/main">
+                <a:effectLst>
+                  <a:outerShdw dist="35921" dir="2700000" algn="ctr" rotWithShape="0">
+                    <a:schemeClr val="bg2"/>
+                  </a:outerShdw>
+                </a:effectLst>
+              </a14:hiddenEffects>
+            </a:ext>
+          </a:extLst>
+        </p:spPr>
+        <p:txBody>
+          <a:bodyPr vert="horz" wrap="none" lIns="91440" tIns="45720" rIns="91440" bIns="45720" numCol="1" anchor="ctr" anchorCtr="0" compatLnSpc="1">
+            <a:prstTxWarp prst="textNoShape">
+              <a:avLst/>
+            </a:prstTxWarp>
+            <a:spAutoFit/>
+          </a:bodyPr>
+          <a:lstStyle/>
+          <a:p>
+            <a:endParaRPr lang="en-US"/>
+          </a:p>
+        </p:txBody>
+      </p:sp>
+      <p:sp>
+        <p:nvSpPr>
+          <p:cNvPr id="16" name="Rectangle 18">
+            <a:extLst>
+              <a:ext uri="{FF2B5EF4-FFF2-40B4-BE49-F238E27FC236}">
+                <a16:creationId xmlns:a16="http://schemas.microsoft.com/office/drawing/2014/main" id="{258EF46B-9484-45D1-A65D-0564114CE901}"/>
+              </a:ext>
+            </a:extLst>
+          </p:cNvPr>
+          <p:cNvSpPr>
+            <a:spLocks noChangeArrowheads="1"/>
+          </p:cNvSpPr>
+          <p:nvPr/>
+        </p:nvSpPr>
+        <p:spPr bwMode="auto">
+          <a:xfrm>
+            <a:off x="152400" y="609600"/>
+            <a:ext cx="12192000" cy="0"/>
+          </a:xfrm>
+          <a:prstGeom prst="rect">
+            <a:avLst/>
+          </a:prstGeom>
+          <a:noFill/>
+          <a:ln>
+            <a:noFill/>
+          </a:ln>
+          <a:effectLst/>
+          <a:extLst>
+            <a:ext uri="{909E8E84-426E-40DD-AFC4-6F175D3DCCD1}">
+              <a14:hiddenFill xmlns:a14="http://schemas.microsoft.com/office/drawing/2010/main">
+                <a:solidFill>
+                  <a:schemeClr val="accent1"/>
+                </a:solidFill>
+              </a14:hiddenFill>
+            </a:ext>
+            <a:ext uri="{91240B29-F687-4F45-9708-019B960494DF}">
+              <a14:hiddenLine xmlns:a14="http://schemas.microsoft.com/office/drawing/2010/main" w="9525">
+                <a:solidFill>
+                  <a:schemeClr val="tx1"/>
+                </a:solidFill>
+                <a:miter lim="800000"/>
+                <a:headEnd/>
+                <a:tailEnd/>
+              </a14:hiddenLine>
+            </a:ext>
+            <a:ext uri="{AF507438-7753-43E0-B8FC-AC1667EBCBE1}">
+              <a14:hiddenEffects xmlns:a14="http://schemas.microsoft.com/office/drawing/2010/main">
+                <a:effectLst>
+                  <a:outerShdw dist="35921" dir="2700000" algn="ctr" rotWithShape="0">
+                    <a:schemeClr val="bg2"/>
+                  </a:outerShdw>
+                </a:effectLst>
+              </a14:hiddenEffects>
+            </a:ext>
+          </a:extLst>
+        </p:spPr>
+        <p:txBody>
+          <a:bodyPr vert="horz" wrap="none" lIns="91440" tIns="45720" rIns="91440" bIns="45720" numCol="1" anchor="ctr" anchorCtr="0" compatLnSpc="1">
+            <a:prstTxWarp prst="textNoShape">
+              <a:avLst/>
+            </a:prstTxWarp>
+            <a:spAutoFit/>
+          </a:bodyPr>
+          <a:lstStyle/>
+          <a:p>
+            <a:endParaRPr lang="en-US"/>
+          </a:p>
+        </p:txBody>
+      </p:sp>
+      <p:sp>
+        <p:nvSpPr>
+          <p:cNvPr id="17" name="Rectangle 19">
+            <a:extLst>
+              <a:ext uri="{FF2B5EF4-FFF2-40B4-BE49-F238E27FC236}">
+                <a16:creationId xmlns:a16="http://schemas.microsoft.com/office/drawing/2014/main" id="{1C66BFC1-D615-495F-AB62-4C900DEC122F}"/>
+              </a:ext>
+            </a:extLst>
+          </p:cNvPr>
+          <p:cNvSpPr>
+            <a:spLocks noChangeArrowheads="1"/>
+          </p:cNvSpPr>
+          <p:nvPr/>
+        </p:nvSpPr>
+        <p:spPr bwMode="auto">
+          <a:xfrm>
+            <a:off x="152400" y="609600"/>
+            <a:ext cx="12192000" cy="0"/>
+          </a:xfrm>
+          <a:prstGeom prst="rect">
+            <a:avLst/>
+          </a:prstGeom>
+          <a:noFill/>
+          <a:ln>
+            <a:noFill/>
+          </a:ln>
+          <a:effectLst/>
+          <a:extLst>
+            <a:ext uri="{909E8E84-426E-40DD-AFC4-6F175D3DCCD1}">
+              <a14:hiddenFill xmlns:a14="http://schemas.microsoft.com/office/drawing/2010/main">
+                <a:solidFill>
+                  <a:schemeClr val="accent1"/>
+                </a:solidFill>
+              </a14:hiddenFill>
+            </a:ext>
+            <a:ext uri="{91240B29-F687-4F45-9708-019B960494DF}">
+              <a14:hiddenLine xmlns:a14="http://schemas.microsoft.com/office/drawing/2010/main" w="9525">
+                <a:solidFill>
+                  <a:schemeClr val="tx1"/>
+                </a:solidFill>
+                <a:miter lim="800000"/>
+                <a:headEnd/>
+                <a:tailEnd/>
+              </a14:hiddenLine>
+            </a:ext>
+            <a:ext uri="{AF507438-7753-43E0-B8FC-AC1667EBCBE1}">
+              <a14:hiddenEffects xmlns:a14="http://schemas.microsoft.com/office/drawing/2010/main">
+                <a:effectLst>
+                  <a:outerShdw dist="35921" dir="2700000" algn="ctr" rotWithShape="0">
+                    <a:schemeClr val="bg2"/>
+                  </a:outerShdw>
+                </a:effectLst>
+              </a14:hiddenEffects>
+            </a:ext>
+          </a:extLst>
+        </p:spPr>
+        <p:txBody>
+          <a:bodyPr vert="horz" wrap="none" lIns="91440" tIns="45720" rIns="91440" bIns="45720" numCol="1" anchor="ctr" anchorCtr="0" compatLnSpc="1">
+            <a:prstTxWarp prst="textNoShape">
+              <a:avLst/>
+            </a:prstTxWarp>
+            <a:spAutoFit/>
+          </a:bodyPr>
+          <a:lstStyle/>
+          <a:p>
+            <a:pPr marL="0" marR="0" lvl="0" indent="0" algn="l" defTabSz="914400" rtl="0" eaLnBrk="0" fontAlgn="base" latinLnBrk="0" hangingPunct="0">
+              <a:lnSpc>
+                <a:spcPct val="100000"/>
+              </a:lnSpc>
+              <a:spcBef>
+                <a:spcPct val="0"/>
+              </a:spcBef>
+              <a:spcAft>
+                <a:spcPct val="0"/>
+              </a:spcAft>
+              <a:buClrTx/>
+              <a:buSzTx/>
+              <a:buFontTx/>
+              <a:buNone/>
+              <a:tabLst/>
+            </a:pPr>
+            <a:endParaRPr kumimoji="0" lang="en-US" altLang="en-US" sz="1100" b="0" i="0" u="none" strike="noStrike" cap="none" normalizeH="0" baseline="0">
+              <a:ln>
+                <a:noFill/>
+              </a:ln>
+              <a:solidFill>
+                <a:schemeClr val="tx1"/>
+              </a:solidFill>
+              <a:effectLst/>
+              <a:latin typeface="Calibri" panose="020F0502020204030204" pitchFamily="34" charset="0"/>
+              <a:ea typeface="Times New Roman" panose="02020603050405020304" pitchFamily="18" charset="0"/>
+              <a:cs typeface="Calibri" panose="020F0502020204030204" pitchFamily="34" charset="0"/>
+            </a:endParaRPr>
+          </a:p>
+          <a:p>
+            <a:pPr marL="0" marR="0" lvl="0" indent="0" algn="l" defTabSz="914400" rtl="0" eaLnBrk="0" fontAlgn="base" latinLnBrk="0" hangingPunct="0">
+              <a:lnSpc>
+                <a:spcPct val="100000"/>
+              </a:lnSpc>
+              <a:spcBef>
+                <a:spcPct val="0"/>
+              </a:spcBef>
+              <a:spcAft>
+                <a:spcPct val="0"/>
+              </a:spcAft>
+              <a:buClrTx/>
+              <a:buSzTx/>
+              <a:buFontTx/>
+              <a:buNone/>
+              <a:tabLst/>
+            </a:pPr>
+            <a:r>
+              <a:rPr kumimoji="0" lang="en-US" altLang="en-US" sz="1100" b="0" i="0" u="none" strike="noStrike" cap="none" normalizeH="0" baseline="0">
+                <a:ln>
+                  <a:noFill/>
+                </a:ln>
+                <a:solidFill>
+                  <a:schemeClr val="tx1"/>
+                </a:solidFill>
+                <a:effectLst/>
+                <a:latin typeface="Calibri" panose="020F0502020204030204" pitchFamily="34" charset="0"/>
+                <a:ea typeface="Times New Roman" panose="02020603050405020304" pitchFamily="18" charset="0"/>
+                <a:cs typeface="Calibri" panose="020F0502020204030204" pitchFamily="34" charset="0"/>
+              </a:rPr>
+              <a:t>                        </a:t>
+            </a:r>
+            <a:endParaRPr kumimoji="0" lang="en-US" altLang="en-US" sz="1800" b="0" i="0" u="none" strike="noStrike" cap="none" normalizeH="0" baseline="0">
+              <a:ln>
+                <a:noFill/>
+              </a:ln>
+              <a:solidFill>
+                <a:schemeClr val="tx1"/>
+              </a:solidFill>
+              <a:effectLst/>
+              <a:latin typeface="Arial" panose="020B0604020202020204" pitchFamily="34" charset="0"/>
+            </a:endParaRPr>
+          </a:p>
+        </p:txBody>
+      </p:sp>
+      <p:sp>
+        <p:nvSpPr>
+          <p:cNvPr id="3" name="Flowchart: Connector 2">
+            <a:extLst>
+              <a:ext uri="{FF2B5EF4-FFF2-40B4-BE49-F238E27FC236}">
+                <a16:creationId xmlns:a16="http://schemas.microsoft.com/office/drawing/2014/main" id="{23D58735-9BF1-4DB8-B46A-1EC86DA628D5}"/>
+              </a:ext>
+            </a:extLst>
+          </p:cNvPr>
+          <p:cNvSpPr/>
+          <p:nvPr/>
         </p:nvSpPr>
         <p:spPr>
           <a:xfrm>
-            <a:off x="226423" y="1523517"/>
-            <a:ext cx="10058400" cy="4023360"/>
+            <a:off x="798022" y="1474788"/>
+            <a:ext cx="482138" cy="503641"/>
           </a:xfrm>
+          <a:prstGeom prst="flowChartConnector">
+            <a:avLst/>
+          </a:prstGeom>
         </p:spPr>
-        <p:txBody>
-          <a:bodyPr/>
+        <p:style>
+          <a:lnRef idx="2">
+            <a:schemeClr val="accent1">
+              <a:shade val="50000"/>
+            </a:schemeClr>
+          </a:lnRef>
+          <a:fillRef idx="1">
+            <a:schemeClr val="accent1"/>
+          </a:fillRef>
+          <a:effectRef idx="0">
+            <a:schemeClr val="accent1"/>
+          </a:effectRef>
+          <a:fontRef idx="minor">
+            <a:schemeClr val="lt1"/>
+          </a:fontRef>
+        </p:style>
+        <p:txBody>
+          <a:bodyPr rtlCol="0" anchor="ctr"/>
           <a:lstStyle/>
           <a:p>
-            <a:endParaRPr lang="en-US" dirty="0"/>
+            <a:pPr algn="ctr"/>
+            <a:endParaRPr lang="en-US"/>
+          </a:p>
+        </p:txBody>
+      </p:sp>
+      <p:sp>
+        <p:nvSpPr>
+          <p:cNvPr id="18" name="Rectangle: Top Corners Snipped 17">
+            <a:extLst>
+              <a:ext uri="{FF2B5EF4-FFF2-40B4-BE49-F238E27FC236}">
+                <a16:creationId xmlns:a16="http://schemas.microsoft.com/office/drawing/2014/main" id="{79ADAA34-4DDD-47C8-A769-1CF0F8A1C9A2}"/>
+              </a:ext>
+            </a:extLst>
+          </p:cNvPr>
+          <p:cNvSpPr/>
+          <p:nvPr/>
+        </p:nvSpPr>
+        <p:spPr>
+          <a:xfrm>
+            <a:off x="671999" y="1978429"/>
+            <a:ext cx="734184" cy="457200"/>
+          </a:xfrm>
+          <a:prstGeom prst="snip2SameRect">
+            <a:avLst/>
+          </a:prstGeom>
+        </p:spPr>
+        <p:style>
+          <a:lnRef idx="2">
+            <a:schemeClr val="accent1">
+              <a:shade val="50000"/>
+            </a:schemeClr>
+          </a:lnRef>
+          <a:fillRef idx="1">
+            <a:schemeClr val="accent1"/>
+          </a:fillRef>
+          <a:effectRef idx="0">
+            <a:schemeClr val="accent1"/>
+          </a:effectRef>
+          <a:fontRef idx="minor">
+            <a:schemeClr val="lt1"/>
+          </a:fontRef>
+        </p:style>
+        <p:txBody>
+          <a:bodyPr rtlCol="0" anchor="ctr"/>
+          <a:lstStyle/>
+          <a:p>
+            <a:pPr algn="ctr"/>
+            <a:r>
+              <a:rPr lang="en-US" dirty="0"/>
+              <a:t>user</a:t>
+            </a:r>
+          </a:p>
+        </p:txBody>
+      </p:sp>
+      <p:sp>
+        <p:nvSpPr>
+          <p:cNvPr id="19" name="Arrow: Right 18">
+            <a:extLst>
+              <a:ext uri="{FF2B5EF4-FFF2-40B4-BE49-F238E27FC236}">
+                <a16:creationId xmlns:a16="http://schemas.microsoft.com/office/drawing/2014/main" id="{26FA6A79-A5C7-473C-AE44-7AA5CAD9B904}"/>
+              </a:ext>
+            </a:extLst>
+          </p:cNvPr>
+          <p:cNvSpPr/>
+          <p:nvPr/>
+        </p:nvSpPr>
+        <p:spPr>
+          <a:xfrm>
+            <a:off x="1712422" y="1978429"/>
+            <a:ext cx="1166592" cy="390698"/>
+          </a:xfrm>
+          <a:prstGeom prst="rightArrow">
+            <a:avLst/>
+          </a:prstGeom>
+        </p:spPr>
+        <p:style>
+          <a:lnRef idx="2">
+            <a:schemeClr val="accent1"/>
+          </a:lnRef>
+          <a:fillRef idx="1">
+            <a:schemeClr val="lt1"/>
+          </a:fillRef>
+          <a:effectRef idx="0">
+            <a:schemeClr val="accent1"/>
+          </a:effectRef>
+          <a:fontRef idx="minor">
+            <a:schemeClr val="dk1"/>
+          </a:fontRef>
+        </p:style>
+        <p:txBody>
+          <a:bodyPr rtlCol="0" anchor="ctr"/>
+          <a:lstStyle/>
+          <a:p>
+            <a:pPr algn="ctr"/>
+            <a:endParaRPr lang="en-US"/>
           </a:p>
         </p:txBody>
       </p:sp>
@@ -14502,18 +21422,319 @@
   <p:clrMapOvr>
     <a:masterClrMapping/>
   </p:clrMapOvr>
-  <mc:AlternateContent xmlns:mc="http://schemas.openxmlformats.org/markup-compatibility/2006">
-    <mc:Choice xmlns:p14="http://schemas.microsoft.com/office/powerpoint/2010/main" Requires="p14">
-      <p:transition spd="slow" p14:dur="4000">
-        <p14:vortex dir="r"/>
+  <mc:AlternateContent xmlns:mc="http://schemas.openxmlformats.org/markup-compatibility/2006" xmlns:p14="http://schemas.microsoft.com/office/powerpoint/2010/main">
+    <mc:Choice Requires="p14">
+      <p:transition spd="slow" p14:dur="1200">
+        <p:dissolve/>
       </p:transition>
     </mc:Choice>
-    <mc:Fallback>
+    <mc:Fallback xmlns="">
       <p:transition spd="slow">
-        <p:fade/>
+        <p:dissolve/>
       </p:transition>
     </mc:Fallback>
   </mc:AlternateContent>
+  <p:timing>
+    <p:tnLst>
+      <p:par>
+        <p:cTn id="1" dur="indefinite" restart="never" nodeType="tmRoot">
+          <p:childTnLst>
+            <p:seq concurrent="1" nextAc="seek">
+              <p:cTn id="2" dur="indefinite" nodeType="mainSeq">
+                <p:childTnLst>
+                  <p:par>
+                    <p:cTn id="3" fill="hold">
+                      <p:stCondLst>
+                        <p:cond delay="indefinite"/>
+                      </p:stCondLst>
+                      <p:childTnLst>
+                        <p:par>
+                          <p:cTn id="4" fill="hold">
+                            <p:stCondLst>
+                              <p:cond delay="0"/>
+                            </p:stCondLst>
+                            <p:childTnLst>
+                              <p:par>
+                                <p:cTn id="5" presetID="10" presetClass="entr" presetSubtype="0" fill="hold" grpId="0" nodeType="clickEffect">
+                                  <p:stCondLst>
+                                    <p:cond delay="0"/>
+                                  </p:stCondLst>
+                                  <p:childTnLst>
+                                    <p:set>
+                                      <p:cBhvr>
+                                        <p:cTn id="6" dur="1" fill="hold">
+                                          <p:stCondLst>
+                                            <p:cond delay="0"/>
+                                          </p:stCondLst>
+                                        </p:cTn>
+                                        <p:tgtEl>
+                                          <p:spTgt spid="5"/>
+                                        </p:tgtEl>
+                                        <p:attrNameLst>
+                                          <p:attrName>style.visibility</p:attrName>
+                                        </p:attrNameLst>
+                                      </p:cBhvr>
+                                      <p:to>
+                                        <p:strVal val="visible"/>
+                                      </p:to>
+                                    </p:set>
+                                    <p:animEffect transition="in" filter="fade">
+                                      <p:cBhvr>
+                                        <p:cTn id="7" dur="500"/>
+                                        <p:tgtEl>
+                                          <p:spTgt spid="5"/>
+                                        </p:tgtEl>
+                                      </p:cBhvr>
+                                    </p:animEffect>
+                                  </p:childTnLst>
+                                </p:cTn>
+                              </p:par>
+                            </p:childTnLst>
+                          </p:cTn>
+                        </p:par>
+                      </p:childTnLst>
+                    </p:cTn>
+                  </p:par>
+                  <p:par>
+                    <p:cTn id="8" fill="hold">
+                      <p:stCondLst>
+                        <p:cond delay="indefinite"/>
+                      </p:stCondLst>
+                      <p:childTnLst>
+                        <p:par>
+                          <p:cTn id="9" fill="hold">
+                            <p:stCondLst>
+                              <p:cond delay="0"/>
+                            </p:stCondLst>
+                            <p:childTnLst>
+                              <p:par>
+                                <p:cTn id="10" presetID="16" presetClass="entr" presetSubtype="21" fill="hold" grpId="0" nodeType="clickEffect">
+                                  <p:stCondLst>
+                                    <p:cond delay="0"/>
+                                  </p:stCondLst>
+                                  <p:childTnLst>
+                                    <p:set>
+                                      <p:cBhvr>
+                                        <p:cTn id="11" dur="1" fill="hold">
+                                          <p:stCondLst>
+                                            <p:cond delay="0"/>
+                                          </p:stCondLst>
+                                        </p:cTn>
+                                        <p:tgtEl>
+                                          <p:spTgt spid="6"/>
+                                        </p:tgtEl>
+                                        <p:attrNameLst>
+                                          <p:attrName>style.visibility</p:attrName>
+                                        </p:attrNameLst>
+                                      </p:cBhvr>
+                                      <p:to>
+                                        <p:strVal val="visible"/>
+                                      </p:to>
+                                    </p:set>
+                                    <p:animEffect transition="in" filter="barn(inVertical)">
+                                      <p:cBhvr>
+                                        <p:cTn id="12" dur="500"/>
+                                        <p:tgtEl>
+                                          <p:spTgt spid="6"/>
+                                        </p:tgtEl>
+                                      </p:cBhvr>
+                                    </p:animEffect>
+                                  </p:childTnLst>
+                                </p:cTn>
+                              </p:par>
+                            </p:childTnLst>
+                          </p:cTn>
+                        </p:par>
+                      </p:childTnLst>
+                    </p:cTn>
+                  </p:par>
+                  <p:par>
+                    <p:cTn id="13" fill="hold">
+                      <p:stCondLst>
+                        <p:cond delay="indefinite"/>
+                      </p:stCondLst>
+                      <p:childTnLst>
+                        <p:par>
+                          <p:cTn id="14" fill="hold">
+                            <p:stCondLst>
+                              <p:cond delay="0"/>
+                            </p:stCondLst>
+                            <p:childTnLst>
+                              <p:par>
+                                <p:cTn id="15" presetID="21" presetClass="entr" presetSubtype="1" fill="hold" grpId="0" nodeType="clickEffect">
+                                  <p:stCondLst>
+                                    <p:cond delay="0"/>
+                                  </p:stCondLst>
+                                  <p:childTnLst>
+                                    <p:set>
+                                      <p:cBhvr>
+                                        <p:cTn id="16" dur="1" fill="hold">
+                                          <p:stCondLst>
+                                            <p:cond delay="0"/>
+                                          </p:stCondLst>
+                                        </p:cTn>
+                                        <p:tgtEl>
+                                          <p:spTgt spid="14"/>
+                                        </p:tgtEl>
+                                        <p:attrNameLst>
+                                          <p:attrName>style.visibility</p:attrName>
+                                        </p:attrNameLst>
+                                      </p:cBhvr>
+                                      <p:to>
+                                        <p:strVal val="visible"/>
+                                      </p:to>
+                                    </p:set>
+                                    <p:animEffect transition="in" filter="wheel(1)">
+                                      <p:cBhvr>
+                                        <p:cTn id="17" dur="2000"/>
+                                        <p:tgtEl>
+                                          <p:spTgt spid="14"/>
+                                        </p:tgtEl>
+                                      </p:cBhvr>
+                                    </p:animEffect>
+                                  </p:childTnLst>
+                                </p:cTn>
+                              </p:par>
+                            </p:childTnLst>
+                          </p:cTn>
+                        </p:par>
+                      </p:childTnLst>
+                    </p:cTn>
+                  </p:par>
+                  <p:par>
+                    <p:cTn id="18" fill="hold">
+                      <p:stCondLst>
+                        <p:cond delay="indefinite"/>
+                      </p:stCondLst>
+                      <p:childTnLst>
+                        <p:par>
+                          <p:cTn id="19" fill="hold">
+                            <p:stCondLst>
+                              <p:cond delay="0"/>
+                            </p:stCondLst>
+                            <p:childTnLst>
+                              <p:par>
+                                <p:cTn id="20" presetID="34" presetClass="emph" presetSubtype="0" fill="hold" grpId="0" nodeType="clickEffect">
+                                  <p:stCondLst>
+                                    <p:cond delay="0"/>
+                                  </p:stCondLst>
+                                  <p:iterate type="lt">
+                                    <p:tmPct val="10000"/>
+                                  </p:iterate>
+                                  <p:childTnLst>
+                                    <p:animMotion origin="layout" path="M 0.0 0.0 L 0.0 -0.07213" pathEditMode="relative" ptsTypes="">
+                                      <p:cBhvr>
+                                        <p:cTn id="21" dur="250" accel="50000" decel="50000" autoRev="1" fill="hold">
+                                          <p:stCondLst>
+                                            <p:cond delay="0"/>
+                                          </p:stCondLst>
+                                        </p:cTn>
+                                        <p:tgtEl>
+                                          <p:spTgt spid="9"/>
+                                        </p:tgtEl>
+                                        <p:attrNameLst>
+                                          <p:attrName>ppt_x</p:attrName>
+                                          <p:attrName>ppt_y</p:attrName>
+                                        </p:attrNameLst>
+                                      </p:cBhvr>
+                                    </p:animMotion>
+                                    <p:animRot by="1500000">
+                                      <p:cBhvr>
+                                        <p:cTn id="22" dur="125" fill="hold">
+                                          <p:stCondLst>
+                                            <p:cond delay="0"/>
+                                          </p:stCondLst>
+                                        </p:cTn>
+                                        <p:tgtEl>
+                                          <p:spTgt spid="9"/>
+                                        </p:tgtEl>
+                                        <p:attrNameLst>
+                                          <p:attrName>r</p:attrName>
+                                        </p:attrNameLst>
+                                      </p:cBhvr>
+                                    </p:animRot>
+                                    <p:animRot by="-1500000">
+                                      <p:cBhvr>
+                                        <p:cTn id="23" dur="125" fill="hold">
+                                          <p:stCondLst>
+                                            <p:cond delay="125"/>
+                                          </p:stCondLst>
+                                        </p:cTn>
+                                        <p:tgtEl>
+                                          <p:spTgt spid="9"/>
+                                        </p:tgtEl>
+                                        <p:attrNameLst>
+                                          <p:attrName>r</p:attrName>
+                                        </p:attrNameLst>
+                                      </p:cBhvr>
+                                    </p:animRot>
+                                    <p:animRot by="-1500000">
+                                      <p:cBhvr>
+                                        <p:cTn id="24" dur="125" fill="hold">
+                                          <p:stCondLst>
+                                            <p:cond delay="250"/>
+                                          </p:stCondLst>
+                                        </p:cTn>
+                                        <p:tgtEl>
+                                          <p:spTgt spid="9"/>
+                                        </p:tgtEl>
+                                        <p:attrNameLst>
+                                          <p:attrName>r</p:attrName>
+                                        </p:attrNameLst>
+                                      </p:cBhvr>
+                                    </p:animRot>
+                                    <p:animRot by="1500000">
+                                      <p:cBhvr>
+                                        <p:cTn id="25" dur="125" fill="hold">
+                                          <p:stCondLst>
+                                            <p:cond delay="375"/>
+                                          </p:stCondLst>
+                                        </p:cTn>
+                                        <p:tgtEl>
+                                          <p:spTgt spid="9"/>
+                                        </p:tgtEl>
+                                        <p:attrNameLst>
+                                          <p:attrName>r</p:attrName>
+                                        </p:attrNameLst>
+                                      </p:cBhvr>
+                                    </p:animRot>
+                                  </p:childTnLst>
+                                </p:cTn>
+                              </p:par>
+                            </p:childTnLst>
+                          </p:cTn>
+                        </p:par>
+                      </p:childTnLst>
+                    </p:cTn>
+                  </p:par>
+                </p:childTnLst>
+              </p:cTn>
+              <p:prevCondLst>
+                <p:cond evt="onPrev" delay="0">
+                  <p:tgtEl>
+                    <p:sldTgt/>
+                  </p:tgtEl>
+                </p:cond>
+              </p:prevCondLst>
+              <p:nextCondLst>
+                <p:cond evt="onNext" delay="0">
+                  <p:tgtEl>
+                    <p:sldTgt/>
+                  </p:tgtEl>
+                </p:cond>
+              </p:nextCondLst>
+            </p:seq>
+          </p:childTnLst>
+        </p:cTn>
+      </p:par>
+    </p:tnLst>
+    <p:bldLst>
+      <p:bldP spid="5" grpId="0" animBg="1"/>
+      <p:bldP spid="6" grpId="0" animBg="1"/>
+      <p:bldP spid="9" grpId="0" animBg="1"/>
+      <p:bldP spid="14" grpId="0" animBg="1"/>
+    </p:bldLst>
+  </p:timing>
 </p:sld>
 </file>
 
